--- a/Docs/Refactoring-2.0.pptx
+++ b/Docs/Refactoring-2.0.pptx
@@ -5,7 +5,7 @@
     <p:sldMasterId id="2147483720" r:id="rId1"/>
   </p:sldMasterIdLst>
   <p:notesMasterIdLst>
-    <p:notesMasterId r:id="rId25"/>
+    <p:notesMasterId r:id="rId27"/>
   </p:notesMasterIdLst>
   <p:sldIdLst>
     <p:sldId id="256" r:id="rId2"/>
@@ -23,14 +23,16 @@
     <p:sldId id="265" r:id="rId14"/>
     <p:sldId id="263" r:id="rId15"/>
     <p:sldId id="311" r:id="rId16"/>
-    <p:sldId id="313" r:id="rId17"/>
-    <p:sldId id="315" r:id="rId18"/>
-    <p:sldId id="321" r:id="rId19"/>
-    <p:sldId id="316" r:id="rId20"/>
-    <p:sldId id="317" r:id="rId21"/>
-    <p:sldId id="319" r:id="rId22"/>
-    <p:sldId id="318" r:id="rId23"/>
-    <p:sldId id="320" r:id="rId24"/>
+    <p:sldId id="322" r:id="rId17"/>
+    <p:sldId id="313" r:id="rId18"/>
+    <p:sldId id="323" r:id="rId19"/>
+    <p:sldId id="315" r:id="rId20"/>
+    <p:sldId id="321" r:id="rId21"/>
+    <p:sldId id="316" r:id="rId22"/>
+    <p:sldId id="317" r:id="rId23"/>
+    <p:sldId id="319" r:id="rId24"/>
+    <p:sldId id="318" r:id="rId25"/>
+    <p:sldId id="320" r:id="rId26"/>
   </p:sldIdLst>
   <p:sldSz cx="9144000" cy="6858000" type="screen4x3"/>
   <p:notesSz cx="6858000" cy="9144000"/>
@@ -4526,8 +4528,8 @@
           <a:lstStyle/>
           <a:p>
             <a:r>
-              <a:rPr lang="en-US" dirty="0" smtClean="0"/>
-              <a:t>Refactoring</a:t>
+              <a:rPr lang="en-US" dirty="0"/>
+              <a:t>Refactoring Follow-Up</a:t>
             </a:r>
             <a:endParaRPr lang="en-US" dirty="0"/>
           </a:p>
@@ -4798,6 +4800,89 @@
 </file>
 
 <file path=ppt/slides/slide16.xml><?xml version="1.0" encoding="utf-8"?>
+<p:sld xmlns:a="http://schemas.openxmlformats.org/drawingml/2006/main" xmlns:r="http://schemas.openxmlformats.org/officeDocument/2006/relationships" xmlns:p="http://schemas.openxmlformats.org/presentationml/2006/main">
+  <p:cSld>
+    <p:spTree>
+      <p:nvGrpSpPr>
+        <p:cNvPr id="1" name=""/>
+        <p:cNvGrpSpPr/>
+        <p:nvPr/>
+      </p:nvGrpSpPr>
+      <p:grpSpPr>
+        <a:xfrm>
+          <a:off x="0" y="0"/>
+          <a:ext cx="0" cy="0"/>
+          <a:chOff x="0" y="0"/>
+          <a:chExt cx="0" cy="0"/>
+        </a:xfrm>
+      </p:grpSpPr>
+      <p:sp>
+        <p:nvSpPr>
+          <p:cNvPr id="2" name="Title 1"/>
+          <p:cNvSpPr>
+            <a:spLocks noGrp="1"/>
+          </p:cNvSpPr>
+          <p:nvPr>
+            <p:ph type="title"/>
+          </p:nvPr>
+        </p:nvSpPr>
+        <p:spPr/>
+        <p:txBody>
+          <a:bodyPr/>
+          <a:lstStyle/>
+          <a:p>
+            <a:r>
+              <a:rPr lang="en-US" dirty="0" smtClean="0"/>
+              <a:t>Solutions</a:t>
+            </a:r>
+            <a:endParaRPr lang="en-US" dirty="0"/>
+          </a:p>
+        </p:txBody>
+      </p:sp>
+      <p:sp>
+        <p:nvSpPr>
+          <p:cNvPr id="4" name="Text Placeholder 3"/>
+          <p:cNvSpPr>
+            <a:spLocks noGrp="1"/>
+          </p:cNvSpPr>
+          <p:nvPr>
+            <p:ph type="body" idx="1"/>
+          </p:nvPr>
+        </p:nvSpPr>
+        <p:spPr/>
+        <p:txBody>
+          <a:bodyPr/>
+          <a:lstStyle/>
+          <a:p>
+            <a:r>
+              <a:rPr lang="en-US" dirty="0"/>
+              <a:t>Refactoring Follow-Up</a:t>
+            </a:r>
+            <a:endParaRPr lang="en-US" dirty="0"/>
+          </a:p>
+        </p:txBody>
+      </p:sp>
+    </p:spTree>
+    <p:extLst>
+      <p:ext uri="{BB962C8B-B14F-4D97-AF65-F5344CB8AC3E}">
+        <p14:creationId xmlns:p14="http://schemas.microsoft.com/office/powerpoint/2010/main" val="2330728495"/>
+      </p:ext>
+    </p:extLst>
+  </p:cSld>
+  <p:clrMapOvr>
+    <a:masterClrMapping/>
+  </p:clrMapOvr>
+  <p:timing>
+    <p:tnLst>
+      <p:par>
+        <p:cTn id="1" dur="indefinite" restart="never" nodeType="tmRoot"/>
+      </p:par>
+    </p:tnLst>
+  </p:timing>
+</p:sld>
+</file>
+
+<file path=ppt/slides/slide17.xml><?xml version="1.0" encoding="utf-8"?>
 <p:sld xmlns:a="http://schemas.openxmlformats.org/drawingml/2006/main" xmlns:r="http://schemas.openxmlformats.org/officeDocument/2006/relationships" xmlns:p="http://schemas.openxmlformats.org/presentationml/2006/main">
   <p:cSld>
     <p:spTree>
@@ -4875,136 +4960,6 @@
 </p:sld>
 </file>
 
-<file path=ppt/slides/slide17.xml><?xml version="1.0" encoding="utf-8"?>
-<p:sld xmlns:a="http://schemas.openxmlformats.org/drawingml/2006/main" xmlns:r="http://schemas.openxmlformats.org/officeDocument/2006/relationships" xmlns:p="http://schemas.openxmlformats.org/presentationml/2006/main">
-  <p:cSld>
-    <p:spTree>
-      <p:nvGrpSpPr>
-        <p:cNvPr id="1" name=""/>
-        <p:cNvGrpSpPr/>
-        <p:nvPr/>
-      </p:nvGrpSpPr>
-      <p:grpSpPr>
-        <a:xfrm>
-          <a:off x="0" y="0"/>
-          <a:ext cx="0" cy="0"/>
-          <a:chOff x="0" y="0"/>
-          <a:chExt cx="0" cy="0"/>
-        </a:xfrm>
-      </p:grpSpPr>
-      <p:sp>
-        <p:nvSpPr>
-          <p:cNvPr id="2" name="Title 1"/>
-          <p:cNvSpPr>
-            <a:spLocks noGrp="1"/>
-          </p:cNvSpPr>
-          <p:nvPr>
-            <p:ph type="title"/>
-          </p:nvPr>
-        </p:nvSpPr>
-        <p:spPr/>
-        <p:txBody>
-          <a:bodyPr/>
-          <a:lstStyle/>
-          <a:p>
-            <a:r>
-              <a:rPr lang="en-US" dirty="0" smtClean="0"/>
-              <a:t>Hands-On Exercise Tasks</a:t>
-            </a:r>
-            <a:endParaRPr lang="en-US" dirty="0"/>
-          </a:p>
-        </p:txBody>
-      </p:sp>
-      <p:sp>
-        <p:nvSpPr>
-          <p:cNvPr id="3" name="Content Placeholder 2"/>
-          <p:cNvSpPr>
-            <a:spLocks noGrp="1"/>
-          </p:cNvSpPr>
-          <p:nvPr>
-            <p:ph idx="1"/>
-          </p:nvPr>
-        </p:nvSpPr>
-        <p:spPr/>
-        <p:txBody>
-          <a:bodyPr>
-            <a:normAutofit fontScale="92500"/>
-          </a:bodyPr>
-          <a:lstStyle/>
-          <a:p>
-            <a:r>
-              <a:rPr lang="en-US" dirty="0" smtClean="0"/>
-              <a:t>As in the last training session, first fork a copy of my repo to your account</a:t>
-            </a:r>
-          </a:p>
-          <a:p>
-            <a:r>
-              <a:rPr lang="en-US" dirty="0" smtClean="0"/>
-              <a:t>Then complete the tasks in the following pages</a:t>
-            </a:r>
-          </a:p>
-          <a:p>
-            <a:r>
-              <a:rPr lang="en-US" dirty="0" smtClean="0"/>
-              <a:t>You should do each of these tasks for each of the following repos under my account:</a:t>
-            </a:r>
-          </a:p>
-          <a:p>
-            <a:pPr lvl="1"/>
-            <a:r>
-              <a:rPr lang="en-US" dirty="0" smtClean="0"/>
-              <a:t>Refactoring-training-2.0 (Copy of original </a:t>
-            </a:r>
-            <a:r>
-              <a:rPr lang="en-US" dirty="0"/>
-              <a:t>c</a:t>
-            </a:r>
-            <a:r>
-              <a:rPr lang="en-US" dirty="0" smtClean="0"/>
-              <a:t>ode)</a:t>
-            </a:r>
-          </a:p>
-          <a:p>
-            <a:pPr lvl="1"/>
-            <a:r>
-              <a:rPr lang="en-US" dirty="0" smtClean="0"/>
-              <a:t>Refactoring-training-2.3 (Copy of Glen’s refactored code)</a:t>
-            </a:r>
-          </a:p>
-          <a:p>
-            <a:pPr lvl="1"/>
-            <a:r>
-              <a:rPr lang="en-US" dirty="0" smtClean="0"/>
-              <a:t>Your own repo from the previous exercise (Optional)</a:t>
-            </a:r>
-            <a:endParaRPr lang="en-US" dirty="0"/>
-          </a:p>
-          <a:p>
-            <a:pPr lvl="1"/>
-            <a:endParaRPr lang="en-US" dirty="0"/>
-          </a:p>
-        </p:txBody>
-      </p:sp>
-    </p:spTree>
-    <p:extLst>
-      <p:ext uri="{BB962C8B-B14F-4D97-AF65-F5344CB8AC3E}">
-        <p14:creationId xmlns:p14="http://schemas.microsoft.com/office/powerpoint/2010/main" val="1861789696"/>
-      </p:ext>
-    </p:extLst>
-  </p:cSld>
-  <p:clrMapOvr>
-    <a:masterClrMapping/>
-  </p:clrMapOvr>
-  <p:timing>
-    <p:tnLst>
-      <p:par>
-        <p:cTn id="1" dur="indefinite" restart="never" nodeType="tmRoot"/>
-      </p:par>
-    </p:tnLst>
-  </p:timing>
-</p:sld>
-</file>
-
 <file path=ppt/slides/slide18.xml><?xml version="1.0" encoding="utf-8"?>
 <p:sld xmlns:a="http://schemas.openxmlformats.org/drawingml/2006/main" xmlns:r="http://schemas.openxmlformats.org/officeDocument/2006/relationships" xmlns:p="http://schemas.openxmlformats.org/presentationml/2006/main">
   <p:cSld>
@@ -5039,7 +4994,7 @@
           <a:p>
             <a:r>
               <a:rPr lang="en-US" dirty="0" smtClean="0"/>
-              <a:t>Hands-On Exercise Tasks</a:t>
+              <a:t>Hands-on Exercises</a:t>
             </a:r>
             <a:endParaRPr lang="en-US" dirty="0"/>
           </a:p>
@@ -5047,140 +5002,22 @@
       </p:sp>
       <p:sp>
         <p:nvSpPr>
-          <p:cNvPr id="3" name="Content Placeholder 2"/>
+          <p:cNvPr id="4" name="Text Placeholder 3"/>
           <p:cNvSpPr>
             <a:spLocks noGrp="1"/>
           </p:cNvSpPr>
           <p:nvPr>
-            <p:ph idx="1"/>
+            <p:ph type="body" idx="1"/>
           </p:nvPr>
         </p:nvSpPr>
         <p:spPr/>
         <p:txBody>
-          <a:bodyPr>
-            <a:normAutofit fontScale="92500" lnSpcReduction="10000"/>
-          </a:bodyPr>
+          <a:bodyPr/>
           <a:lstStyle/>
           <a:p>
             <a:r>
-              <a:rPr lang="en-US" dirty="0" smtClean="0"/>
-              <a:t>Task 1</a:t>
-            </a:r>
-          </a:p>
-          <a:p>
-            <a:pPr lvl="1"/>
-            <a:r>
-              <a:rPr lang="en-US" dirty="0" smtClean="0"/>
-              <a:t>Write a new test called: </a:t>
-            </a:r>
-            <a:r>
-              <a:rPr lang="en-US" sz="2000" dirty="0" err="1" smtClean="0">
-                <a:latin typeface="Courier New" panose="02070309020205020404" pitchFamily="49" charset="0"/>
-                <a:cs typeface="Courier New" panose="02070309020205020404" pitchFamily="49" charset="0"/>
-              </a:rPr>
-              <a:t>Test_UserCanPurchaseProductWhenOnlyOneInStock</a:t>
-            </a:r>
-            <a:endParaRPr lang="en-US" sz="2000" dirty="0" smtClean="0">
-              <a:latin typeface="Courier New" panose="02070309020205020404" pitchFamily="49" charset="0"/>
-              <a:cs typeface="Courier New" panose="02070309020205020404" pitchFamily="49" charset="0"/>
-            </a:endParaRPr>
-          </a:p>
-          <a:p>
-            <a:pPr lvl="2"/>
-            <a:r>
-              <a:rPr lang="en-US" sz="1600" dirty="0" smtClean="0">
-                <a:cs typeface="Courier New" panose="02070309020205020404" pitchFamily="49" charset="0"/>
-              </a:rPr>
-              <a:t>The setup for this test should set the quantity of a product such as Chips to 1, and set the desired amount to purchase to 1</a:t>
-            </a:r>
-          </a:p>
-          <a:p>
-            <a:pPr lvl="2"/>
-            <a:r>
-              <a:rPr lang="en-US" sz="1600" dirty="0" smtClean="0">
-                <a:cs typeface="Courier New" panose="02070309020205020404" pitchFamily="49" charset="0"/>
-              </a:rPr>
-              <a:t>The assert statement in the test should be similar to:</a:t>
-            </a:r>
-          </a:p>
-          <a:p>
-            <a:pPr marL="914400" lvl="2" indent="0">
-              <a:buNone/>
-            </a:pPr>
-            <a:r>
-              <a:rPr lang="en-US" sz="1500" dirty="0" err="1">
-                <a:latin typeface="Courier New" panose="02070309020205020404" pitchFamily="49" charset="0"/>
-                <a:cs typeface="Courier New" panose="02070309020205020404" pitchFamily="49" charset="0"/>
-              </a:rPr>
-              <a:t>Assert.IsTrue</a:t>
-            </a:r>
-            <a:r>
-              <a:rPr lang="en-US" sz="1500" dirty="0">
-                <a:latin typeface="Courier New" panose="02070309020205020404" pitchFamily="49" charset="0"/>
-                <a:cs typeface="Courier New" panose="02070309020205020404" pitchFamily="49" charset="0"/>
-              </a:rPr>
-              <a:t>(</a:t>
-            </a:r>
-            <a:r>
-              <a:rPr lang="en-US" sz="1500" dirty="0" err="1">
-                <a:latin typeface="Courier New" panose="02070309020205020404" pitchFamily="49" charset="0"/>
-                <a:cs typeface="Courier New" panose="02070309020205020404" pitchFamily="49" charset="0"/>
-              </a:rPr>
-              <a:t>writer.ToString</a:t>
-            </a:r>
-            <a:r>
-              <a:rPr lang="en-US" sz="1500" dirty="0">
-                <a:latin typeface="Courier New" panose="02070309020205020404" pitchFamily="49" charset="0"/>
-                <a:cs typeface="Courier New" panose="02070309020205020404" pitchFamily="49" charset="0"/>
-              </a:rPr>
-              <a:t>().Contains("You bought 1 Chips"));</a:t>
-            </a:r>
-            <a:endParaRPr lang="en-US" sz="1500" dirty="0" smtClean="0">
-              <a:latin typeface="Courier New" panose="02070309020205020404" pitchFamily="49" charset="0"/>
-              <a:cs typeface="Courier New" panose="02070309020205020404" pitchFamily="49" charset="0"/>
-            </a:endParaRPr>
-          </a:p>
-          <a:p>
-            <a:pPr lvl="1"/>
-            <a:r>
-              <a:rPr lang="en-US" dirty="0" smtClean="0"/>
-              <a:t>You can model it after the existing test: </a:t>
-            </a:r>
-            <a:r>
-              <a:rPr lang="en-US" sz="2000" dirty="0" err="1">
-                <a:latin typeface="Courier New" panose="02070309020205020404" pitchFamily="49" charset="0"/>
-                <a:cs typeface="Courier New" panose="02070309020205020404" pitchFamily="49" charset="0"/>
-              </a:rPr>
-              <a:t>Test_ErrorOccursWhenProductOutOfStock</a:t>
-            </a:r>
-            <a:endParaRPr lang="en-US" sz="2000" dirty="0">
-              <a:latin typeface="Courier New" panose="02070309020205020404" pitchFamily="49" charset="0"/>
-              <a:cs typeface="Courier New" panose="02070309020205020404" pitchFamily="49" charset="0"/>
-            </a:endParaRPr>
-          </a:p>
-          <a:p>
-            <a:pPr lvl="1"/>
-            <a:r>
-              <a:rPr lang="en-US" dirty="0" smtClean="0"/>
-              <a:t>The test should fail when you first write it</a:t>
-            </a:r>
-          </a:p>
-          <a:p>
-            <a:pPr lvl="1"/>
-            <a:r>
               <a:rPr lang="en-US" dirty="0"/>
-              <a:t>Fix the code to make the test </a:t>
-            </a:r>
-            <a:r>
-              <a:rPr lang="en-US" dirty="0" smtClean="0"/>
-              <a:t>pass</a:t>
-            </a:r>
-          </a:p>
-          <a:p>
-            <a:pPr lvl="1"/>
-            <a:r>
-              <a:rPr lang="en-US" dirty="0" smtClean="0"/>
-              <a:t>Commit the changed code to your repo with comment “Task 1”</a:t>
+              <a:t>Refactoring Follow-Up</a:t>
             </a:r>
             <a:endParaRPr lang="en-US" dirty="0"/>
           </a:p>
@@ -5189,7 +5026,7 @@
     </p:spTree>
     <p:extLst>
       <p:ext uri="{BB962C8B-B14F-4D97-AF65-F5344CB8AC3E}">
-        <p14:creationId xmlns:p14="http://schemas.microsoft.com/office/powerpoint/2010/main" val="1868105709"/>
+        <p14:creationId xmlns:p14="http://schemas.microsoft.com/office/powerpoint/2010/main" val="1212883754"/>
       </p:ext>
     </p:extLst>
   </p:cSld>
@@ -5259,73 +5096,59 @@
         <p:spPr/>
         <p:txBody>
           <a:bodyPr>
-            <a:normAutofit fontScale="92500" lnSpcReduction="20000"/>
+            <a:normAutofit fontScale="92500"/>
           </a:bodyPr>
           <a:lstStyle/>
           <a:p>
             <a:r>
               <a:rPr lang="en-US" dirty="0" smtClean="0"/>
-              <a:t>Task 2</a:t>
+              <a:t>As in the last training session, first fork a copy of my repo to your account</a:t>
+            </a:r>
+          </a:p>
+          <a:p>
+            <a:r>
+              <a:rPr lang="en-US" dirty="0" smtClean="0"/>
+              <a:t>Then complete the tasks in the following pages</a:t>
+            </a:r>
+          </a:p>
+          <a:p>
+            <a:r>
+              <a:rPr lang="en-US" dirty="0" smtClean="0"/>
+              <a:t>You should do each of these tasks for each of the following repos under my account:</a:t>
             </a:r>
           </a:p>
           <a:p>
             <a:pPr lvl="1"/>
             <a:r>
               <a:rPr lang="en-US" dirty="0" smtClean="0"/>
-              <a:t>Add a new Product to </a:t>
-            </a:r>
-            <a:r>
-              <a:rPr lang="en-US" dirty="0" err="1" smtClean="0"/>
-              <a:t>Products.json</a:t>
+              <a:t>Refactoring-training-2.0 (Copy of original </a:t>
+            </a:r>
+            <a:r>
+              <a:rPr lang="en-US" dirty="0"/>
+              <a:t>c</a:t>
             </a:r>
             <a:r>
               <a:rPr lang="en-US" dirty="0" smtClean="0"/>
-              <a:t> with Name: Soup, Price: $1.25, Quantity: 50</a:t>
+              <a:t>ode)</a:t>
             </a:r>
           </a:p>
           <a:p>
             <a:pPr lvl="1"/>
             <a:r>
               <a:rPr lang="en-US" dirty="0" smtClean="0"/>
-              <a:t>Note that after changing </a:t>
-            </a:r>
-            <a:r>
-              <a:rPr lang="en-US" dirty="0" err="1" smtClean="0"/>
-              <a:t>Products.json</a:t>
-            </a:r>
+              <a:t>Refactoring-training-2.3 (Copy of Glen’s refactored code)</a:t>
+            </a:r>
+          </a:p>
+          <a:p>
+            <a:pPr lvl="1"/>
             <a:r>
               <a:rPr lang="en-US" dirty="0" smtClean="0"/>
-              <a:t> you will need to Rebuild the app before running tests, so that the updated </a:t>
-            </a:r>
-            <a:r>
-              <a:rPr lang="en-US" dirty="0" err="1" smtClean="0"/>
-              <a:t>json</a:t>
-            </a:r>
-            <a:r>
-              <a:rPr lang="en-US" dirty="0" smtClean="0"/>
-              <a:t> file is deployed to the output folder</a:t>
-            </a:r>
+              <a:t>Your own repo from the previous exercise (Optional)</a:t>
+            </a:r>
+            <a:endParaRPr lang="en-US" dirty="0"/>
           </a:p>
           <a:p>
             <a:pPr lvl="1"/>
-            <a:r>
-              <a:rPr lang="en-US" dirty="0" smtClean="0"/>
-              <a:t>Run all the tests. Do they all pass?</a:t>
-            </a:r>
-          </a:p>
-          <a:p>
-            <a:pPr lvl="1"/>
-            <a:r>
-              <a:rPr lang="en-US" dirty="0" smtClean="0"/>
-              <a:t>Fix any failing tests by fixing the broken code. You may also have to modify some tests to account for the new data.</a:t>
-            </a:r>
-          </a:p>
-          <a:p>
-            <a:pPr lvl="1"/>
-            <a:r>
-              <a:rPr lang="en-US" dirty="0" smtClean="0"/>
-              <a:t>Commit the changed code to your repo with comment “Task 2”</a:t>
-            </a:r>
             <a:endParaRPr lang="en-US" dirty="0"/>
           </a:p>
         </p:txBody>
@@ -5333,7 +5156,7 @@
     </p:spTree>
     <p:extLst>
       <p:ext uri="{BB962C8B-B14F-4D97-AF65-F5344CB8AC3E}">
-        <p14:creationId xmlns:p14="http://schemas.microsoft.com/office/powerpoint/2010/main" val="2108707572"/>
+        <p14:creationId xmlns:p14="http://schemas.microsoft.com/office/powerpoint/2010/main" val="1861789696"/>
       </p:ext>
     </p:extLst>
   </p:cSld>
@@ -5486,67 +5309,129 @@
         <p:spPr/>
         <p:txBody>
           <a:bodyPr>
-            <a:normAutofit fontScale="85000" lnSpcReduction="10000"/>
+            <a:normAutofit fontScale="92500" lnSpcReduction="10000"/>
           </a:bodyPr>
           <a:lstStyle/>
           <a:p>
             <a:r>
               <a:rPr lang="en-US" dirty="0" smtClean="0"/>
-              <a:t>Task 3</a:t>
+              <a:t>Task 1</a:t>
             </a:r>
           </a:p>
           <a:p>
             <a:pPr lvl="1"/>
             <a:r>
               <a:rPr lang="en-US" dirty="0" smtClean="0"/>
-              <a:t>Uncomment the test</a:t>
-            </a:r>
+              <a:t>Write a new test called: </a:t>
+            </a:r>
+            <a:r>
+              <a:rPr lang="en-US" sz="2000" dirty="0" err="1" smtClean="0">
+                <a:latin typeface="Courier New" panose="02070309020205020404" pitchFamily="49" charset="0"/>
+                <a:cs typeface="Courier New" panose="02070309020205020404" pitchFamily="49" charset="0"/>
+              </a:rPr>
+              <a:t>Test_UserCanPurchaseProductWhenOnlyOneInStock</a:t>
+            </a:r>
+            <a:endParaRPr lang="en-US" sz="2000" dirty="0" smtClean="0">
+              <a:latin typeface="Courier New" panose="02070309020205020404" pitchFamily="49" charset="0"/>
+              <a:cs typeface="Courier New" panose="02070309020205020404" pitchFamily="49" charset="0"/>
+            </a:endParaRPr>
+          </a:p>
+          <a:p>
+            <a:pPr lvl="2"/>
+            <a:r>
+              <a:rPr lang="en-US" sz="1600" dirty="0" smtClean="0">
+                <a:cs typeface="Courier New" panose="02070309020205020404" pitchFamily="49" charset="0"/>
+              </a:rPr>
+              <a:t>The setup for this test should set the quantity of a product such as Chips to 1, and set the desired amount to purchase to 1</a:t>
+            </a:r>
+          </a:p>
+          <a:p>
+            <a:pPr lvl="2"/>
+            <a:r>
+              <a:rPr lang="en-US" sz="1600" dirty="0" smtClean="0">
+                <a:cs typeface="Courier New" panose="02070309020205020404" pitchFamily="49" charset="0"/>
+              </a:rPr>
+              <a:t>The assert statement in the test should be similar to:</a:t>
+            </a:r>
+          </a:p>
+          <a:p>
+            <a:pPr marL="914400" lvl="2" indent="0">
+              <a:buNone/>
+            </a:pPr>
+            <a:r>
+              <a:rPr lang="en-US" sz="1500" dirty="0" err="1">
+                <a:latin typeface="Courier New" panose="02070309020205020404" pitchFamily="49" charset="0"/>
+                <a:cs typeface="Courier New" panose="02070309020205020404" pitchFamily="49" charset="0"/>
+              </a:rPr>
+              <a:t>Assert.IsTrue</a:t>
+            </a:r>
+            <a:r>
+              <a:rPr lang="en-US" sz="1500" dirty="0">
+                <a:latin typeface="Courier New" panose="02070309020205020404" pitchFamily="49" charset="0"/>
+                <a:cs typeface="Courier New" panose="02070309020205020404" pitchFamily="49" charset="0"/>
+              </a:rPr>
+              <a:t>(</a:t>
+            </a:r>
+            <a:r>
+              <a:rPr lang="en-US" sz="1500" dirty="0" err="1">
+                <a:latin typeface="Courier New" panose="02070309020205020404" pitchFamily="49" charset="0"/>
+                <a:cs typeface="Courier New" panose="02070309020205020404" pitchFamily="49" charset="0"/>
+              </a:rPr>
+              <a:t>writer.ToString</a:t>
+            </a:r>
+            <a:r>
+              <a:rPr lang="en-US" sz="1500" dirty="0">
+                <a:latin typeface="Courier New" panose="02070309020205020404" pitchFamily="49" charset="0"/>
+                <a:cs typeface="Courier New" panose="02070309020205020404" pitchFamily="49" charset="0"/>
+              </a:rPr>
+              <a:t>().Contains("You bought 1 Chips"));</a:t>
+            </a:r>
+            <a:endParaRPr lang="en-US" sz="1500" dirty="0" smtClean="0">
+              <a:latin typeface="Courier New" panose="02070309020205020404" pitchFamily="49" charset="0"/>
+              <a:cs typeface="Courier New" panose="02070309020205020404" pitchFamily="49" charset="0"/>
+            </a:endParaRPr>
+          </a:p>
+          <a:p>
+            <a:pPr lvl="1"/>
+            <a:r>
+              <a:rPr lang="en-US" dirty="0" smtClean="0"/>
+              <a:t>You can model it after the existing test: </a:t>
+            </a:r>
+            <a:r>
+              <a:rPr lang="en-US" sz="2000" dirty="0" err="1">
+                <a:latin typeface="Courier New" panose="02070309020205020404" pitchFamily="49" charset="0"/>
+                <a:cs typeface="Courier New" panose="02070309020205020404" pitchFamily="49" charset="0"/>
+              </a:rPr>
+              <a:t>Test_ErrorOccursWhenProductOutOfStock</a:t>
+            </a:r>
+            <a:endParaRPr lang="en-US" sz="2000" dirty="0">
+              <a:latin typeface="Courier New" panose="02070309020205020404" pitchFamily="49" charset="0"/>
+              <a:cs typeface="Courier New" panose="02070309020205020404" pitchFamily="49" charset="0"/>
+            </a:endParaRPr>
+          </a:p>
+          <a:p>
+            <a:pPr lvl="1"/>
+            <a:r>
+              <a:rPr lang="en-US" dirty="0" smtClean="0"/>
+              <a:t>The test should fail when you first write it</a:t>
+            </a:r>
+          </a:p>
+          <a:p>
+            <a:pPr lvl="1"/>
             <a:r>
               <a:rPr lang="en-US" dirty="0"/>
-              <a:t>: </a:t>
-            </a:r>
-            <a:r>
-              <a:rPr lang="en-US" dirty="0" err="1" smtClean="0"/>
-              <a:t>Test_UserCanExitByEnteringQuit</a:t>
+              <a:t>Fix the code to make the test </a:t>
             </a:r>
             <a:r>
               <a:rPr lang="en-US" dirty="0" smtClean="0"/>
-              <a:t>.</a:t>
+              <a:t>pass</a:t>
             </a:r>
           </a:p>
           <a:p>
             <a:pPr lvl="1"/>
             <a:r>
               <a:rPr lang="en-US" dirty="0" smtClean="0"/>
-              <a:t>The test should fail when you run it</a:t>
-            </a:r>
-          </a:p>
-          <a:p>
-            <a:pPr lvl="1"/>
-            <a:r>
-              <a:rPr lang="en-US" dirty="0"/>
-              <a:t>Change the application so that the user must enter the word “quit” to exit the application rather than type a number for exit.</a:t>
-            </a:r>
-          </a:p>
-          <a:p>
-            <a:pPr lvl="1"/>
-            <a:r>
-              <a:rPr lang="en-US" dirty="0" smtClean="0"/>
-              <a:t>Make sure to change the menu to show “Type quit to exit the application” rather than “8: Exit”</a:t>
-            </a:r>
-          </a:p>
-          <a:p>
-            <a:pPr lvl="1"/>
-            <a:r>
-              <a:rPr lang="en-US" dirty="0" smtClean="0"/>
-              <a:t>After making this change, some tests will need to be modified to account for your change.</a:t>
-            </a:r>
-          </a:p>
-          <a:p>
-            <a:pPr lvl="1"/>
-            <a:r>
-              <a:rPr lang="en-US" dirty="0" smtClean="0"/>
-              <a:t>Commit the changed code to your repo with comment “Task 3”</a:t>
+              <a:t>Commit the changed code to your repo with comment “Task 1”</a:t>
             </a:r>
             <a:endParaRPr lang="en-US" dirty="0"/>
           </a:p>
@@ -5555,7 +5440,7 @@
     </p:spTree>
     <p:extLst>
       <p:ext uri="{BB962C8B-B14F-4D97-AF65-F5344CB8AC3E}">
-        <p14:creationId xmlns:p14="http://schemas.microsoft.com/office/powerpoint/2010/main" val="1543786767"/>
+        <p14:creationId xmlns:p14="http://schemas.microsoft.com/office/powerpoint/2010/main" val="1868105709"/>
       </p:ext>
     </p:extLst>
   </p:cSld>
@@ -5625,137 +5510,72 @@
         <p:spPr/>
         <p:txBody>
           <a:bodyPr>
-            <a:normAutofit fontScale="77500" lnSpcReduction="20000"/>
+            <a:normAutofit fontScale="92500" lnSpcReduction="20000"/>
           </a:bodyPr>
           <a:lstStyle/>
           <a:p>
             <a:r>
               <a:rPr lang="en-US" dirty="0" smtClean="0"/>
-              <a:t>Task 4</a:t>
+              <a:t>Task 2</a:t>
             </a:r>
           </a:p>
           <a:p>
             <a:pPr lvl="1"/>
             <a:r>
               <a:rPr lang="en-US" dirty="0" smtClean="0"/>
-              <a:t>Write a new test called </a:t>
-            </a:r>
-            <a:r>
-              <a:rPr lang="en-US" sz="2400" dirty="0" err="1" smtClean="0">
-                <a:latin typeface="Courier New" panose="02070309020205020404" pitchFamily="49" charset="0"/>
-                <a:cs typeface="Courier New" panose="02070309020205020404" pitchFamily="49" charset="0"/>
-              </a:rPr>
-              <a:t>Test_ProductsWithZeroQuantityDoNotAppearInMenu</a:t>
-            </a:r>
-            <a:endParaRPr lang="en-US" sz="2400" dirty="0" smtClean="0">
-              <a:latin typeface="Courier New" panose="02070309020205020404" pitchFamily="49" charset="0"/>
-              <a:cs typeface="Courier New" panose="02070309020205020404" pitchFamily="49" charset="0"/>
-            </a:endParaRPr>
+              <a:t>Add a new Product to </a:t>
+            </a:r>
+            <a:r>
+              <a:rPr lang="en-US" dirty="0" err="1" smtClean="0"/>
+              <a:t>Products.json</a:t>
+            </a:r>
+            <a:r>
+              <a:rPr lang="en-US" dirty="0" smtClean="0"/>
+              <a:t> with Name: Soup, Price: $1.25, Quantity: 50</a:t>
+            </a:r>
           </a:p>
           <a:p>
             <a:pPr lvl="1"/>
             <a:r>
               <a:rPr lang="en-US" dirty="0" smtClean="0"/>
-              <a:t>In the test, set the quantity of a product like Chips to 0.</a:t>
+              <a:t>Note that after changing </a:t>
+            </a:r>
+            <a:r>
+              <a:rPr lang="en-US" dirty="0" err="1" smtClean="0"/>
+              <a:t>Products.json</a:t>
+            </a:r>
+            <a:r>
+              <a:rPr lang="en-US" dirty="0" smtClean="0"/>
+              <a:t> you will need to Rebuild the app before running tests, so that the updated </a:t>
+            </a:r>
+            <a:r>
+              <a:rPr lang="en-US" dirty="0" err="1" smtClean="0"/>
+              <a:t>json</a:t>
+            </a:r>
+            <a:r>
+              <a:rPr lang="en-US" dirty="0" smtClean="0"/>
+              <a:t> file is deployed to the output folder</a:t>
             </a:r>
           </a:p>
           <a:p>
             <a:pPr lvl="1"/>
             <a:r>
               <a:rPr lang="en-US" dirty="0" smtClean="0"/>
-              <a:t>The assert statement should be similar to:</a:t>
-            </a:r>
-          </a:p>
-          <a:p>
-            <a:pPr marL="457200" lvl="1" indent="0">
-              <a:buNone/>
-            </a:pPr>
-            <a:r>
-              <a:rPr lang="en-US" sz="2100" dirty="0" err="1" smtClean="0">
-                <a:latin typeface="Courier New" panose="02070309020205020404" pitchFamily="49" charset="0"/>
-                <a:cs typeface="Courier New" panose="02070309020205020404" pitchFamily="49" charset="0"/>
-              </a:rPr>
-              <a:t>Assert.IsFalse</a:t>
-            </a:r>
-            <a:r>
-              <a:rPr lang="en-US" sz="2100" dirty="0" smtClean="0">
-                <a:latin typeface="Courier New" panose="02070309020205020404" pitchFamily="49" charset="0"/>
-                <a:cs typeface="Courier New" panose="02070309020205020404" pitchFamily="49" charset="0"/>
-              </a:rPr>
-              <a:t>(</a:t>
-            </a:r>
-            <a:r>
-              <a:rPr lang="en-US" sz="2100" dirty="0" err="1" smtClean="0">
-                <a:latin typeface="Courier New" panose="02070309020205020404" pitchFamily="49" charset="0"/>
-                <a:cs typeface="Courier New" panose="02070309020205020404" pitchFamily="49" charset="0"/>
-              </a:rPr>
-              <a:t>writer.ToString</a:t>
-            </a:r>
-            <a:r>
-              <a:rPr lang="en-US" sz="2100" dirty="0">
-                <a:latin typeface="Courier New" panose="02070309020205020404" pitchFamily="49" charset="0"/>
-                <a:cs typeface="Courier New" panose="02070309020205020404" pitchFamily="49" charset="0"/>
-              </a:rPr>
-              <a:t>().Contains(": Chips</a:t>
-            </a:r>
-            <a:r>
-              <a:rPr lang="en-US" sz="2100" dirty="0" smtClean="0">
-                <a:latin typeface="Courier New" panose="02070309020205020404" pitchFamily="49" charset="0"/>
-                <a:cs typeface="Courier New" panose="02070309020205020404" pitchFamily="49" charset="0"/>
-              </a:rPr>
-              <a:t>"));</a:t>
+              <a:t>Run all the tests. Do they all pass?</a:t>
             </a:r>
           </a:p>
           <a:p>
             <a:pPr lvl="1"/>
             <a:r>
               <a:rPr lang="en-US" dirty="0" smtClean="0"/>
-              <a:t>Modify the code to prevent products with zero quantity from appearing in the menu</a:t>
+              <a:t>Fix any failing tests by fixing the broken code. You may also have to modify some tests to account for the new data.</a:t>
             </a:r>
           </a:p>
           <a:p>
             <a:pPr lvl="1"/>
             <a:r>
               <a:rPr lang="en-US" dirty="0" smtClean="0"/>
-              <a:t>Run the tests. Do any of the other tests now fail?</a:t>
-            </a:r>
-          </a:p>
-          <a:p>
-            <a:pPr lvl="1"/>
-            <a:r>
-              <a:rPr lang="en-US" dirty="0" smtClean="0"/>
-              <a:t>Modify </a:t>
-            </a:r>
-            <a:r>
-              <a:rPr lang="en-US" dirty="0" err="1" smtClean="0">
-                <a:latin typeface="Courier New" panose="02070309020205020404" pitchFamily="49" charset="0"/>
-                <a:cs typeface="Courier New" panose="02070309020205020404" pitchFamily="49" charset="0"/>
-              </a:rPr>
-              <a:t>Test_ErrorOccursWhenProductOutOfStock</a:t>
-            </a:r>
-            <a:r>
-              <a:rPr lang="en-US" dirty="0" smtClean="0">
-                <a:latin typeface="Courier New" panose="02070309020205020404" pitchFamily="49" charset="0"/>
-                <a:cs typeface="Courier New" panose="02070309020205020404" pitchFamily="49" charset="0"/>
-              </a:rPr>
-              <a:t> </a:t>
-            </a:r>
-            <a:r>
-              <a:rPr lang="en-US" dirty="0" smtClean="0">
-                <a:cs typeface="Courier New" panose="02070309020205020404" pitchFamily="49" charset="0"/>
-              </a:rPr>
-              <a:t>to test the case where the quantity is greater than 0, but the user attempts to buy more than the available quantity</a:t>
-            </a:r>
-            <a:endParaRPr lang="en-US" dirty="0" smtClean="0">
-              <a:latin typeface="Courier New" panose="02070309020205020404" pitchFamily="49" charset="0"/>
-              <a:cs typeface="Courier New" panose="02070309020205020404" pitchFamily="49" charset="0"/>
-            </a:endParaRPr>
-          </a:p>
-          <a:p>
-            <a:pPr lvl="1"/>
-            <a:r>
-              <a:rPr lang="en-US" dirty="0" smtClean="0"/>
-              <a:t>Commit the changed code to your repo with comment “Task 4”</a:t>
+              <a:t>Commit the changed code to your repo with comment “Task 2”</a:t>
             </a:r>
             <a:endParaRPr lang="en-US" dirty="0"/>
           </a:p>
@@ -5764,7 +5584,7 @@
     </p:spTree>
     <p:extLst>
       <p:ext uri="{BB962C8B-B14F-4D97-AF65-F5344CB8AC3E}">
-        <p14:creationId xmlns:p14="http://schemas.microsoft.com/office/powerpoint/2010/main" val="1077509475"/>
+        <p14:creationId xmlns:p14="http://schemas.microsoft.com/office/powerpoint/2010/main" val="2108707572"/>
       </p:ext>
     </p:extLst>
   </p:cSld>
@@ -5840,6 +5660,354 @@
           <a:p>
             <a:r>
               <a:rPr lang="en-US" dirty="0" smtClean="0"/>
+              <a:t>Task 3</a:t>
+            </a:r>
+          </a:p>
+          <a:p>
+            <a:pPr lvl="1"/>
+            <a:r>
+              <a:rPr lang="en-US" dirty="0" smtClean="0"/>
+              <a:t>Uncomment the test</a:t>
+            </a:r>
+            <a:r>
+              <a:rPr lang="en-US" dirty="0"/>
+              <a:t>: </a:t>
+            </a:r>
+            <a:r>
+              <a:rPr lang="en-US" dirty="0" err="1" smtClean="0"/>
+              <a:t>Test_UserCanExitByEnteringQuit</a:t>
+            </a:r>
+            <a:r>
+              <a:rPr lang="en-US" dirty="0" smtClean="0"/>
+              <a:t>.</a:t>
+            </a:r>
+          </a:p>
+          <a:p>
+            <a:pPr lvl="1"/>
+            <a:r>
+              <a:rPr lang="en-US" dirty="0" smtClean="0"/>
+              <a:t>The test should fail when you run it</a:t>
+            </a:r>
+          </a:p>
+          <a:p>
+            <a:pPr lvl="1"/>
+            <a:r>
+              <a:rPr lang="en-US" dirty="0"/>
+              <a:t>Change the application so that the user must enter the word “quit” to exit the application rather than type a number for exit.</a:t>
+            </a:r>
+          </a:p>
+          <a:p>
+            <a:pPr lvl="1"/>
+            <a:r>
+              <a:rPr lang="en-US" dirty="0" smtClean="0"/>
+              <a:t>Make sure to change the menu to show “Type quit to exit the application” rather than “8: Exit”</a:t>
+            </a:r>
+          </a:p>
+          <a:p>
+            <a:pPr lvl="1"/>
+            <a:r>
+              <a:rPr lang="en-US" dirty="0" smtClean="0"/>
+              <a:t>After making this change, some tests will need to be modified to account for your change.</a:t>
+            </a:r>
+          </a:p>
+          <a:p>
+            <a:pPr lvl="1"/>
+            <a:r>
+              <a:rPr lang="en-US" dirty="0" smtClean="0"/>
+              <a:t>Commit the changed code to your repo with comment “Task 3”</a:t>
+            </a:r>
+            <a:endParaRPr lang="en-US" dirty="0"/>
+          </a:p>
+        </p:txBody>
+      </p:sp>
+    </p:spTree>
+    <p:extLst>
+      <p:ext uri="{BB962C8B-B14F-4D97-AF65-F5344CB8AC3E}">
+        <p14:creationId xmlns:p14="http://schemas.microsoft.com/office/powerpoint/2010/main" val="1543786767"/>
+      </p:ext>
+    </p:extLst>
+  </p:cSld>
+  <p:clrMapOvr>
+    <a:masterClrMapping/>
+  </p:clrMapOvr>
+  <p:timing>
+    <p:tnLst>
+      <p:par>
+        <p:cTn id="1" dur="indefinite" restart="never" nodeType="tmRoot"/>
+      </p:par>
+    </p:tnLst>
+  </p:timing>
+</p:sld>
+</file>
+
+<file path=ppt/slides/slide23.xml><?xml version="1.0" encoding="utf-8"?>
+<p:sld xmlns:a="http://schemas.openxmlformats.org/drawingml/2006/main" xmlns:r="http://schemas.openxmlformats.org/officeDocument/2006/relationships" xmlns:p="http://schemas.openxmlformats.org/presentationml/2006/main">
+  <p:cSld>
+    <p:spTree>
+      <p:nvGrpSpPr>
+        <p:cNvPr id="1" name=""/>
+        <p:cNvGrpSpPr/>
+        <p:nvPr/>
+      </p:nvGrpSpPr>
+      <p:grpSpPr>
+        <a:xfrm>
+          <a:off x="0" y="0"/>
+          <a:ext cx="0" cy="0"/>
+          <a:chOff x="0" y="0"/>
+          <a:chExt cx="0" cy="0"/>
+        </a:xfrm>
+      </p:grpSpPr>
+      <p:sp>
+        <p:nvSpPr>
+          <p:cNvPr id="2" name="Title 1"/>
+          <p:cNvSpPr>
+            <a:spLocks noGrp="1"/>
+          </p:cNvSpPr>
+          <p:nvPr>
+            <p:ph type="title"/>
+          </p:nvPr>
+        </p:nvSpPr>
+        <p:spPr/>
+        <p:txBody>
+          <a:bodyPr/>
+          <a:lstStyle/>
+          <a:p>
+            <a:r>
+              <a:rPr lang="en-US" dirty="0" smtClean="0"/>
+              <a:t>Hands-On Exercise Tasks</a:t>
+            </a:r>
+            <a:endParaRPr lang="en-US" dirty="0"/>
+          </a:p>
+        </p:txBody>
+      </p:sp>
+      <p:sp>
+        <p:nvSpPr>
+          <p:cNvPr id="3" name="Content Placeholder 2"/>
+          <p:cNvSpPr>
+            <a:spLocks noGrp="1"/>
+          </p:cNvSpPr>
+          <p:nvPr>
+            <p:ph idx="1"/>
+          </p:nvPr>
+        </p:nvSpPr>
+        <p:spPr/>
+        <p:txBody>
+          <a:bodyPr>
+            <a:normAutofit fontScale="77500" lnSpcReduction="20000"/>
+          </a:bodyPr>
+          <a:lstStyle/>
+          <a:p>
+            <a:r>
+              <a:rPr lang="en-US" dirty="0" smtClean="0"/>
+              <a:t>Task 4</a:t>
+            </a:r>
+          </a:p>
+          <a:p>
+            <a:pPr lvl="1"/>
+            <a:r>
+              <a:rPr lang="en-US" dirty="0" smtClean="0"/>
+              <a:t>Write a new test called </a:t>
+            </a:r>
+            <a:r>
+              <a:rPr lang="en-US" sz="2400" dirty="0" err="1" smtClean="0">
+                <a:latin typeface="Courier New" panose="02070309020205020404" pitchFamily="49" charset="0"/>
+                <a:cs typeface="Courier New" panose="02070309020205020404" pitchFamily="49" charset="0"/>
+              </a:rPr>
+              <a:t>Test_ProductsWithZeroQuantityDoNotAppearInMenu</a:t>
+            </a:r>
+            <a:endParaRPr lang="en-US" sz="2400" dirty="0" smtClean="0">
+              <a:latin typeface="Courier New" panose="02070309020205020404" pitchFamily="49" charset="0"/>
+              <a:cs typeface="Courier New" panose="02070309020205020404" pitchFamily="49" charset="0"/>
+            </a:endParaRPr>
+          </a:p>
+          <a:p>
+            <a:pPr lvl="1"/>
+            <a:r>
+              <a:rPr lang="en-US" dirty="0" smtClean="0"/>
+              <a:t>In the test, set the quantity of a product like Chips to 0.</a:t>
+            </a:r>
+          </a:p>
+          <a:p>
+            <a:pPr lvl="1"/>
+            <a:r>
+              <a:rPr lang="en-US" dirty="0" smtClean="0"/>
+              <a:t>The assert statement should be similar to:</a:t>
+            </a:r>
+          </a:p>
+          <a:p>
+            <a:pPr marL="457200" lvl="1" indent="0">
+              <a:buNone/>
+            </a:pPr>
+            <a:r>
+              <a:rPr lang="en-US" sz="2100" dirty="0" err="1" smtClean="0">
+                <a:latin typeface="Courier New" panose="02070309020205020404" pitchFamily="49" charset="0"/>
+                <a:cs typeface="Courier New" panose="02070309020205020404" pitchFamily="49" charset="0"/>
+              </a:rPr>
+              <a:t>Assert.IsFalse</a:t>
+            </a:r>
+            <a:r>
+              <a:rPr lang="en-US" sz="2100" dirty="0" smtClean="0">
+                <a:latin typeface="Courier New" panose="02070309020205020404" pitchFamily="49" charset="0"/>
+                <a:cs typeface="Courier New" panose="02070309020205020404" pitchFamily="49" charset="0"/>
+              </a:rPr>
+              <a:t>(</a:t>
+            </a:r>
+            <a:r>
+              <a:rPr lang="en-US" sz="2100" dirty="0" err="1" smtClean="0">
+                <a:latin typeface="Courier New" panose="02070309020205020404" pitchFamily="49" charset="0"/>
+                <a:cs typeface="Courier New" panose="02070309020205020404" pitchFamily="49" charset="0"/>
+              </a:rPr>
+              <a:t>writer.ToString</a:t>
+            </a:r>
+            <a:r>
+              <a:rPr lang="en-US" sz="2100" dirty="0">
+                <a:latin typeface="Courier New" panose="02070309020205020404" pitchFamily="49" charset="0"/>
+                <a:cs typeface="Courier New" panose="02070309020205020404" pitchFamily="49" charset="0"/>
+              </a:rPr>
+              <a:t>().Contains(": Chips</a:t>
+            </a:r>
+            <a:r>
+              <a:rPr lang="en-US" sz="2100" dirty="0" smtClean="0">
+                <a:latin typeface="Courier New" panose="02070309020205020404" pitchFamily="49" charset="0"/>
+                <a:cs typeface="Courier New" panose="02070309020205020404" pitchFamily="49" charset="0"/>
+              </a:rPr>
+              <a:t>"));</a:t>
+            </a:r>
+          </a:p>
+          <a:p>
+            <a:pPr lvl="1"/>
+            <a:r>
+              <a:rPr lang="en-US" dirty="0" smtClean="0"/>
+              <a:t>Modify the code to prevent products with zero quantity from appearing in the menu</a:t>
+            </a:r>
+          </a:p>
+          <a:p>
+            <a:pPr lvl="1"/>
+            <a:r>
+              <a:rPr lang="en-US" dirty="0" smtClean="0"/>
+              <a:t>Run the tests. Do any of the other tests now fail?</a:t>
+            </a:r>
+          </a:p>
+          <a:p>
+            <a:pPr lvl="1"/>
+            <a:r>
+              <a:rPr lang="en-US" dirty="0" smtClean="0"/>
+              <a:t>Modify </a:t>
+            </a:r>
+            <a:r>
+              <a:rPr lang="en-US" dirty="0" err="1" smtClean="0">
+                <a:latin typeface="Courier New" panose="02070309020205020404" pitchFamily="49" charset="0"/>
+                <a:cs typeface="Courier New" panose="02070309020205020404" pitchFamily="49" charset="0"/>
+              </a:rPr>
+              <a:t>Test_ErrorOccursWhenProductOutOfStock</a:t>
+            </a:r>
+            <a:r>
+              <a:rPr lang="en-US" dirty="0" smtClean="0">
+                <a:latin typeface="Courier New" panose="02070309020205020404" pitchFamily="49" charset="0"/>
+                <a:cs typeface="Courier New" panose="02070309020205020404" pitchFamily="49" charset="0"/>
+              </a:rPr>
+              <a:t> </a:t>
+            </a:r>
+            <a:r>
+              <a:rPr lang="en-US" dirty="0" smtClean="0">
+                <a:cs typeface="Courier New" panose="02070309020205020404" pitchFamily="49" charset="0"/>
+              </a:rPr>
+              <a:t>to test the case where the quantity is greater than 0, but the user attempts to buy more than the available quantity</a:t>
+            </a:r>
+            <a:endParaRPr lang="en-US" dirty="0" smtClean="0">
+              <a:latin typeface="Courier New" panose="02070309020205020404" pitchFamily="49" charset="0"/>
+              <a:cs typeface="Courier New" panose="02070309020205020404" pitchFamily="49" charset="0"/>
+            </a:endParaRPr>
+          </a:p>
+          <a:p>
+            <a:pPr lvl="1"/>
+            <a:r>
+              <a:rPr lang="en-US" dirty="0" smtClean="0"/>
+              <a:t>Commit the changed code to your repo with comment “Task 4”</a:t>
+            </a:r>
+            <a:endParaRPr lang="en-US" dirty="0"/>
+          </a:p>
+        </p:txBody>
+      </p:sp>
+    </p:spTree>
+    <p:extLst>
+      <p:ext uri="{BB962C8B-B14F-4D97-AF65-F5344CB8AC3E}">
+        <p14:creationId xmlns:p14="http://schemas.microsoft.com/office/powerpoint/2010/main" val="1077509475"/>
+      </p:ext>
+    </p:extLst>
+  </p:cSld>
+  <p:clrMapOvr>
+    <a:masterClrMapping/>
+  </p:clrMapOvr>
+  <p:timing>
+    <p:tnLst>
+      <p:par>
+        <p:cTn id="1" dur="indefinite" restart="never" nodeType="tmRoot"/>
+      </p:par>
+    </p:tnLst>
+  </p:timing>
+</p:sld>
+</file>
+
+<file path=ppt/slides/slide24.xml><?xml version="1.0" encoding="utf-8"?>
+<p:sld xmlns:a="http://schemas.openxmlformats.org/drawingml/2006/main" xmlns:r="http://schemas.openxmlformats.org/officeDocument/2006/relationships" xmlns:p="http://schemas.openxmlformats.org/presentationml/2006/main">
+  <p:cSld>
+    <p:spTree>
+      <p:nvGrpSpPr>
+        <p:cNvPr id="1" name=""/>
+        <p:cNvGrpSpPr/>
+        <p:nvPr/>
+      </p:nvGrpSpPr>
+      <p:grpSpPr>
+        <a:xfrm>
+          <a:off x="0" y="0"/>
+          <a:ext cx="0" cy="0"/>
+          <a:chOff x="0" y="0"/>
+          <a:chExt cx="0" cy="0"/>
+        </a:xfrm>
+      </p:grpSpPr>
+      <p:sp>
+        <p:nvSpPr>
+          <p:cNvPr id="2" name="Title 1"/>
+          <p:cNvSpPr>
+            <a:spLocks noGrp="1"/>
+          </p:cNvSpPr>
+          <p:nvPr>
+            <p:ph type="title"/>
+          </p:nvPr>
+        </p:nvSpPr>
+        <p:spPr/>
+        <p:txBody>
+          <a:bodyPr/>
+          <a:lstStyle/>
+          <a:p>
+            <a:r>
+              <a:rPr lang="en-US" dirty="0" smtClean="0"/>
+              <a:t>Hands-On Exercise Tasks</a:t>
+            </a:r>
+            <a:endParaRPr lang="en-US" dirty="0"/>
+          </a:p>
+        </p:txBody>
+      </p:sp>
+      <p:sp>
+        <p:nvSpPr>
+          <p:cNvPr id="3" name="Content Placeholder 2"/>
+          <p:cNvSpPr>
+            <a:spLocks noGrp="1"/>
+          </p:cNvSpPr>
+          <p:nvPr>
+            <p:ph idx="1"/>
+          </p:nvPr>
+        </p:nvSpPr>
+        <p:spPr/>
+        <p:txBody>
+          <a:bodyPr>
+            <a:normAutofit fontScale="85000" lnSpcReduction="10000"/>
+          </a:bodyPr>
+          <a:lstStyle/>
+          <a:p>
+            <a:r>
+              <a:rPr lang="en-US" dirty="0" smtClean="0"/>
               <a:t>Bonus Task</a:t>
             </a:r>
           </a:p>
@@ -5961,7 +6129,7 @@
 </p:sld>
 </file>
 
-<file path=ppt/slides/slide23.xml><?xml version="1.0" encoding="utf-8"?>
+<file path=ppt/slides/slide25.xml><?xml version="1.0" encoding="utf-8"?>
 <p:sld xmlns:a="http://schemas.openxmlformats.org/drawingml/2006/main" xmlns:r="http://schemas.openxmlformats.org/officeDocument/2006/relationships" xmlns:p="http://schemas.openxmlformats.org/presentationml/2006/main">
   <p:cSld>
     <p:spTree>

--- a/Docs/Refactoring-2.0.pptx
+++ b/Docs/Refactoring-2.0.pptx
@@ -3916,6 +3916,9 @@
                     <p:cTn id="3" fill="hold">
                       <p:stCondLst>
                         <p:cond delay="indefinite"/>
+                        <p:cond evt="onBegin" delay="0">
+                          <p:tn val="2"/>
+                        </p:cond>
                       </p:stCondLst>
                       <p:childTnLst>
                         <p:par>
@@ -3925,7 +3928,7 @@
                             </p:stCondLst>
                             <p:childTnLst>
                               <p:par>
-                                <p:cTn id="5" presetID="1" presetClass="entr" presetSubtype="0" fill="hold" nodeType="clickEffect">
+                                <p:cTn id="5" presetID="1" presetClass="entr" presetSubtype="0" fill="hold" nodeType="withEffect">
                                   <p:stCondLst>
                                     <p:cond delay="0"/>
                                   </p:stCondLst>
@@ -3938,7 +3941,7 @@
                                           </p:stCondLst>
                                         </p:cTn>
                                         <p:tgtEl>
-                                          <p:spTgt spid="9221"/>
+                                          <p:spTgt spid="9229"/>
                                         </p:tgtEl>
                                         <p:attrNameLst>
                                           <p:attrName>style.visibility</p:attrName>
@@ -3983,7 +3986,7 @@
                                           </p:stCondLst>
                                         </p:cTn>
                                         <p:tgtEl>
-                                          <p:spTgt spid="9222"/>
+                                          <p:spTgt spid="9221"/>
                                         </p:tgtEl>
                                         <p:attrNameLst>
                                           <p:attrName>style.visibility</p:attrName>
@@ -4028,7 +4031,7 @@
                                           </p:stCondLst>
                                         </p:cTn>
                                         <p:tgtEl>
-                                          <p:spTgt spid="9223"/>
+                                          <p:spTgt spid="9222"/>
                                         </p:tgtEl>
                                         <p:attrNameLst>
                                           <p:attrName>style.visibility</p:attrName>
@@ -4073,7 +4076,7 @@
                                           </p:stCondLst>
                                         </p:cTn>
                                         <p:tgtEl>
-                                          <p:spTgt spid="9224"/>
+                                          <p:spTgt spid="9223"/>
                                         </p:tgtEl>
                                         <p:attrNameLst>
                                           <p:attrName>style.visibility</p:attrName>
@@ -4113,6 +4116,51 @@
                                     <p:set>
                                       <p:cBhvr>
                                         <p:cTn id="22" dur="1" fill="hold">
+                                          <p:stCondLst>
+                                            <p:cond delay="0"/>
+                                          </p:stCondLst>
+                                        </p:cTn>
+                                        <p:tgtEl>
+                                          <p:spTgt spid="9224"/>
+                                        </p:tgtEl>
+                                        <p:attrNameLst>
+                                          <p:attrName>style.visibility</p:attrName>
+                                        </p:attrNameLst>
+                                      </p:cBhvr>
+                                      <p:to>
+                                        <p:strVal val="visible"/>
+                                      </p:to>
+                                    </p:set>
+                                  </p:childTnLst>
+                                </p:cTn>
+                              </p:par>
+                            </p:childTnLst>
+                          </p:cTn>
+                        </p:par>
+                      </p:childTnLst>
+                    </p:cTn>
+                  </p:par>
+                  <p:par>
+                    <p:cTn id="23" fill="hold">
+                      <p:stCondLst>
+                        <p:cond delay="indefinite"/>
+                      </p:stCondLst>
+                      <p:childTnLst>
+                        <p:par>
+                          <p:cTn id="24" fill="hold">
+                            <p:stCondLst>
+                              <p:cond delay="0"/>
+                            </p:stCondLst>
+                            <p:childTnLst>
+                              <p:par>
+                                <p:cTn id="25" presetID="1" presetClass="entr" presetSubtype="0" fill="hold" nodeType="clickEffect">
+                                  <p:stCondLst>
+                                    <p:cond delay="0"/>
+                                  </p:stCondLst>
+                                  <p:childTnLst>
+                                    <p:set>
+                                      <p:cBhvr>
+                                        <p:cTn id="26" dur="1" fill="hold">
                                           <p:stCondLst>
                                             <p:cond delay="0"/>
                                           </p:stCondLst>
@@ -7172,47 +7220,6 @@
       </p:pic>
       <p:pic>
         <p:nvPicPr>
-          <p:cNvPr id="6" name="Picture 3" descr="C:\Users\bkraitbe\AppData\Local\Microsoft\Windows\Temporary Internet Files\Content.IE5\U39J8REN\Check-green.svg[1].png"/>
-          <p:cNvPicPr>
-            <a:picLocks noChangeAspect="1" noChangeArrowheads="1"/>
-          </p:cNvPicPr>
-          <p:nvPr/>
-        </p:nvPicPr>
-        <p:blipFill>
-          <a:blip r:embed="rId2" cstate="print">
-            <a:extLst>
-              <a:ext uri="{28A0092B-C50C-407E-A947-70E740481C1C}">
-                <a14:useLocalDpi xmlns:a14="http://schemas.microsoft.com/office/drawing/2010/main" val="0"/>
-              </a:ext>
-            </a:extLst>
-          </a:blip>
-          <a:srcRect/>
-          <a:stretch>
-            <a:fillRect/>
-          </a:stretch>
-        </p:blipFill>
-        <p:spPr bwMode="auto">
-          <a:xfrm>
-            <a:off x="3996958" y="3352800"/>
-            <a:ext cx="533400" cy="533400"/>
-          </a:xfrm>
-          <a:prstGeom prst="rect">
-            <a:avLst/>
-          </a:prstGeom>
-          <a:noFill/>
-          <a:extLst>
-            <a:ext uri="{909E8E84-426E-40DD-AFC4-6F175D3DCCD1}">
-              <a14:hiddenFill xmlns:a14="http://schemas.microsoft.com/office/drawing/2010/main">
-                <a:solidFill>
-                  <a:srgbClr val="FFFFFF"/>
-                </a:solidFill>
-              </a14:hiddenFill>
-            </a:ext>
-          </a:extLst>
-        </p:spPr>
-      </p:pic>
-      <p:pic>
-        <p:nvPicPr>
           <p:cNvPr id="8" name="Picture 2" descr="C:\Users\bkraitbe\AppData\Local\Microsoft\Windows\Temporary Internet Files\Content.IE5\B42JYC2G\600px-Red_x.svg[1].png"/>
           <p:cNvPicPr>
             <a:picLocks noChangeAspect="1" noChangeArrowheads="1"/>
@@ -7234,7 +7241,7 @@
         </p:blipFill>
         <p:spPr bwMode="auto">
           <a:xfrm>
-            <a:off x="3102709" y="2830578"/>
+            <a:off x="3047580" y="2819400"/>
             <a:ext cx="522222" cy="522222"/>
           </a:xfrm>
           <a:prstGeom prst="rect">
@@ -7318,6 +7325,47 @@
           <a:xfrm>
             <a:off x="3891631" y="4454866"/>
             <a:ext cx="533400" cy="533400"/>
+          </a:xfrm>
+          <a:prstGeom prst="rect">
+            <a:avLst/>
+          </a:prstGeom>
+          <a:noFill/>
+          <a:extLst>
+            <a:ext uri="{909E8E84-426E-40DD-AFC4-6F175D3DCCD1}">
+              <a14:hiddenFill xmlns:a14="http://schemas.microsoft.com/office/drawing/2010/main">
+                <a:solidFill>
+                  <a:srgbClr val="FFFFFF"/>
+                </a:solidFill>
+              </a14:hiddenFill>
+            </a:ext>
+          </a:extLst>
+        </p:spPr>
+      </p:pic>
+      <p:pic>
+        <p:nvPicPr>
+          <p:cNvPr id="11" name="Picture 2" descr="C:\Users\bkraitbe\AppData\Local\Microsoft\Windows\Temporary Internet Files\Content.IE5\B42JYC2G\600px-Red_x.svg[1].png"/>
+          <p:cNvPicPr>
+            <a:picLocks noChangeAspect="1" noChangeArrowheads="1"/>
+          </p:cNvPicPr>
+          <p:nvPr/>
+        </p:nvPicPr>
+        <p:blipFill>
+          <a:blip r:embed="rId3" cstate="print">
+            <a:extLst>
+              <a:ext uri="{28A0092B-C50C-407E-A947-70E740481C1C}">
+                <a14:useLocalDpi xmlns:a14="http://schemas.microsoft.com/office/drawing/2010/main" val="0"/>
+              </a:ext>
+            </a:extLst>
+          </a:blip>
+          <a:srcRect/>
+          <a:stretch>
+            <a:fillRect/>
+          </a:stretch>
+        </p:blipFill>
+        <p:spPr bwMode="auto">
+          <a:xfrm>
+            <a:off x="4008136" y="3377757"/>
+            <a:ext cx="522222" cy="522222"/>
           </a:xfrm>
           <a:prstGeom prst="rect">
             <a:avLst/>
@@ -7720,7 +7768,7 @@
                                           </p:stCondLst>
                                         </p:cTn>
                                         <p:tgtEl>
-                                          <p:spTgt spid="6"/>
+                                          <p:spTgt spid="11"/>
                                         </p:tgtEl>
                                         <p:attrNameLst>
                                           <p:attrName>style.visibility</p:attrName>
@@ -8346,6 +8394,9 @@
                     <p:cTn id="3" fill="hold">
                       <p:stCondLst>
                         <p:cond delay="indefinite"/>
+                        <p:cond evt="onBegin" delay="0">
+                          <p:tn val="2"/>
+                        </p:cond>
                       </p:stCondLst>
                       <p:childTnLst>
                         <p:par>
@@ -8355,7 +8406,7 @@
                             </p:stCondLst>
                             <p:childTnLst>
                               <p:par>
-                                <p:cTn id="5" presetID="1" presetClass="entr" presetSubtype="0" fill="hold" nodeType="clickEffect">
+                                <p:cTn id="5" presetID="1" presetClass="entr" presetSubtype="0" fill="hold" nodeType="withEffect">
                                   <p:stCondLst>
                                     <p:cond delay="0"/>
                                   </p:stCondLst>
@@ -8368,7 +8419,7 @@
                                           </p:stCondLst>
                                         </p:cTn>
                                         <p:tgtEl>
-                                          <p:spTgt spid="6148"/>
+                                          <p:spTgt spid="19"/>
                                         </p:tgtEl>
                                         <p:attrNameLst>
                                           <p:attrName>style.visibility</p:attrName>
@@ -8395,7 +8446,7 @@
                                           </p:stCondLst>
                                         </p:cTn>
                                         <p:tgtEl>
-                                          <p:spTgt spid="6147"/>
+                                          <p:spTgt spid="6148"/>
                                         </p:tgtEl>
                                         <p:attrNameLst>
                                           <p:attrName>style.visibility</p:attrName>
@@ -8440,6 +8491,51 @@
                                           </p:stCondLst>
                                         </p:cTn>
                                         <p:tgtEl>
+                                          <p:spTgt spid="6147"/>
+                                        </p:tgtEl>
+                                        <p:attrNameLst>
+                                          <p:attrName>style.visibility</p:attrName>
+                                        </p:attrNameLst>
+                                      </p:cBhvr>
+                                      <p:to>
+                                        <p:strVal val="visible"/>
+                                      </p:to>
+                                    </p:set>
+                                  </p:childTnLst>
+                                </p:cTn>
+                              </p:par>
+                            </p:childTnLst>
+                          </p:cTn>
+                        </p:par>
+                      </p:childTnLst>
+                    </p:cTn>
+                  </p:par>
+                  <p:par>
+                    <p:cTn id="13" fill="hold">
+                      <p:stCondLst>
+                        <p:cond delay="indefinite"/>
+                      </p:stCondLst>
+                      <p:childTnLst>
+                        <p:par>
+                          <p:cTn id="14" fill="hold">
+                            <p:stCondLst>
+                              <p:cond delay="0"/>
+                            </p:stCondLst>
+                            <p:childTnLst>
+                              <p:par>
+                                <p:cTn id="15" presetID="1" presetClass="entr" presetSubtype="0" fill="hold" nodeType="clickEffect">
+                                  <p:stCondLst>
+                                    <p:cond delay="0"/>
+                                  </p:stCondLst>
+                                  <p:childTnLst>
+                                    <p:set>
+                                      <p:cBhvr>
+                                        <p:cTn id="16" dur="1" fill="hold">
+                                          <p:stCondLst>
+                                            <p:cond delay="0"/>
+                                          </p:stCondLst>
+                                        </p:cTn>
+                                        <p:tgtEl>
                                           <p:spTgt spid="6149"/>
                                         </p:tgtEl>
                                         <p:attrNameLst>
@@ -8453,15 +8549,33 @@
                                   </p:childTnLst>
                                 </p:cTn>
                               </p:par>
+                            </p:childTnLst>
+                          </p:cTn>
+                        </p:par>
+                      </p:childTnLst>
+                    </p:cTn>
+                  </p:par>
+                  <p:par>
+                    <p:cTn id="17" fill="hold">
+                      <p:stCondLst>
+                        <p:cond delay="indefinite"/>
+                      </p:stCondLst>
+                      <p:childTnLst>
+                        <p:par>
+                          <p:cTn id="18" fill="hold">
+                            <p:stCondLst>
+                              <p:cond delay="0"/>
+                            </p:stCondLst>
+                            <p:childTnLst>
                               <p:par>
-                                <p:cTn id="13" presetID="1" presetClass="entr" presetSubtype="0" fill="hold" nodeType="withEffect">
+                                <p:cTn id="19" presetID="1" presetClass="entr" presetSubtype="0" fill="hold" nodeType="clickEffect">
                                   <p:stCondLst>
                                     <p:cond delay="0"/>
                                   </p:stCondLst>
                                   <p:childTnLst>
                                     <p:set>
                                       <p:cBhvr>
-                                        <p:cTn id="14" dur="1" fill="hold">
+                                        <p:cTn id="20" dur="1" fill="hold">
                                           <p:stCondLst>
                                             <p:cond delay="0"/>
                                           </p:stCondLst>
@@ -8480,15 +8594,33 @@
                                   </p:childTnLst>
                                 </p:cTn>
                               </p:par>
+                            </p:childTnLst>
+                          </p:cTn>
+                        </p:par>
+                      </p:childTnLst>
+                    </p:cTn>
+                  </p:par>
+                  <p:par>
+                    <p:cTn id="21" fill="hold">
+                      <p:stCondLst>
+                        <p:cond delay="indefinite"/>
+                      </p:stCondLst>
+                      <p:childTnLst>
+                        <p:par>
+                          <p:cTn id="22" fill="hold">
+                            <p:stCondLst>
+                              <p:cond delay="0"/>
+                            </p:stCondLst>
+                            <p:childTnLst>
                               <p:par>
-                                <p:cTn id="15" presetID="1" presetClass="entr" presetSubtype="0" fill="hold" nodeType="withEffect">
+                                <p:cTn id="23" presetID="1" presetClass="entr" presetSubtype="0" fill="hold" nodeType="clickEffect">
                                   <p:stCondLst>
                                     <p:cond delay="0"/>
                                   </p:stCondLst>
                                   <p:childTnLst>
                                     <p:set>
                                       <p:cBhvr>
-                                        <p:cTn id="16" dur="1" fill="hold">
+                                        <p:cTn id="24" dur="1" fill="hold">
                                           <p:stCondLst>
                                             <p:cond delay="0"/>
                                           </p:stCondLst>
@@ -8978,6 +9110,9 @@
                     <p:cTn id="3" fill="hold">
                       <p:stCondLst>
                         <p:cond delay="indefinite"/>
+                        <p:cond evt="onBegin" delay="0">
+                          <p:tn val="2"/>
+                        </p:cond>
                       </p:stCondLst>
                       <p:childTnLst>
                         <p:par>
@@ -8987,7 +9122,7 @@
                             </p:stCondLst>
                             <p:childTnLst>
                               <p:par>
-                                <p:cTn id="5" presetID="1" presetClass="entr" presetSubtype="0" fill="hold" nodeType="clickEffect">
+                                <p:cTn id="5" presetID="1" presetClass="entr" presetSubtype="0" fill="hold" nodeType="withEffect">
                                   <p:stCondLst>
                                     <p:cond delay="0"/>
                                   </p:stCondLst>
@@ -11273,6 +11408,9 @@
                     <p:cTn id="3" fill="hold">
                       <p:stCondLst>
                         <p:cond delay="indefinite"/>
+                        <p:cond evt="onBegin" delay="0">
+                          <p:tn val="2"/>
+                        </p:cond>
                       </p:stCondLst>
                       <p:childTnLst>
                         <p:par>
@@ -11282,7 +11420,7 @@
                             </p:stCondLst>
                             <p:childTnLst>
                               <p:par>
-                                <p:cTn id="5" presetID="1" presetClass="entr" presetSubtype="0" fill="hold" nodeType="clickEffect">
+                                <p:cTn id="5" presetID="1" presetClass="entr" presetSubtype="0" fill="hold" nodeType="withEffect">
                                   <p:stCondLst>
                                     <p:cond delay="0"/>
                                   </p:stCondLst>
@@ -11295,7 +11433,7 @@
                                           </p:stCondLst>
                                         </p:cTn>
                                         <p:tgtEl>
-                                          <p:spTgt spid="8194"/>
+                                          <p:spTgt spid="8204"/>
                                         </p:tgtEl>
                                         <p:attrNameLst>
                                           <p:attrName>style.visibility</p:attrName>
@@ -11340,7 +11478,7 @@
                                           </p:stCondLst>
                                         </p:cTn>
                                         <p:tgtEl>
-                                          <p:spTgt spid="8195"/>
+                                          <p:spTgt spid="8194"/>
                                         </p:tgtEl>
                                         <p:attrNameLst>
                                           <p:attrName>style.visibility</p:attrName>
@@ -11385,7 +11523,7 @@
                                           </p:stCondLst>
                                         </p:cTn>
                                         <p:tgtEl>
-                                          <p:spTgt spid="8196"/>
+                                          <p:spTgt spid="8195"/>
                                         </p:tgtEl>
                                         <p:attrNameLst>
                                           <p:attrName>style.visibility</p:attrName>
@@ -11430,7 +11568,7 @@
                                           </p:stCondLst>
                                         </p:cTn>
                                         <p:tgtEl>
-                                          <p:spTgt spid="8197"/>
+                                          <p:spTgt spid="8196"/>
                                         </p:tgtEl>
                                         <p:attrNameLst>
                                           <p:attrName>style.visibility</p:attrName>
@@ -11475,7 +11613,7 @@
                                           </p:stCondLst>
                                         </p:cTn>
                                         <p:tgtEl>
-                                          <p:spTgt spid="8198"/>
+                                          <p:spTgt spid="8197"/>
                                         </p:tgtEl>
                                         <p:attrNameLst>
                                           <p:attrName>style.visibility</p:attrName>
@@ -11520,7 +11658,7 @@
                                           </p:stCondLst>
                                         </p:cTn>
                                         <p:tgtEl>
-                                          <p:spTgt spid="8199"/>
+                                          <p:spTgt spid="8198"/>
                                         </p:tgtEl>
                                         <p:attrNameLst>
                                           <p:attrName>style.visibility</p:attrName>
@@ -11565,7 +11703,7 @@
                                           </p:stCondLst>
                                         </p:cTn>
                                         <p:tgtEl>
-                                          <p:spTgt spid="8202"/>
+                                          <p:spTgt spid="8199"/>
                                         </p:tgtEl>
                                         <p:attrNameLst>
                                           <p:attrName>style.visibility</p:attrName>
@@ -11610,7 +11748,7 @@
                                           </p:stCondLst>
                                         </p:cTn>
                                         <p:tgtEl>
-                                          <p:spTgt spid="8200"/>
+                                          <p:spTgt spid="8202"/>
                                         </p:tgtEl>
                                         <p:attrNameLst>
                                           <p:attrName>style.visibility</p:attrName>
@@ -11650,6 +11788,51 @@
                                     <p:set>
                                       <p:cBhvr>
                                         <p:cTn id="38" dur="1" fill="hold">
+                                          <p:stCondLst>
+                                            <p:cond delay="0"/>
+                                          </p:stCondLst>
+                                        </p:cTn>
+                                        <p:tgtEl>
+                                          <p:spTgt spid="8200"/>
+                                        </p:tgtEl>
+                                        <p:attrNameLst>
+                                          <p:attrName>style.visibility</p:attrName>
+                                        </p:attrNameLst>
+                                      </p:cBhvr>
+                                      <p:to>
+                                        <p:strVal val="visible"/>
+                                      </p:to>
+                                    </p:set>
+                                  </p:childTnLst>
+                                </p:cTn>
+                              </p:par>
+                            </p:childTnLst>
+                          </p:cTn>
+                        </p:par>
+                      </p:childTnLst>
+                    </p:cTn>
+                  </p:par>
+                  <p:par>
+                    <p:cTn id="39" fill="hold">
+                      <p:stCondLst>
+                        <p:cond delay="indefinite"/>
+                      </p:stCondLst>
+                      <p:childTnLst>
+                        <p:par>
+                          <p:cTn id="40" fill="hold">
+                            <p:stCondLst>
+                              <p:cond delay="0"/>
+                            </p:stCondLst>
+                            <p:childTnLst>
+                              <p:par>
+                                <p:cTn id="41" presetID="1" presetClass="entr" presetSubtype="0" fill="hold" nodeType="clickEffect">
+                                  <p:stCondLst>
+                                    <p:cond delay="0"/>
+                                  </p:stCondLst>
+                                  <p:childTnLst>
+                                    <p:set>
+                                      <p:cBhvr>
+                                        <p:cTn id="42" dur="1" fill="hold">
                                           <p:stCondLst>
                                             <p:cond delay="0"/>
                                           </p:stCondLst>

--- a/Docs/Refactoring-2.0.pptx
+++ b/Docs/Refactoring-2.0.pptx
@@ -5,7 +5,7 @@
     <p:sldMasterId id="2147483720" r:id="rId1"/>
   </p:sldMasterIdLst>
   <p:notesMasterIdLst>
-    <p:notesMasterId r:id="rId27"/>
+    <p:notesMasterId r:id="rId36"/>
   </p:notesMasterIdLst>
   <p:sldIdLst>
     <p:sldId id="256" r:id="rId2"/>
@@ -25,14 +25,23 @@
     <p:sldId id="311" r:id="rId16"/>
     <p:sldId id="322" r:id="rId17"/>
     <p:sldId id="313" r:id="rId18"/>
-    <p:sldId id="323" r:id="rId19"/>
-    <p:sldId id="315" r:id="rId20"/>
-    <p:sldId id="321" r:id="rId21"/>
-    <p:sldId id="316" r:id="rId22"/>
-    <p:sldId id="317" r:id="rId23"/>
-    <p:sldId id="319" r:id="rId24"/>
-    <p:sldId id="318" r:id="rId25"/>
-    <p:sldId id="320" r:id="rId26"/>
+    <p:sldId id="324" r:id="rId19"/>
+    <p:sldId id="325" r:id="rId20"/>
+    <p:sldId id="326" r:id="rId21"/>
+    <p:sldId id="327" r:id="rId22"/>
+    <p:sldId id="328" r:id="rId23"/>
+    <p:sldId id="329" r:id="rId24"/>
+    <p:sldId id="330" r:id="rId25"/>
+    <p:sldId id="331" r:id="rId26"/>
+    <p:sldId id="332" r:id="rId27"/>
+    <p:sldId id="323" r:id="rId28"/>
+    <p:sldId id="315" r:id="rId29"/>
+    <p:sldId id="321" r:id="rId30"/>
+    <p:sldId id="316" r:id="rId31"/>
+    <p:sldId id="317" r:id="rId32"/>
+    <p:sldId id="319" r:id="rId33"/>
+    <p:sldId id="318" r:id="rId34"/>
+    <p:sldId id="320" r:id="rId35"/>
   </p:sldIdLst>
   <p:sldSz cx="9144000" cy="6858000" type="screen4x3"/>
   <p:notesSz cx="6858000" cy="9144000"/>
@@ -482,6 +491,122 @@
     </a:lvl9pPr>
   </p:notesStyle>
 </p:notesMaster>
+</file>
+
+<file path=ppt/notesSlides/notesSlide1.xml><?xml version="1.0" encoding="utf-8"?>
+<p:notes xmlns:a="http://schemas.openxmlformats.org/drawingml/2006/main" xmlns:r="http://schemas.openxmlformats.org/officeDocument/2006/relationships" xmlns:p="http://schemas.openxmlformats.org/presentationml/2006/main">
+  <p:cSld>
+    <p:spTree>
+      <p:nvGrpSpPr>
+        <p:cNvPr id="1" name=""/>
+        <p:cNvGrpSpPr/>
+        <p:nvPr/>
+      </p:nvGrpSpPr>
+      <p:grpSpPr>
+        <a:xfrm>
+          <a:off x="0" y="0"/>
+          <a:ext cx="0" cy="0"/>
+          <a:chOff x="0" y="0"/>
+          <a:chExt cx="0" cy="0"/>
+        </a:xfrm>
+      </p:grpSpPr>
+      <p:sp>
+        <p:nvSpPr>
+          <p:cNvPr id="2" name="Slide Image Placeholder 1"/>
+          <p:cNvSpPr>
+            <a:spLocks noGrp="1" noRot="1" noChangeAspect="1"/>
+          </p:cNvSpPr>
+          <p:nvPr>
+            <p:ph type="sldImg"/>
+          </p:nvPr>
+        </p:nvSpPr>
+        <p:spPr/>
+      </p:sp>
+      <p:sp>
+        <p:nvSpPr>
+          <p:cNvPr id="3" name="Notes Placeholder 2"/>
+          <p:cNvSpPr>
+            <a:spLocks noGrp="1"/>
+          </p:cNvSpPr>
+          <p:nvPr>
+            <p:ph type="body" idx="1"/>
+          </p:nvPr>
+        </p:nvSpPr>
+        <p:spPr/>
+        <p:txBody>
+          <a:bodyPr/>
+          <a:lstStyle/>
+          <a:p>
+            <a:pPr marL="171450" indent="-171450">
+              <a:buFontTx/>
+              <a:buChar char="-"/>
+            </a:pPr>
+            <a:r>
+              <a:rPr lang="en-US" dirty="0" smtClean="0"/>
+              <a:t>Lines of code increased after by 2x</a:t>
+            </a:r>
+          </a:p>
+          <a:p>
+            <a:pPr marL="171450" indent="-171450">
+              <a:buFontTx/>
+              <a:buChar char="-"/>
+            </a:pPr>
+            <a:r>
+              <a:rPr lang="en-US" dirty="0" smtClean="0"/>
+              <a:t>Largest method</a:t>
+            </a:r>
+            <a:r>
+              <a:rPr lang="en-US" baseline="0" dirty="0" smtClean="0"/>
+              <a:t> size decreased to 20 lines</a:t>
+            </a:r>
+          </a:p>
+          <a:p>
+            <a:pPr marL="171450" indent="-171450">
+              <a:buFontTx/>
+              <a:buChar char="-"/>
+            </a:pPr>
+            <a:r>
+              <a:rPr lang="en-US" baseline="0" dirty="0" smtClean="0"/>
+              <a:t>Goal isn’t necessarily to write the most concise code, but to write code that is clean, easy to understand, and easy to test.</a:t>
+            </a:r>
+            <a:endParaRPr lang="en-US" dirty="0"/>
+          </a:p>
+        </p:txBody>
+      </p:sp>
+      <p:sp>
+        <p:nvSpPr>
+          <p:cNvPr id="4" name="Slide Number Placeholder 3"/>
+          <p:cNvSpPr>
+            <a:spLocks noGrp="1"/>
+          </p:cNvSpPr>
+          <p:nvPr>
+            <p:ph type="sldNum" sz="quarter" idx="10"/>
+          </p:nvPr>
+        </p:nvSpPr>
+        <p:spPr/>
+        <p:txBody>
+          <a:bodyPr/>
+          <a:lstStyle/>
+          <a:p>
+            <a:fld id="{4815EB0B-AEDD-4512-B7F8-4E2A44508656}" type="slidenum">
+              <a:rPr lang="en-US" smtClean="0"/>
+              <a:t>21</a:t>
+            </a:fld>
+            <a:endParaRPr lang="en-US"/>
+          </a:p>
+        </p:txBody>
+      </p:sp>
+    </p:spTree>
+    <p:extLst>
+      <p:ext uri="{BB962C8B-B14F-4D97-AF65-F5344CB8AC3E}">
+        <p14:creationId xmlns:p14="http://schemas.microsoft.com/office/powerpoint/2010/main" val="213944368"/>
+      </p:ext>
+    </p:extLst>
+  </p:cSld>
+  <p:clrMapOvr>
+    <a:masterClrMapping/>
+  </p:clrMapOvr>
+</p:notes>
 </file>
 
 <file path=ppt/slideLayouts/slideLayout1.xml><?xml version="1.0" encoding="utf-8"?>
@@ -5042,7 +5167,7 @@
           <a:p>
             <a:r>
               <a:rPr lang="en-US" dirty="0" smtClean="0"/>
-              <a:t>Hands-on Exercises</a:t>
+              <a:t>Refactoring Goals</a:t>
             </a:r>
             <a:endParaRPr lang="en-US" dirty="0"/>
           </a:p>
@@ -5050,22 +5175,88 @@
       </p:sp>
       <p:sp>
         <p:nvSpPr>
-          <p:cNvPr id="4" name="Text Placeholder 3"/>
+          <p:cNvPr id="3" name="Content Placeholder 2"/>
           <p:cNvSpPr>
             <a:spLocks noGrp="1"/>
           </p:cNvSpPr>
           <p:nvPr>
-            <p:ph type="body" idx="1"/>
+            <p:ph idx="1"/>
           </p:nvPr>
         </p:nvSpPr>
         <p:spPr/>
         <p:txBody>
-          <a:bodyPr/>
+          <a:bodyPr>
+            <a:normAutofit lnSpcReduction="10000"/>
+          </a:bodyPr>
           <a:lstStyle/>
           <a:p>
             <a:r>
               <a:rPr lang="en-US" dirty="0"/>
-              <a:t>Refactoring Follow-Up</a:t>
+              <a:t>Separation of </a:t>
+            </a:r>
+            <a:r>
+              <a:rPr lang="en-US" dirty="0" smtClean="0"/>
+              <a:t>concerns</a:t>
+            </a:r>
+          </a:p>
+          <a:p>
+            <a:r>
+              <a:rPr lang="en-US" dirty="0" smtClean="0"/>
+              <a:t>Easier unit testing</a:t>
+            </a:r>
+            <a:endParaRPr lang="en-US" dirty="0"/>
+          </a:p>
+          <a:p>
+            <a:r>
+              <a:rPr lang="en-US" dirty="0" smtClean="0"/>
+              <a:t>Long methods</a:t>
+            </a:r>
+          </a:p>
+          <a:p>
+            <a:r>
+              <a:rPr lang="en-US" dirty="0" smtClean="0"/>
+              <a:t>Custom exceptions</a:t>
+            </a:r>
+            <a:endParaRPr lang="en-US" dirty="0"/>
+          </a:p>
+          <a:p>
+            <a:r>
+              <a:rPr lang="en-US" dirty="0" smtClean="0"/>
+              <a:t>Duplicate </a:t>
+            </a:r>
+            <a:r>
+              <a:rPr lang="en-US" dirty="0"/>
+              <a:t>code</a:t>
+            </a:r>
+          </a:p>
+          <a:p>
+            <a:r>
+              <a:rPr lang="en-US" dirty="0"/>
+              <a:t>M</a:t>
+            </a:r>
+            <a:r>
+              <a:rPr lang="en-US" dirty="0" smtClean="0"/>
+              <a:t>agic </a:t>
+            </a:r>
+            <a:r>
+              <a:rPr lang="en-US" dirty="0"/>
+              <a:t>constants</a:t>
+            </a:r>
+          </a:p>
+          <a:p>
+            <a:r>
+              <a:rPr lang="en-US" dirty="0" smtClean="0"/>
+              <a:t>Appropriately named fields</a:t>
+            </a:r>
+          </a:p>
+          <a:p>
+            <a:r>
+              <a:rPr lang="en-US" dirty="0"/>
+              <a:t>Validate user </a:t>
+            </a:r>
+            <a:r>
+              <a:rPr lang="en-US" dirty="0" smtClean="0"/>
+              <a:t>input</a:t>
             </a:r>
             <a:endParaRPr lang="en-US" dirty="0"/>
           </a:p>
@@ -5074,7 +5265,7 @@
     </p:spTree>
     <p:extLst>
       <p:ext uri="{BB962C8B-B14F-4D97-AF65-F5344CB8AC3E}">
-        <p14:creationId xmlns:p14="http://schemas.microsoft.com/office/powerpoint/2010/main" val="1212883754"/>
+        <p14:creationId xmlns:p14="http://schemas.microsoft.com/office/powerpoint/2010/main" val="2525997308"/>
       </p:ext>
     </p:extLst>
   </p:cSld>
@@ -5125,7 +5316,7 @@
           <a:p>
             <a:r>
               <a:rPr lang="en-US" dirty="0" smtClean="0"/>
-              <a:t>Hands-On Exercise Tasks</a:t>
+              <a:t>Separation of Concern</a:t>
             </a:r>
             <a:endParaRPr lang="en-US" dirty="0"/>
           </a:p>
@@ -5144,67 +5335,206 @@
         <p:spPr/>
         <p:txBody>
           <a:bodyPr>
-            <a:normAutofit fontScale="92500"/>
+            <a:normAutofit fontScale="92500" lnSpcReduction="10000"/>
           </a:bodyPr>
           <a:lstStyle/>
           <a:p>
-            <a:r>
-              <a:rPr lang="en-US" dirty="0" smtClean="0"/>
-              <a:t>As in the last training session, first fork a copy of my repo to your account</a:t>
-            </a:r>
-          </a:p>
-          <a:p>
-            <a:r>
-              <a:rPr lang="en-US" dirty="0" smtClean="0"/>
-              <a:t>Then complete the tasks in the following pages</a:t>
-            </a:r>
-          </a:p>
-          <a:p>
-            <a:r>
-              <a:rPr lang="en-US" dirty="0" smtClean="0"/>
-              <a:t>You should do each of these tasks for each of the following repos under my account:</a:t>
-            </a:r>
-          </a:p>
-          <a:p>
-            <a:pPr lvl="1"/>
-            <a:r>
-              <a:rPr lang="en-US" dirty="0" smtClean="0"/>
-              <a:t>Refactoring-training-2.0 (Copy of original </a:t>
-            </a:r>
-            <a:r>
-              <a:rPr lang="en-US" dirty="0"/>
-              <a:t>c</a:t>
-            </a:r>
-            <a:r>
-              <a:rPr lang="en-US" dirty="0" smtClean="0"/>
-              <a:t>ode)</a:t>
-            </a:r>
-          </a:p>
-          <a:p>
-            <a:pPr lvl="1"/>
-            <a:r>
-              <a:rPr lang="en-US" dirty="0" smtClean="0"/>
-              <a:t>Refactoring-training-2.3 (Copy of Glen’s refactored code)</a:t>
-            </a:r>
-          </a:p>
-          <a:p>
-            <a:pPr lvl="1"/>
-            <a:r>
-              <a:rPr lang="en-US" dirty="0" smtClean="0"/>
-              <a:t>Your own repo from the previous exercise (Optional)</a:t>
-            </a:r>
-            <a:endParaRPr lang="en-US" dirty="0"/>
-          </a:p>
-          <a:p>
-            <a:pPr lvl="1"/>
-            <a:endParaRPr lang="en-US" dirty="0"/>
+            <a:pPr marL="0" indent="0">
+              <a:buNone/>
+            </a:pPr>
+            <a:r>
+              <a:rPr lang="en-US" dirty="0" err="1" smtClean="0">
+                <a:latin typeface="Consolas" panose="020B0609020204030204" pitchFamily="49" charset="0"/>
+                <a:cs typeface="Consolas" panose="020B0609020204030204" pitchFamily="49" charset="0"/>
+              </a:rPr>
+              <a:t>DataManager</a:t>
+            </a:r>
+            <a:r>
+              <a:rPr lang="en-US" dirty="0" smtClean="0">
+                <a:latin typeface="Consolas" panose="020B0609020204030204" pitchFamily="49" charset="0"/>
+                <a:cs typeface="Consolas" panose="020B0609020204030204" pitchFamily="49" charset="0"/>
+              </a:rPr>
+              <a:t>:</a:t>
+            </a:r>
+          </a:p>
+          <a:p>
+            <a:pPr marL="0" indent="0">
+              <a:buNone/>
+            </a:pPr>
+            <a:endParaRPr lang="en-US" dirty="0" smtClean="0">
+              <a:latin typeface="Consolas" panose="020B0609020204030204" pitchFamily="49" charset="0"/>
+              <a:cs typeface="Consolas" panose="020B0609020204030204" pitchFamily="49" charset="0"/>
+            </a:endParaRPr>
+          </a:p>
+          <a:p>
+            <a:pPr marL="0" indent="0">
+              <a:buNone/>
+            </a:pPr>
+            <a:r>
+              <a:rPr lang="en-US" sz="2600" dirty="0">
+                <a:latin typeface="Consolas" panose="020B0609020204030204" pitchFamily="49" charset="0"/>
+                <a:cs typeface="Consolas" panose="020B0609020204030204" pitchFamily="49" charset="0"/>
+              </a:rPr>
+              <a:t>public </a:t>
+            </a:r>
+            <a:r>
+              <a:rPr lang="en-US" sz="2600" dirty="0" err="1">
+                <a:latin typeface="Consolas" panose="020B0609020204030204" pitchFamily="49" charset="0"/>
+                <a:cs typeface="Consolas" panose="020B0609020204030204" pitchFamily="49" charset="0"/>
+              </a:rPr>
+              <a:t>DataManager</a:t>
+            </a:r>
+            <a:r>
+              <a:rPr lang="en-US" sz="2600" dirty="0">
+                <a:latin typeface="Consolas" panose="020B0609020204030204" pitchFamily="49" charset="0"/>
+                <a:cs typeface="Consolas" panose="020B0609020204030204" pitchFamily="49" charset="0"/>
+              </a:rPr>
+              <a:t>(</a:t>
+            </a:r>
+          </a:p>
+          <a:p>
+            <a:pPr marL="0" indent="0">
+              <a:buNone/>
+            </a:pPr>
+            <a:r>
+              <a:rPr lang="en-US" sz="2600" dirty="0">
+                <a:latin typeface="Consolas" panose="020B0609020204030204" pitchFamily="49" charset="0"/>
+                <a:cs typeface="Consolas" panose="020B0609020204030204" pitchFamily="49" charset="0"/>
+              </a:rPr>
+              <a:t>  List&lt;User&gt; users, </a:t>
+            </a:r>
+          </a:p>
+          <a:p>
+            <a:pPr marL="0" indent="0">
+              <a:buNone/>
+            </a:pPr>
+            <a:r>
+              <a:rPr lang="en-US" sz="2600" dirty="0">
+                <a:latin typeface="Consolas" panose="020B0609020204030204" pitchFamily="49" charset="0"/>
+                <a:cs typeface="Consolas" panose="020B0609020204030204" pitchFamily="49" charset="0"/>
+              </a:rPr>
+              <a:t>  List&lt;Product&gt; products</a:t>
+            </a:r>
+            <a:r>
+              <a:rPr lang="en-US" sz="2600" dirty="0" smtClean="0">
+                <a:latin typeface="Consolas" panose="020B0609020204030204" pitchFamily="49" charset="0"/>
+                <a:cs typeface="Consolas" panose="020B0609020204030204" pitchFamily="49" charset="0"/>
+              </a:rPr>
+              <a:t>)</a:t>
+            </a:r>
+          </a:p>
+          <a:p>
+            <a:pPr marL="0" indent="0">
+              <a:buNone/>
+            </a:pPr>
+            <a:endParaRPr lang="en-US" sz="2600" dirty="0">
+              <a:latin typeface="Consolas" panose="020B0609020204030204" pitchFamily="49" charset="0"/>
+              <a:cs typeface="Consolas" panose="020B0609020204030204" pitchFamily="49" charset="0"/>
+            </a:endParaRPr>
+          </a:p>
+          <a:p>
+            <a:pPr marL="0" indent="0">
+              <a:buNone/>
+            </a:pPr>
+            <a:r>
+              <a:rPr lang="en-US" sz="2600" dirty="0" smtClean="0">
+                <a:latin typeface="Consolas" panose="020B0609020204030204" pitchFamily="49" charset="0"/>
+                <a:cs typeface="Consolas" panose="020B0609020204030204" pitchFamily="49" charset="0"/>
+              </a:rPr>
+              <a:t>public </a:t>
+            </a:r>
+            <a:r>
+              <a:rPr lang="en-US" sz="2600" dirty="0">
+                <a:latin typeface="Consolas" panose="020B0609020204030204" pitchFamily="49" charset="0"/>
+                <a:cs typeface="Consolas" panose="020B0609020204030204" pitchFamily="49" charset="0"/>
+              </a:rPr>
+              <a:t>List&lt;User&gt; Users</a:t>
+            </a:r>
+          </a:p>
+          <a:p>
+            <a:pPr marL="0" indent="0">
+              <a:buNone/>
+            </a:pPr>
+            <a:r>
+              <a:rPr lang="en-US" sz="2600" dirty="0">
+                <a:latin typeface="Consolas" panose="020B0609020204030204" pitchFamily="49" charset="0"/>
+                <a:cs typeface="Consolas" panose="020B0609020204030204" pitchFamily="49" charset="0"/>
+              </a:rPr>
+              <a:t>public List&lt;Product&gt; Products</a:t>
+            </a:r>
+          </a:p>
+          <a:p>
+            <a:pPr marL="0" indent="0">
+              <a:buNone/>
+            </a:pPr>
+            <a:r>
+              <a:rPr lang="en-US" sz="2600" dirty="0" smtClean="0">
+                <a:latin typeface="Consolas" panose="020B0609020204030204" pitchFamily="49" charset="0"/>
+                <a:cs typeface="Consolas" panose="020B0609020204030204" pitchFamily="49" charset="0"/>
+              </a:rPr>
+              <a:t>public </a:t>
+            </a:r>
+            <a:r>
+              <a:rPr lang="en-US" sz="2600" dirty="0">
+                <a:latin typeface="Consolas" panose="020B0609020204030204" pitchFamily="49" charset="0"/>
+                <a:cs typeface="Consolas" panose="020B0609020204030204" pitchFamily="49" charset="0"/>
+              </a:rPr>
+              <a:t>void </a:t>
+            </a:r>
+            <a:r>
+              <a:rPr lang="en-US" sz="2600" dirty="0" err="1">
+                <a:latin typeface="Consolas" panose="020B0609020204030204" pitchFamily="49" charset="0"/>
+                <a:cs typeface="Consolas" panose="020B0609020204030204" pitchFamily="49" charset="0"/>
+              </a:rPr>
+              <a:t>SaveUser</a:t>
+            </a:r>
+            <a:r>
+              <a:rPr lang="en-US" sz="2600" dirty="0">
+                <a:latin typeface="Consolas" panose="020B0609020204030204" pitchFamily="49" charset="0"/>
+                <a:cs typeface="Consolas" panose="020B0609020204030204" pitchFamily="49" charset="0"/>
+              </a:rPr>
+              <a:t>(User user</a:t>
+            </a:r>
+            <a:r>
+              <a:rPr lang="en-US" sz="2600" dirty="0" smtClean="0">
+                <a:latin typeface="Consolas" panose="020B0609020204030204" pitchFamily="49" charset="0"/>
+                <a:cs typeface="Consolas" panose="020B0609020204030204" pitchFamily="49" charset="0"/>
+              </a:rPr>
+              <a:t>)</a:t>
+            </a:r>
+          </a:p>
+          <a:p>
+            <a:pPr marL="0" indent="0">
+              <a:buNone/>
+            </a:pPr>
+            <a:r>
+              <a:rPr lang="en-US" sz="2600" dirty="0">
+                <a:latin typeface="Consolas" panose="020B0609020204030204" pitchFamily="49" charset="0"/>
+                <a:cs typeface="Consolas" panose="020B0609020204030204" pitchFamily="49" charset="0"/>
+              </a:rPr>
+              <a:t>public void </a:t>
+            </a:r>
+            <a:r>
+              <a:rPr lang="en-US" sz="2600" dirty="0" err="1">
+                <a:latin typeface="Consolas" panose="020B0609020204030204" pitchFamily="49" charset="0"/>
+                <a:cs typeface="Consolas" panose="020B0609020204030204" pitchFamily="49" charset="0"/>
+              </a:rPr>
+              <a:t>SaveProduct</a:t>
+            </a:r>
+            <a:r>
+              <a:rPr lang="en-US" sz="2600" dirty="0">
+                <a:latin typeface="Consolas" panose="020B0609020204030204" pitchFamily="49" charset="0"/>
+                <a:cs typeface="Consolas" panose="020B0609020204030204" pitchFamily="49" charset="0"/>
+              </a:rPr>
+              <a:t>(Product product)</a:t>
+            </a:r>
           </a:p>
         </p:txBody>
       </p:sp>
     </p:spTree>
     <p:extLst>
       <p:ext uri="{BB962C8B-B14F-4D97-AF65-F5344CB8AC3E}">
-        <p14:creationId xmlns:p14="http://schemas.microsoft.com/office/powerpoint/2010/main" val="1861789696"/>
+        <p14:creationId xmlns:p14="http://schemas.microsoft.com/office/powerpoint/2010/main" val="3402554416"/>
       </p:ext>
     </p:extLst>
   </p:cSld>
@@ -5338,7 +5668,7 @@
           <a:p>
             <a:r>
               <a:rPr lang="en-US" dirty="0" smtClean="0"/>
-              <a:t>Hands-On Exercise Tasks</a:t>
+              <a:t>Unit Testing</a:t>
             </a:r>
             <a:endParaRPr lang="en-US" dirty="0"/>
           </a:p>
@@ -5361,134 +5691,165 @@
           </a:bodyPr>
           <a:lstStyle/>
           <a:p>
-            <a:r>
-              <a:rPr lang="en-US" dirty="0" smtClean="0"/>
-              <a:t>Task 1</a:t>
-            </a:r>
-          </a:p>
-          <a:p>
-            <a:pPr lvl="1"/>
-            <a:r>
-              <a:rPr lang="en-US" dirty="0" smtClean="0"/>
-              <a:t>Write a new test called: </a:t>
-            </a:r>
-            <a:r>
-              <a:rPr lang="en-US" sz="2000" dirty="0" err="1" smtClean="0">
-                <a:latin typeface="Courier New" panose="02070309020205020404" pitchFamily="49" charset="0"/>
-                <a:cs typeface="Courier New" panose="02070309020205020404" pitchFamily="49" charset="0"/>
-              </a:rPr>
-              <a:t>Test_UserCanPurchaseProductWhenOnlyOneInStock</a:t>
-            </a:r>
-            <a:endParaRPr lang="en-US" sz="2000" dirty="0" smtClean="0">
-              <a:latin typeface="Courier New" panose="02070309020205020404" pitchFamily="49" charset="0"/>
-              <a:cs typeface="Courier New" panose="02070309020205020404" pitchFamily="49" charset="0"/>
-            </a:endParaRPr>
-          </a:p>
-          <a:p>
-            <a:pPr lvl="2"/>
-            <a:r>
-              <a:rPr lang="en-US" sz="1600" dirty="0" smtClean="0">
-                <a:cs typeface="Courier New" panose="02070309020205020404" pitchFamily="49" charset="0"/>
-              </a:rPr>
-              <a:t>The setup for this test should set the quantity of a product such as Chips to 1, and set the desired amount to purchase to 1</a:t>
-            </a:r>
-          </a:p>
-          <a:p>
-            <a:pPr lvl="2"/>
-            <a:r>
-              <a:rPr lang="en-US" sz="1600" dirty="0" smtClean="0">
-                <a:cs typeface="Courier New" panose="02070309020205020404" pitchFamily="49" charset="0"/>
-              </a:rPr>
-              <a:t>The assert statement in the test should be similar to:</a:t>
-            </a:r>
-          </a:p>
-          <a:p>
-            <a:pPr marL="914400" lvl="2" indent="0">
+            <a:pPr marL="0" indent="0">
               <a:buNone/>
             </a:pPr>
             <a:r>
-              <a:rPr lang="en-US" sz="1500" dirty="0" err="1">
-                <a:latin typeface="Courier New" panose="02070309020205020404" pitchFamily="49" charset="0"/>
-                <a:cs typeface="Courier New" panose="02070309020205020404" pitchFamily="49" charset="0"/>
-              </a:rPr>
-              <a:t>Assert.IsTrue</a:t>
-            </a:r>
-            <a:r>
-              <a:rPr lang="en-US" sz="1500" dirty="0">
-                <a:latin typeface="Courier New" panose="02070309020205020404" pitchFamily="49" charset="0"/>
-                <a:cs typeface="Courier New" panose="02070309020205020404" pitchFamily="49" charset="0"/>
-              </a:rPr>
-              <a:t>(</a:t>
-            </a:r>
-            <a:r>
-              <a:rPr lang="en-US" sz="1500" dirty="0" err="1">
-                <a:latin typeface="Courier New" panose="02070309020205020404" pitchFamily="49" charset="0"/>
-                <a:cs typeface="Courier New" panose="02070309020205020404" pitchFamily="49" charset="0"/>
-              </a:rPr>
-              <a:t>writer.ToString</a:t>
-            </a:r>
-            <a:r>
-              <a:rPr lang="en-US" sz="1500" dirty="0">
-                <a:latin typeface="Courier New" panose="02070309020205020404" pitchFamily="49" charset="0"/>
-                <a:cs typeface="Courier New" panose="02070309020205020404" pitchFamily="49" charset="0"/>
-              </a:rPr>
-              <a:t>().Contains("You bought 1 Chips"));</a:t>
-            </a:r>
-            <a:endParaRPr lang="en-US" sz="1500" dirty="0" smtClean="0">
-              <a:latin typeface="Courier New" panose="02070309020205020404" pitchFamily="49" charset="0"/>
-              <a:cs typeface="Courier New" panose="02070309020205020404" pitchFamily="49" charset="0"/>
-            </a:endParaRPr>
-          </a:p>
-          <a:p>
-            <a:pPr lvl="1"/>
-            <a:r>
               <a:rPr lang="en-US" dirty="0" smtClean="0"/>
-              <a:t>You can model it after the existing test: </a:t>
-            </a:r>
-            <a:r>
-              <a:rPr lang="en-US" sz="2000" dirty="0" err="1">
-                <a:latin typeface="Courier New" panose="02070309020205020404" pitchFamily="49" charset="0"/>
-                <a:cs typeface="Courier New" panose="02070309020205020404" pitchFamily="49" charset="0"/>
-              </a:rPr>
-              <a:t>Test_ErrorOccursWhenProductOutOfStock</a:t>
-            </a:r>
-            <a:endParaRPr lang="en-US" sz="2000" dirty="0">
-              <a:latin typeface="Courier New" panose="02070309020205020404" pitchFamily="49" charset="0"/>
-              <a:cs typeface="Courier New" panose="02070309020205020404" pitchFamily="49" charset="0"/>
-            </a:endParaRPr>
-          </a:p>
-          <a:p>
-            <a:pPr lvl="1"/>
+              <a:t>Dependency Injection pattern used for mocking dependencies in unit tests</a:t>
+            </a:r>
+          </a:p>
+          <a:p>
+            <a:pPr marL="0" indent="0">
+              <a:buNone/>
+            </a:pPr>
+            <a:endParaRPr lang="en-US" dirty="0"/>
+          </a:p>
+          <a:p>
+            <a:pPr marL="0" indent="0">
+              <a:buNone/>
+            </a:pPr>
+            <a:r>
+              <a:rPr lang="en-US" sz="2200" dirty="0">
+                <a:latin typeface="Consolas" panose="020B0609020204030204" pitchFamily="49" charset="0"/>
+                <a:cs typeface="Consolas" panose="020B0609020204030204" pitchFamily="49" charset="0"/>
+              </a:rPr>
+              <a:t>public Store(User </a:t>
+            </a:r>
+            <a:r>
+              <a:rPr lang="en-US" sz="2200" dirty="0" err="1">
+                <a:latin typeface="Consolas" panose="020B0609020204030204" pitchFamily="49" charset="0"/>
+                <a:cs typeface="Consolas" panose="020B0609020204030204" pitchFamily="49" charset="0"/>
+              </a:rPr>
+              <a:t>user</a:t>
+            </a:r>
+            <a:r>
+              <a:rPr lang="en-US" sz="2200" dirty="0">
+                <a:latin typeface="Consolas" panose="020B0609020204030204" pitchFamily="49" charset="0"/>
+                <a:cs typeface="Consolas" panose="020B0609020204030204" pitchFamily="49" charset="0"/>
+              </a:rPr>
+              <a:t>, </a:t>
+            </a:r>
+            <a:r>
+              <a:rPr lang="en-US" sz="2200" dirty="0" err="1">
+                <a:latin typeface="Consolas" panose="020B0609020204030204" pitchFamily="49" charset="0"/>
+                <a:cs typeface="Consolas" panose="020B0609020204030204" pitchFamily="49" charset="0"/>
+              </a:rPr>
+              <a:t>DataManager</a:t>
+            </a:r>
+            <a:r>
+              <a:rPr lang="en-US" sz="2200" dirty="0">
+                <a:latin typeface="Consolas" panose="020B0609020204030204" pitchFamily="49" charset="0"/>
+                <a:cs typeface="Consolas" panose="020B0609020204030204" pitchFamily="49" charset="0"/>
+              </a:rPr>
+              <a:t> </a:t>
+            </a:r>
+            <a:r>
+              <a:rPr lang="en-US" sz="2200" dirty="0" err="1">
+                <a:latin typeface="Consolas" panose="020B0609020204030204" pitchFamily="49" charset="0"/>
+                <a:cs typeface="Consolas" panose="020B0609020204030204" pitchFamily="49" charset="0"/>
+              </a:rPr>
+              <a:t>dataManager</a:t>
+            </a:r>
+            <a:r>
+              <a:rPr lang="en-US" sz="2200" dirty="0" smtClean="0">
+                <a:latin typeface="Consolas" panose="020B0609020204030204" pitchFamily="49" charset="0"/>
+                <a:cs typeface="Consolas" panose="020B0609020204030204" pitchFamily="49" charset="0"/>
+              </a:rPr>
+              <a:t>)</a:t>
+            </a:r>
+            <a:br>
+              <a:rPr lang="en-US" sz="2200" dirty="0" smtClean="0">
+                <a:latin typeface="Consolas" panose="020B0609020204030204" pitchFamily="49" charset="0"/>
+                <a:cs typeface="Consolas" panose="020B0609020204030204" pitchFamily="49" charset="0"/>
+              </a:rPr>
+            </a:br>
+            <a:r>
+              <a:rPr lang="en-US" sz="2200" dirty="0" smtClean="0">
+                <a:latin typeface="Consolas" panose="020B0609020204030204" pitchFamily="49" charset="0"/>
+                <a:cs typeface="Consolas" panose="020B0609020204030204" pitchFamily="49" charset="0"/>
+              </a:rPr>
+              <a:t>// ...</a:t>
+            </a:r>
+            <a:br>
+              <a:rPr lang="en-US" sz="2200" dirty="0" smtClean="0">
+                <a:latin typeface="Consolas" panose="020B0609020204030204" pitchFamily="49" charset="0"/>
+                <a:cs typeface="Consolas" panose="020B0609020204030204" pitchFamily="49" charset="0"/>
+              </a:rPr>
+            </a:br>
+            <a:r>
+              <a:rPr lang="en-US" sz="2200" dirty="0" err="1" smtClean="0">
+                <a:latin typeface="Consolas" panose="020B0609020204030204" pitchFamily="49" charset="0"/>
+                <a:cs typeface="Consolas" panose="020B0609020204030204" pitchFamily="49" charset="0"/>
+              </a:rPr>
+              <a:t>dataManager.SaveUser</a:t>
+            </a:r>
+            <a:r>
+              <a:rPr lang="en-US" sz="2200" dirty="0" smtClean="0">
+                <a:latin typeface="Consolas" panose="020B0609020204030204" pitchFamily="49" charset="0"/>
+                <a:cs typeface="Consolas" panose="020B0609020204030204" pitchFamily="49" charset="0"/>
+              </a:rPr>
+              <a:t>(user);</a:t>
+            </a:r>
+          </a:p>
+          <a:p>
+            <a:pPr marL="0" indent="0">
+              <a:buNone/>
+            </a:pPr>
+            <a:r>
+              <a:rPr lang="en-US" sz="2200" dirty="0" err="1" smtClean="0">
+                <a:latin typeface="Consolas" panose="020B0609020204030204" pitchFamily="49" charset="0"/>
+                <a:cs typeface="Consolas" panose="020B0609020204030204" pitchFamily="49" charset="0"/>
+              </a:rPr>
+              <a:t>dataManager.SaveProduct</a:t>
+            </a:r>
+            <a:r>
+              <a:rPr lang="en-US" sz="2200" dirty="0" smtClean="0">
+                <a:latin typeface="Consolas" panose="020B0609020204030204" pitchFamily="49" charset="0"/>
+                <a:cs typeface="Consolas" panose="020B0609020204030204" pitchFamily="49" charset="0"/>
+              </a:rPr>
+              <a:t>(product);</a:t>
+            </a:r>
+            <a:br>
+              <a:rPr lang="en-US" sz="2200" dirty="0" smtClean="0">
+                <a:latin typeface="Consolas" panose="020B0609020204030204" pitchFamily="49" charset="0"/>
+                <a:cs typeface="Consolas" panose="020B0609020204030204" pitchFamily="49" charset="0"/>
+              </a:rPr>
+            </a:br>
+            <a:endParaRPr lang="en-US" b="1" dirty="0" smtClean="0"/>
+          </a:p>
+          <a:p>
+            <a:pPr marL="0" indent="0">
+              <a:buNone/>
+            </a:pPr>
             <a:r>
               <a:rPr lang="en-US" dirty="0" smtClean="0"/>
-              <a:t>The test should fail when you first write it</a:t>
-            </a:r>
-          </a:p>
-          <a:p>
-            <a:pPr lvl="1"/>
-            <a:r>
-              <a:rPr lang="en-US" dirty="0"/>
-              <a:t>Fix the code to make the test </a:t>
-            </a:r>
+              <a:t>Store does not know how to persist data</a:t>
+            </a:r>
+          </a:p>
+          <a:p>
+            <a:pPr marL="0" indent="0">
+              <a:buNone/>
+            </a:pPr>
             <a:r>
               <a:rPr lang="en-US" dirty="0" smtClean="0"/>
-              <a:t>pass</a:t>
-            </a:r>
-          </a:p>
-          <a:p>
-            <a:pPr lvl="1"/>
+              <a:t>Different </a:t>
+            </a:r>
+            <a:r>
+              <a:rPr lang="en-US" dirty="0" err="1" smtClean="0"/>
+              <a:t>DataManager</a:t>
+            </a:r>
             <a:r>
               <a:rPr lang="en-US" dirty="0" smtClean="0"/>
-              <a:t>Commit the changed code to your repo with comment “Task 1”</a:t>
-            </a:r>
-            <a:endParaRPr lang="en-US" dirty="0"/>
+              <a:t> implementations can be used</a:t>
+            </a:r>
           </a:p>
         </p:txBody>
       </p:sp>
     </p:spTree>
     <p:extLst>
       <p:ext uri="{BB962C8B-B14F-4D97-AF65-F5344CB8AC3E}">
-        <p14:creationId xmlns:p14="http://schemas.microsoft.com/office/powerpoint/2010/main" val="1868105709"/>
+        <p14:creationId xmlns:p14="http://schemas.microsoft.com/office/powerpoint/2010/main" val="444614139"/>
       </p:ext>
     </p:extLst>
   </p:cSld>
@@ -5532,22 +5893,135 @@
             <p:ph type="title"/>
           </p:nvPr>
         </p:nvSpPr>
-        <p:spPr/>
+        <p:spPr>
+          <a:xfrm>
+            <a:off x="457200" y="274638"/>
+            <a:ext cx="8229600" cy="792162"/>
+          </a:xfrm>
+        </p:spPr>
         <p:txBody>
           <a:bodyPr/>
           <a:lstStyle/>
           <a:p>
             <a:r>
               <a:rPr lang="en-US" dirty="0" smtClean="0"/>
-              <a:t>Hands-On Exercise Tasks</a:t>
+              <a:t>Long methods</a:t>
             </a:r>
             <a:endParaRPr lang="en-US" dirty="0"/>
           </a:p>
         </p:txBody>
       </p:sp>
+      <p:pic>
+        <p:nvPicPr>
+          <p:cNvPr id="1029" name="Picture 5"/>
+          <p:cNvPicPr>
+            <a:picLocks noChangeAspect="1" noChangeArrowheads="1"/>
+          </p:cNvPicPr>
+          <p:nvPr/>
+        </p:nvPicPr>
+        <p:blipFill>
+          <a:blip r:embed="rId3">
+            <a:extLst>
+              <a:ext uri="{28A0092B-C50C-407E-A947-70E740481C1C}">
+                <a14:useLocalDpi xmlns:a14="http://schemas.microsoft.com/office/drawing/2010/main" val="0"/>
+              </a:ext>
+            </a:extLst>
+          </a:blip>
+          <a:srcRect/>
+          <a:stretch>
+            <a:fillRect/>
+          </a:stretch>
+        </p:blipFill>
+        <p:spPr bwMode="auto">
+          <a:xfrm>
+            <a:off x="5486400" y="1819275"/>
+            <a:ext cx="3505200" cy="4810125"/>
+          </a:xfrm>
+          <a:prstGeom prst="rect">
+            <a:avLst/>
+          </a:prstGeom>
+          <a:noFill/>
+          <a:ln>
+            <a:noFill/>
+          </a:ln>
+          <a:extLst>
+            <a:ext uri="{909E8E84-426E-40DD-AFC4-6F175D3DCCD1}">
+              <a14:hiddenFill xmlns:a14="http://schemas.microsoft.com/office/drawing/2010/main">
+                <a:solidFill>
+                  <a:schemeClr val="accent1"/>
+                </a:solidFill>
+              </a14:hiddenFill>
+            </a:ext>
+            <a:ext uri="{91240B29-F687-4F45-9708-019B960494DF}">
+              <a14:hiddenLine xmlns:a14="http://schemas.microsoft.com/office/drawing/2010/main" w="9525">
+                <a:solidFill>
+                  <a:schemeClr val="tx1"/>
+                </a:solidFill>
+                <a:miter lim="800000"/>
+                <a:headEnd/>
+                <a:tailEnd/>
+              </a14:hiddenLine>
+            </a:ext>
+          </a:extLst>
+        </p:spPr>
+      </p:pic>
+      <p:pic>
+        <p:nvPicPr>
+          <p:cNvPr id="1030" name="Picture 6"/>
+          <p:cNvPicPr>
+            <a:picLocks noChangeAspect="1" noChangeArrowheads="1"/>
+          </p:cNvPicPr>
+          <p:nvPr/>
+        </p:nvPicPr>
+        <p:blipFill>
+          <a:blip r:embed="rId4">
+            <a:extLst>
+              <a:ext uri="{28A0092B-C50C-407E-A947-70E740481C1C}">
+                <a14:useLocalDpi xmlns:a14="http://schemas.microsoft.com/office/drawing/2010/main" val="0"/>
+              </a:ext>
+            </a:extLst>
+          </a:blip>
+          <a:srcRect/>
+          <a:stretch>
+            <a:fillRect/>
+          </a:stretch>
+        </p:blipFill>
+        <p:spPr bwMode="auto">
+          <a:xfrm>
+            <a:off x="381000" y="2952750"/>
+            <a:ext cx="3800475" cy="2381250"/>
+          </a:xfrm>
+          <a:prstGeom prst="rect">
+            <a:avLst/>
+          </a:prstGeom>
+          <a:noFill/>
+          <a:ln>
+            <a:noFill/>
+          </a:ln>
+          <a:extLst>
+            <a:ext uri="{909E8E84-426E-40DD-AFC4-6F175D3DCCD1}">
+              <a14:hiddenFill xmlns:a14="http://schemas.microsoft.com/office/drawing/2010/main">
+                <a:solidFill>
+                  <a:schemeClr val="accent1"/>
+                </a:solidFill>
+              </a14:hiddenFill>
+            </a:ext>
+            <a:ext uri="{91240B29-F687-4F45-9708-019B960494DF}">
+              <a14:hiddenLine xmlns:a14="http://schemas.microsoft.com/office/drawing/2010/main" w="9525">
+                <a:solidFill>
+                  <a:schemeClr val="tx1"/>
+                </a:solidFill>
+                <a:miter lim="800000"/>
+                <a:headEnd/>
+                <a:tailEnd/>
+              </a14:hiddenLine>
+            </a:ext>
+          </a:extLst>
+        </p:spPr>
+      </p:pic>
       <p:sp>
         <p:nvSpPr>
-          <p:cNvPr id="3" name="Content Placeholder 2"/>
+          <p:cNvPr id="10" name="Content Placeholder 2"/>
           <p:cNvSpPr>
             <a:spLocks noGrp="1"/>
           </p:cNvSpPr>
@@ -5555,75 +6029,193 @@
             <p:ph idx="1"/>
           </p:nvPr>
         </p:nvSpPr>
-        <p:spPr/>
+        <p:spPr>
+          <a:xfrm>
+            <a:off x="381000" y="1066800"/>
+            <a:ext cx="3810000" cy="609600"/>
+          </a:xfrm>
+        </p:spPr>
         <p:txBody>
-          <a:bodyPr>
-            <a:normAutofit fontScale="92500" lnSpcReduction="20000"/>
+          <a:bodyPr/>
+          <a:lstStyle/>
+          <a:p>
+            <a:pPr marL="0" indent="0">
+              <a:buNone/>
+            </a:pPr>
+            <a:r>
+              <a:rPr lang="en-US" dirty="0" smtClean="0"/>
+              <a:t>Before</a:t>
+            </a:r>
+            <a:endParaRPr lang="en-US" dirty="0"/>
+          </a:p>
+        </p:txBody>
+      </p:sp>
+      <p:sp>
+        <p:nvSpPr>
+          <p:cNvPr id="11" name="Content Placeholder 2"/>
+          <p:cNvSpPr txBox="1">
+            <a:spLocks/>
+          </p:cNvSpPr>
+          <p:nvPr/>
+        </p:nvSpPr>
+        <p:spPr>
+          <a:xfrm>
+            <a:off x="5486400" y="1082675"/>
+            <a:ext cx="3505200" cy="609600"/>
+          </a:xfrm>
+          <a:prstGeom prst="rect">
+            <a:avLst/>
+          </a:prstGeom>
+        </p:spPr>
+        <p:txBody>
+          <a:bodyPr vert="horz" lIns="91440" tIns="45720" rIns="91440" bIns="45720" rtlCol="0">
+            <a:normAutofit/>
           </a:bodyPr>
-          <a:lstStyle/>
-          <a:p>
+          <a:lstStyle>
+            <a:lvl1pPr marL="342900" indent="-342900" algn="l" defTabSz="914400" rtl="0" eaLnBrk="1" latinLnBrk="0" hangingPunct="1">
+              <a:spcBef>
+                <a:spcPct val="20000"/>
+              </a:spcBef>
+              <a:buFont typeface="Arial" panose="020B0604020202020204" pitchFamily="34" charset="0"/>
+              <a:buChar char="•"/>
+              <a:defRPr sz="3200" kern="1200">
+                <a:solidFill>
+                  <a:schemeClr val="tx1"/>
+                </a:solidFill>
+                <a:latin typeface="+mn-lt"/>
+                <a:ea typeface="+mn-ea"/>
+                <a:cs typeface="+mn-cs"/>
+              </a:defRPr>
+            </a:lvl1pPr>
+            <a:lvl2pPr marL="742950" indent="-285750" algn="l" defTabSz="914400" rtl="0" eaLnBrk="1" latinLnBrk="0" hangingPunct="1">
+              <a:spcBef>
+                <a:spcPct val="20000"/>
+              </a:spcBef>
+              <a:buFont typeface="Arial" panose="020B0604020202020204" pitchFamily="34" charset="0"/>
+              <a:buChar char="–"/>
+              <a:defRPr sz="2800" kern="1200">
+                <a:solidFill>
+                  <a:schemeClr val="tx1"/>
+                </a:solidFill>
+                <a:latin typeface="+mn-lt"/>
+                <a:ea typeface="+mn-ea"/>
+                <a:cs typeface="+mn-cs"/>
+              </a:defRPr>
+            </a:lvl2pPr>
+            <a:lvl3pPr marL="1143000" indent="-228600" algn="l" defTabSz="914400" rtl="0" eaLnBrk="1" latinLnBrk="0" hangingPunct="1">
+              <a:spcBef>
+                <a:spcPct val="20000"/>
+              </a:spcBef>
+              <a:buFont typeface="Arial" panose="020B0604020202020204" pitchFamily="34" charset="0"/>
+              <a:buChar char="•"/>
+              <a:defRPr sz="2400" kern="1200">
+                <a:solidFill>
+                  <a:schemeClr val="tx1"/>
+                </a:solidFill>
+                <a:latin typeface="+mn-lt"/>
+                <a:ea typeface="+mn-ea"/>
+                <a:cs typeface="+mn-cs"/>
+              </a:defRPr>
+            </a:lvl3pPr>
+            <a:lvl4pPr marL="1600200" indent="-228600" algn="l" defTabSz="914400" rtl="0" eaLnBrk="1" latinLnBrk="0" hangingPunct="1">
+              <a:spcBef>
+                <a:spcPct val="20000"/>
+              </a:spcBef>
+              <a:buFont typeface="Arial" panose="020B0604020202020204" pitchFamily="34" charset="0"/>
+              <a:buChar char="–"/>
+              <a:defRPr sz="2000" kern="1200">
+                <a:solidFill>
+                  <a:schemeClr val="tx1"/>
+                </a:solidFill>
+                <a:latin typeface="+mn-lt"/>
+                <a:ea typeface="+mn-ea"/>
+                <a:cs typeface="+mn-cs"/>
+              </a:defRPr>
+            </a:lvl4pPr>
+            <a:lvl5pPr marL="2057400" indent="-228600" algn="l" defTabSz="914400" rtl="0" eaLnBrk="1" latinLnBrk="0" hangingPunct="1">
+              <a:spcBef>
+                <a:spcPct val="20000"/>
+              </a:spcBef>
+              <a:buFont typeface="Arial" panose="020B0604020202020204" pitchFamily="34" charset="0"/>
+              <a:buChar char="»"/>
+              <a:defRPr sz="2000" kern="1200">
+                <a:solidFill>
+                  <a:schemeClr val="tx1"/>
+                </a:solidFill>
+                <a:latin typeface="+mn-lt"/>
+                <a:ea typeface="+mn-ea"/>
+                <a:cs typeface="+mn-cs"/>
+              </a:defRPr>
+            </a:lvl5pPr>
+            <a:lvl6pPr marL="2514600" indent="-228600" algn="l" defTabSz="914400" rtl="0" eaLnBrk="1" latinLnBrk="0" hangingPunct="1">
+              <a:spcBef>
+                <a:spcPct val="20000"/>
+              </a:spcBef>
+              <a:buFont typeface="Arial" panose="020B0604020202020204" pitchFamily="34" charset="0"/>
+              <a:buChar char="•"/>
+              <a:defRPr sz="2000" kern="1200">
+                <a:solidFill>
+                  <a:schemeClr val="tx1"/>
+                </a:solidFill>
+                <a:latin typeface="+mn-lt"/>
+                <a:ea typeface="+mn-ea"/>
+                <a:cs typeface="+mn-cs"/>
+              </a:defRPr>
+            </a:lvl6pPr>
+            <a:lvl7pPr marL="2971800" indent="-228600" algn="l" defTabSz="914400" rtl="0" eaLnBrk="1" latinLnBrk="0" hangingPunct="1">
+              <a:spcBef>
+                <a:spcPct val="20000"/>
+              </a:spcBef>
+              <a:buFont typeface="Arial" panose="020B0604020202020204" pitchFamily="34" charset="0"/>
+              <a:buChar char="•"/>
+              <a:defRPr sz="2000" kern="1200">
+                <a:solidFill>
+                  <a:schemeClr val="tx1"/>
+                </a:solidFill>
+                <a:latin typeface="+mn-lt"/>
+                <a:ea typeface="+mn-ea"/>
+                <a:cs typeface="+mn-cs"/>
+              </a:defRPr>
+            </a:lvl7pPr>
+            <a:lvl8pPr marL="3429000" indent="-228600" algn="l" defTabSz="914400" rtl="0" eaLnBrk="1" latinLnBrk="0" hangingPunct="1">
+              <a:spcBef>
+                <a:spcPct val="20000"/>
+              </a:spcBef>
+              <a:buFont typeface="Arial" panose="020B0604020202020204" pitchFamily="34" charset="0"/>
+              <a:buChar char="•"/>
+              <a:defRPr sz="2000" kern="1200">
+                <a:solidFill>
+                  <a:schemeClr val="tx1"/>
+                </a:solidFill>
+                <a:latin typeface="+mn-lt"/>
+                <a:ea typeface="+mn-ea"/>
+                <a:cs typeface="+mn-cs"/>
+              </a:defRPr>
+            </a:lvl8pPr>
+            <a:lvl9pPr marL="3886200" indent="-228600" algn="l" defTabSz="914400" rtl="0" eaLnBrk="1" latinLnBrk="0" hangingPunct="1">
+              <a:spcBef>
+                <a:spcPct val="20000"/>
+              </a:spcBef>
+              <a:buFont typeface="Arial" panose="020B0604020202020204" pitchFamily="34" charset="0"/>
+              <a:buChar char="•"/>
+              <a:defRPr sz="2000" kern="1200">
+                <a:solidFill>
+                  <a:schemeClr val="tx1"/>
+                </a:solidFill>
+                <a:latin typeface="+mn-lt"/>
+                <a:ea typeface="+mn-ea"/>
+                <a:cs typeface="+mn-cs"/>
+              </a:defRPr>
+            </a:lvl9pPr>
+          </a:lstStyle>
+          <a:p>
+            <a:pPr marL="0" indent="0">
+              <a:buFont typeface="Arial" panose="020B0604020202020204" pitchFamily="34" charset="0"/>
+              <a:buNone/>
+            </a:pPr>
             <a:r>
               <a:rPr lang="en-US" dirty="0" smtClean="0"/>
-              <a:t>Task 2</a:t>
-            </a:r>
-          </a:p>
-          <a:p>
-            <a:pPr lvl="1"/>
-            <a:r>
-              <a:rPr lang="en-US" dirty="0" smtClean="0"/>
-              <a:t>Add a new Product to </a:t>
-            </a:r>
-            <a:r>
-              <a:rPr lang="en-US" dirty="0" err="1" smtClean="0"/>
-              <a:t>Products.json</a:t>
-            </a:r>
-            <a:r>
-              <a:rPr lang="en-US" dirty="0" smtClean="0"/>
-              <a:t> with Name: Soup, Price: $1.25, Quantity: 50</a:t>
-            </a:r>
-          </a:p>
-          <a:p>
-            <a:pPr lvl="1"/>
-            <a:r>
-              <a:rPr lang="en-US" dirty="0" smtClean="0"/>
-              <a:t>Note that after changing </a:t>
-            </a:r>
-            <a:r>
-              <a:rPr lang="en-US" dirty="0" err="1" smtClean="0"/>
-              <a:t>Products.json</a:t>
-            </a:r>
-            <a:r>
-              <a:rPr lang="en-US" dirty="0" smtClean="0"/>
-              <a:t> you will need to Rebuild the app before running tests, so that the updated </a:t>
-            </a:r>
-            <a:r>
-              <a:rPr lang="en-US" dirty="0" err="1" smtClean="0"/>
-              <a:t>json</a:t>
-            </a:r>
-            <a:r>
-              <a:rPr lang="en-US" dirty="0" smtClean="0"/>
-              <a:t> file is deployed to the output folder</a:t>
-            </a:r>
-          </a:p>
-          <a:p>
-            <a:pPr lvl="1"/>
-            <a:r>
-              <a:rPr lang="en-US" dirty="0" smtClean="0"/>
-              <a:t>Run all the tests. Do they all pass?</a:t>
-            </a:r>
-          </a:p>
-          <a:p>
-            <a:pPr lvl="1"/>
-            <a:r>
-              <a:rPr lang="en-US" dirty="0" smtClean="0"/>
-              <a:t>Fix any failing tests by fixing the broken code. You may also have to modify some tests to account for the new data.</a:t>
-            </a:r>
-          </a:p>
-          <a:p>
-            <a:pPr lvl="1"/>
-            <a:r>
-              <a:rPr lang="en-US" dirty="0" smtClean="0"/>
-              <a:t>Commit the changed code to your repo with comment “Task 2”</a:t>
+              <a:t>After</a:t>
             </a:r>
             <a:endParaRPr lang="en-US" dirty="0"/>
           </a:p>
@@ -5632,7 +6224,7 @@
     </p:spTree>
     <p:extLst>
       <p:ext uri="{BB962C8B-B14F-4D97-AF65-F5344CB8AC3E}">
-        <p14:creationId xmlns:p14="http://schemas.microsoft.com/office/powerpoint/2010/main" val="2108707572"/>
+        <p14:creationId xmlns:p14="http://schemas.microsoft.com/office/powerpoint/2010/main" val="1159036604"/>
       </p:ext>
     </p:extLst>
   </p:cSld>
@@ -5683,7 +6275,7 @@
           <a:p>
             <a:r>
               <a:rPr lang="en-US" dirty="0" smtClean="0"/>
-              <a:t>Hands-On Exercise Tasks</a:t>
+              <a:t>Custom Exceptions</a:t>
             </a:r>
             <a:endParaRPr lang="en-US" dirty="0"/>
           </a:p>
@@ -5699,79 +6291,151 @@
             <p:ph idx="1"/>
           </p:nvPr>
         </p:nvSpPr>
-        <p:spPr/>
+        <p:spPr>
+          <a:xfrm>
+            <a:off x="152400" y="1600200"/>
+            <a:ext cx="8991600" cy="4525963"/>
+          </a:xfrm>
+        </p:spPr>
         <p:txBody>
-          <a:bodyPr>
-            <a:normAutofit fontScale="85000" lnSpcReduction="10000"/>
-          </a:bodyPr>
+          <a:bodyPr/>
           <a:lstStyle/>
           <a:p>
+            <a:pPr marL="0" indent="0">
+              <a:buNone/>
+            </a:pPr>
             <a:r>
               <a:rPr lang="en-US" dirty="0" smtClean="0"/>
-              <a:t>Task 3</a:t>
-            </a:r>
-          </a:p>
-          <a:p>
-            <a:pPr lvl="1"/>
-            <a:r>
+              <a:t>Handle application errors through exceptions</a:t>
+            </a:r>
+            <a:br>
               <a:rPr lang="en-US" dirty="0" smtClean="0"/>
-              <a:t>Uncomment the test</a:t>
-            </a:r>
-            <a:r>
-              <a:rPr lang="en-US" dirty="0"/>
-              <a:t>: </a:t>
-            </a:r>
-            <a:r>
-              <a:rPr lang="en-US" dirty="0" err="1" smtClean="0"/>
-              <a:t>Test_UserCanExitByEnteringQuit</a:t>
-            </a:r>
-            <a:r>
-              <a:rPr lang="en-US" dirty="0" smtClean="0"/>
-              <a:t>.</a:t>
-            </a:r>
-          </a:p>
-          <a:p>
-            <a:pPr lvl="1"/>
-            <a:r>
-              <a:rPr lang="en-US" dirty="0" smtClean="0"/>
-              <a:t>The test should fail when you run it</a:t>
-            </a:r>
-          </a:p>
-          <a:p>
-            <a:pPr lvl="1"/>
-            <a:r>
-              <a:rPr lang="en-US" dirty="0"/>
-              <a:t>Change the application so that the user must enter the word “quit” to exit the application rather than type a number for exit.</a:t>
-            </a:r>
-          </a:p>
-          <a:p>
-            <a:pPr lvl="1"/>
-            <a:r>
-              <a:rPr lang="en-US" dirty="0" smtClean="0"/>
-              <a:t>Make sure to change the menu to show “Type quit to exit the application” rather than “8: Exit”</a:t>
-            </a:r>
-          </a:p>
-          <a:p>
-            <a:pPr lvl="1"/>
-            <a:r>
-              <a:rPr lang="en-US" dirty="0" smtClean="0"/>
-              <a:t>After making this change, some tests will need to be modified to account for your change.</a:t>
-            </a:r>
-          </a:p>
-          <a:p>
-            <a:pPr lvl="1"/>
-            <a:r>
-              <a:rPr lang="en-US" dirty="0" smtClean="0"/>
-              <a:t>Commit the changed code to your repo with comment “Task 3”</a:t>
-            </a:r>
+            </a:br>
             <a:endParaRPr lang="en-US" dirty="0"/>
+          </a:p>
+          <a:p>
+            <a:pPr marL="0" indent="0">
+              <a:buNone/>
+            </a:pPr>
+            <a:r>
+              <a:rPr lang="en-US" sz="2200" dirty="0">
+                <a:latin typeface="Consolas" panose="020B0609020204030204" pitchFamily="49" charset="0"/>
+                <a:cs typeface="Consolas" panose="020B0609020204030204" pitchFamily="49" charset="0"/>
+              </a:rPr>
+              <a:t>if (</a:t>
+            </a:r>
+            <a:r>
+              <a:rPr lang="en-US" sz="2200" dirty="0" err="1">
+                <a:latin typeface="Consolas" panose="020B0609020204030204" pitchFamily="49" charset="0"/>
+                <a:cs typeface="Consolas" panose="020B0609020204030204" pitchFamily="49" charset="0"/>
+              </a:rPr>
+              <a:t>String.IsNullOrEmpty</a:t>
+            </a:r>
+            <a:r>
+              <a:rPr lang="en-US" sz="2200" dirty="0">
+                <a:latin typeface="Consolas" panose="020B0609020204030204" pitchFamily="49" charset="0"/>
+                <a:cs typeface="Consolas" panose="020B0609020204030204" pitchFamily="49" charset="0"/>
+              </a:rPr>
+              <a:t>(username))</a:t>
+            </a:r>
+          </a:p>
+          <a:p>
+            <a:pPr marL="0" indent="0">
+              <a:buNone/>
+            </a:pPr>
+            <a:r>
+              <a:rPr lang="en-US" sz="2200" dirty="0">
+                <a:latin typeface="Consolas" panose="020B0609020204030204" pitchFamily="49" charset="0"/>
+                <a:cs typeface="Consolas" panose="020B0609020204030204" pitchFamily="49" charset="0"/>
+              </a:rPr>
+              <a:t>  throw new </a:t>
+            </a:r>
+            <a:r>
+              <a:rPr lang="en-US" sz="2200" dirty="0" err="1">
+                <a:latin typeface="Consolas" panose="020B0609020204030204" pitchFamily="49" charset="0"/>
+                <a:cs typeface="Consolas" panose="020B0609020204030204" pitchFamily="49" charset="0"/>
+              </a:rPr>
+              <a:t>EmptyUsernameException</a:t>
+            </a:r>
+            <a:r>
+              <a:rPr lang="en-US" sz="2200" dirty="0" smtClean="0">
+                <a:latin typeface="Consolas" panose="020B0609020204030204" pitchFamily="49" charset="0"/>
+                <a:cs typeface="Consolas" panose="020B0609020204030204" pitchFamily="49" charset="0"/>
+              </a:rPr>
+              <a:t>();</a:t>
+            </a:r>
+          </a:p>
+          <a:p>
+            <a:pPr marL="0" indent="0">
+              <a:buNone/>
+            </a:pPr>
+            <a:r>
+              <a:rPr lang="en-US" sz="2200" dirty="0">
+                <a:latin typeface="Consolas" panose="020B0609020204030204" pitchFamily="49" charset="0"/>
+                <a:cs typeface="Consolas" panose="020B0609020204030204" pitchFamily="49" charset="0"/>
+              </a:rPr>
+              <a:t/>
+            </a:r>
+            <a:br>
+              <a:rPr lang="en-US" sz="2200" dirty="0">
+                <a:latin typeface="Consolas" panose="020B0609020204030204" pitchFamily="49" charset="0"/>
+                <a:cs typeface="Consolas" panose="020B0609020204030204" pitchFamily="49" charset="0"/>
+              </a:rPr>
+            </a:br>
+            <a:r>
+              <a:rPr lang="en-US" sz="2200" dirty="0">
+                <a:latin typeface="Consolas" panose="020B0609020204030204" pitchFamily="49" charset="0"/>
+                <a:cs typeface="Consolas" panose="020B0609020204030204" pitchFamily="49" charset="0"/>
+              </a:rPr>
+              <a:t>if (!</a:t>
+            </a:r>
+            <a:r>
+              <a:rPr lang="en-US" sz="2200" dirty="0" err="1">
+                <a:latin typeface="Consolas" panose="020B0609020204030204" pitchFamily="49" charset="0"/>
+                <a:cs typeface="Consolas" panose="020B0609020204030204" pitchFamily="49" charset="0"/>
+              </a:rPr>
+              <a:t>UserHasFundsForPurchase</a:t>
+            </a:r>
+            <a:r>
+              <a:rPr lang="en-US" sz="2200" dirty="0">
+                <a:latin typeface="Consolas" panose="020B0609020204030204" pitchFamily="49" charset="0"/>
+                <a:cs typeface="Consolas" panose="020B0609020204030204" pitchFamily="49" charset="0"/>
+              </a:rPr>
+              <a:t>(product, quantity))</a:t>
+            </a:r>
+          </a:p>
+          <a:p>
+            <a:pPr marL="0" indent="0">
+              <a:buNone/>
+            </a:pPr>
+            <a:r>
+              <a:rPr lang="en-US" sz="2200" dirty="0">
+                <a:latin typeface="Consolas" panose="020B0609020204030204" pitchFamily="49" charset="0"/>
+                <a:cs typeface="Consolas" panose="020B0609020204030204" pitchFamily="49" charset="0"/>
+              </a:rPr>
+              <a:t>  throw new </a:t>
+            </a:r>
+            <a:r>
+              <a:rPr lang="en-US" sz="2200" dirty="0" err="1">
+                <a:latin typeface="Consolas" panose="020B0609020204030204" pitchFamily="49" charset="0"/>
+                <a:cs typeface="Consolas" panose="020B0609020204030204" pitchFamily="49" charset="0"/>
+              </a:rPr>
+              <a:t>InsufficientFundsException</a:t>
+            </a:r>
+            <a:r>
+              <a:rPr lang="en-US" sz="2200" dirty="0">
+                <a:latin typeface="Consolas" panose="020B0609020204030204" pitchFamily="49" charset="0"/>
+                <a:cs typeface="Consolas" panose="020B0609020204030204" pitchFamily="49" charset="0"/>
+              </a:rPr>
+              <a:t>();</a:t>
+            </a:r>
           </a:p>
         </p:txBody>
       </p:sp>
     </p:spTree>
     <p:extLst>
       <p:ext uri="{BB962C8B-B14F-4D97-AF65-F5344CB8AC3E}">
-        <p14:creationId xmlns:p14="http://schemas.microsoft.com/office/powerpoint/2010/main" val="1543786767"/>
+        <p14:creationId xmlns:p14="http://schemas.microsoft.com/office/powerpoint/2010/main" val="3193457345"/>
       </p:ext>
     </p:extLst>
   </p:cSld>
@@ -5822,7 +6486,7 @@
           <a:p>
             <a:r>
               <a:rPr lang="en-US" dirty="0" smtClean="0"/>
-              <a:t>Hands-On Exercise Tasks</a:t>
+              <a:t>Magic Constants</a:t>
             </a:r>
             <a:endParaRPr lang="en-US" dirty="0"/>
           </a:p>
@@ -5838,149 +6502,414 @@
             <p:ph idx="1"/>
           </p:nvPr>
         </p:nvSpPr>
-        <p:spPr/>
+        <p:spPr>
+          <a:xfrm>
+            <a:off x="457200" y="1676400"/>
+            <a:ext cx="8229600" cy="1600200"/>
+          </a:xfrm>
+        </p:spPr>
         <p:txBody>
           <a:bodyPr>
-            <a:normAutofit fontScale="77500" lnSpcReduction="20000"/>
+            <a:normAutofit/>
           </a:bodyPr>
           <a:lstStyle/>
           <a:p>
-            <a:r>
-              <a:rPr lang="en-US" dirty="0" smtClean="0"/>
-              <a:t>Task 4</a:t>
-            </a:r>
-          </a:p>
-          <a:p>
-            <a:pPr lvl="1"/>
-            <a:r>
-              <a:rPr lang="en-US" dirty="0" smtClean="0"/>
-              <a:t>Write a new test called </a:t>
-            </a:r>
-            <a:r>
-              <a:rPr lang="en-US" sz="2400" dirty="0" err="1" smtClean="0">
-                <a:latin typeface="Courier New" panose="02070309020205020404" pitchFamily="49" charset="0"/>
-                <a:cs typeface="Courier New" panose="02070309020205020404" pitchFamily="49" charset="0"/>
-              </a:rPr>
-              <a:t>Test_ProductsWithZeroQuantityDoNotAppearInMenu</a:t>
-            </a:r>
-            <a:endParaRPr lang="en-US" sz="2400" dirty="0" smtClean="0">
-              <a:latin typeface="Courier New" panose="02070309020205020404" pitchFamily="49" charset="0"/>
-              <a:cs typeface="Courier New" panose="02070309020205020404" pitchFamily="49" charset="0"/>
-            </a:endParaRPr>
-          </a:p>
-          <a:p>
-            <a:pPr lvl="1"/>
-            <a:r>
-              <a:rPr lang="en-US" dirty="0" smtClean="0"/>
-              <a:t>In the test, set the quantity of a product like Chips to 0.</a:t>
-            </a:r>
-          </a:p>
-          <a:p>
-            <a:pPr lvl="1"/>
-            <a:r>
-              <a:rPr lang="en-US" dirty="0" smtClean="0"/>
-              <a:t>The assert statement should be similar to:</a:t>
-            </a:r>
-          </a:p>
-          <a:p>
-            <a:pPr marL="457200" lvl="1" indent="0">
+            <a:pPr marL="0" indent="0">
               <a:buNone/>
             </a:pPr>
             <a:r>
-              <a:rPr lang="en-US" sz="2100" dirty="0" err="1" smtClean="0">
-                <a:latin typeface="Courier New" panose="02070309020205020404" pitchFamily="49" charset="0"/>
-                <a:cs typeface="Courier New" panose="02070309020205020404" pitchFamily="49" charset="0"/>
-              </a:rPr>
-              <a:t>Assert.IsFalse</a:t>
-            </a:r>
-            <a:r>
-              <a:rPr lang="en-US" sz="2100" dirty="0" smtClean="0">
-                <a:latin typeface="Courier New" panose="02070309020205020404" pitchFamily="49" charset="0"/>
-                <a:cs typeface="Courier New" panose="02070309020205020404" pitchFamily="49" charset="0"/>
+              <a:rPr lang="en-US" sz="2200" dirty="0" err="1">
+                <a:latin typeface="Consolas" panose="020B0609020204030204" pitchFamily="49" charset="0"/>
+                <a:cs typeface="Consolas" panose="020B0609020204030204" pitchFamily="49" charset="0"/>
+              </a:rPr>
+              <a:t>Console.WriteLine</a:t>
+            </a:r>
+            <a:r>
+              <a:rPr lang="en-US" sz="2200" dirty="0">
+                <a:latin typeface="Consolas" panose="020B0609020204030204" pitchFamily="49" charset="0"/>
+                <a:cs typeface="Consolas" panose="020B0609020204030204" pitchFamily="49" charset="0"/>
+              </a:rPr>
+              <a:t>("What would you like to buy?");</a:t>
+            </a:r>
+          </a:p>
+          <a:p>
+            <a:pPr marL="0" indent="0">
+              <a:buNone/>
+            </a:pPr>
+            <a:r>
+              <a:rPr lang="en-US" sz="2200" dirty="0">
+                <a:latin typeface="Consolas" panose="020B0609020204030204" pitchFamily="49" charset="0"/>
+                <a:cs typeface="Consolas" panose="020B0609020204030204" pitchFamily="49" charset="0"/>
+              </a:rPr>
+              <a:t>for (</a:t>
+            </a:r>
+            <a:r>
+              <a:rPr lang="en-US" sz="2200" dirty="0" err="1">
+                <a:latin typeface="Consolas" panose="020B0609020204030204" pitchFamily="49" charset="0"/>
+                <a:cs typeface="Consolas" panose="020B0609020204030204" pitchFamily="49" charset="0"/>
+              </a:rPr>
+              <a:t>int</a:t>
+            </a:r>
+            <a:r>
+              <a:rPr lang="en-US" sz="2200" dirty="0">
+                <a:latin typeface="Consolas" panose="020B0609020204030204" pitchFamily="49" charset="0"/>
+                <a:cs typeface="Consolas" panose="020B0609020204030204" pitchFamily="49" charset="0"/>
+              </a:rPr>
+              <a:t> </a:t>
+            </a:r>
+            <a:r>
+              <a:rPr lang="en-US" sz="2200" dirty="0" err="1">
+                <a:latin typeface="Consolas" panose="020B0609020204030204" pitchFamily="49" charset="0"/>
+                <a:cs typeface="Consolas" panose="020B0609020204030204" pitchFamily="49" charset="0"/>
+              </a:rPr>
+              <a:t>i</a:t>
+            </a:r>
+            <a:r>
+              <a:rPr lang="en-US" sz="2200" dirty="0">
+                <a:latin typeface="Consolas" panose="020B0609020204030204" pitchFamily="49" charset="0"/>
+                <a:cs typeface="Consolas" panose="020B0609020204030204" pitchFamily="49" charset="0"/>
+              </a:rPr>
+              <a:t> = 0; </a:t>
+            </a:r>
+            <a:r>
+              <a:rPr lang="en-US" sz="2200" dirty="0" err="1">
+                <a:latin typeface="Consolas" panose="020B0609020204030204" pitchFamily="49" charset="0"/>
+                <a:cs typeface="Consolas" panose="020B0609020204030204" pitchFamily="49" charset="0"/>
+              </a:rPr>
+              <a:t>i</a:t>
+            </a:r>
+            <a:r>
+              <a:rPr lang="en-US" sz="2200" dirty="0">
+                <a:latin typeface="Consolas" panose="020B0609020204030204" pitchFamily="49" charset="0"/>
+                <a:cs typeface="Consolas" panose="020B0609020204030204" pitchFamily="49" charset="0"/>
+              </a:rPr>
+              <a:t> &lt; 7; </a:t>
+            </a:r>
+            <a:r>
+              <a:rPr lang="en-US" sz="2200" dirty="0" err="1">
+                <a:latin typeface="Consolas" panose="020B0609020204030204" pitchFamily="49" charset="0"/>
+                <a:cs typeface="Consolas" panose="020B0609020204030204" pitchFamily="49" charset="0"/>
+              </a:rPr>
+              <a:t>i</a:t>
+            </a:r>
+            <a:r>
+              <a:rPr lang="en-US" sz="2200" dirty="0" smtClean="0">
+                <a:latin typeface="Consolas" panose="020B0609020204030204" pitchFamily="49" charset="0"/>
+                <a:cs typeface="Consolas" panose="020B0609020204030204" pitchFamily="49" charset="0"/>
+              </a:rPr>
+              <a:t>++) {</a:t>
+            </a:r>
+          </a:p>
+          <a:p>
+            <a:pPr marL="0" indent="0">
+              <a:buNone/>
+            </a:pPr>
+            <a:r>
+              <a:rPr lang="en-US" sz="2200" dirty="0" smtClean="0">
+                <a:latin typeface="Consolas" panose="020B0609020204030204" pitchFamily="49" charset="0"/>
+                <a:cs typeface="Consolas" panose="020B0609020204030204" pitchFamily="49" charset="0"/>
+              </a:rPr>
+              <a:t>  </a:t>
+            </a:r>
+            <a:r>
+              <a:rPr lang="en-US" sz="2200" dirty="0">
+                <a:latin typeface="Consolas" panose="020B0609020204030204" pitchFamily="49" charset="0"/>
+                <a:cs typeface="Consolas" panose="020B0609020204030204" pitchFamily="49" charset="0"/>
+              </a:rPr>
+              <a:t>Product prod = prods[</a:t>
+            </a:r>
+            <a:r>
+              <a:rPr lang="en-US" sz="2200" dirty="0" err="1">
+                <a:latin typeface="Consolas" panose="020B0609020204030204" pitchFamily="49" charset="0"/>
+                <a:cs typeface="Consolas" panose="020B0609020204030204" pitchFamily="49" charset="0"/>
+              </a:rPr>
+              <a:t>i</a:t>
+            </a:r>
+            <a:r>
+              <a:rPr lang="en-US" sz="2200" dirty="0">
+                <a:latin typeface="Consolas" panose="020B0609020204030204" pitchFamily="49" charset="0"/>
+                <a:cs typeface="Consolas" panose="020B0609020204030204" pitchFamily="49" charset="0"/>
+              </a:rPr>
+              <a:t>];</a:t>
+            </a:r>
+          </a:p>
+        </p:txBody>
+      </p:sp>
+      <p:sp>
+        <p:nvSpPr>
+          <p:cNvPr id="4" name="Content Placeholder 2"/>
+          <p:cNvSpPr txBox="1">
+            <a:spLocks/>
+          </p:cNvSpPr>
+          <p:nvPr/>
+        </p:nvSpPr>
+        <p:spPr>
+          <a:xfrm>
+            <a:off x="457200" y="3810000"/>
+            <a:ext cx="8229600" cy="1600200"/>
+          </a:xfrm>
+          <a:prstGeom prst="rect">
+            <a:avLst/>
+          </a:prstGeom>
+        </p:spPr>
+        <p:txBody>
+          <a:bodyPr vert="horz" lIns="91440" tIns="45720" rIns="91440" bIns="45720" rtlCol="0">
+            <a:normAutofit/>
+          </a:bodyPr>
+          <a:lstStyle>
+            <a:lvl1pPr marL="342900" indent="-342900" algn="l" defTabSz="914400" rtl="0" eaLnBrk="1" latinLnBrk="0" hangingPunct="1">
+              <a:spcBef>
+                <a:spcPct val="20000"/>
+              </a:spcBef>
+              <a:buFont typeface="Arial" panose="020B0604020202020204" pitchFamily="34" charset="0"/>
+              <a:buChar char="•"/>
+              <a:defRPr sz="3200" kern="1200">
+                <a:solidFill>
+                  <a:schemeClr val="tx1"/>
+                </a:solidFill>
+                <a:latin typeface="+mn-lt"/>
+                <a:ea typeface="+mn-ea"/>
+                <a:cs typeface="+mn-cs"/>
+              </a:defRPr>
+            </a:lvl1pPr>
+            <a:lvl2pPr marL="742950" indent="-285750" algn="l" defTabSz="914400" rtl="0" eaLnBrk="1" latinLnBrk="0" hangingPunct="1">
+              <a:spcBef>
+                <a:spcPct val="20000"/>
+              </a:spcBef>
+              <a:buFont typeface="Arial" panose="020B0604020202020204" pitchFamily="34" charset="0"/>
+              <a:buChar char="–"/>
+              <a:defRPr sz="2800" kern="1200">
+                <a:solidFill>
+                  <a:schemeClr val="tx1"/>
+                </a:solidFill>
+                <a:latin typeface="+mn-lt"/>
+                <a:ea typeface="+mn-ea"/>
+                <a:cs typeface="+mn-cs"/>
+              </a:defRPr>
+            </a:lvl2pPr>
+            <a:lvl3pPr marL="1143000" indent="-228600" algn="l" defTabSz="914400" rtl="0" eaLnBrk="1" latinLnBrk="0" hangingPunct="1">
+              <a:spcBef>
+                <a:spcPct val="20000"/>
+              </a:spcBef>
+              <a:buFont typeface="Arial" panose="020B0604020202020204" pitchFamily="34" charset="0"/>
+              <a:buChar char="•"/>
+              <a:defRPr sz="2400" kern="1200">
+                <a:solidFill>
+                  <a:schemeClr val="tx1"/>
+                </a:solidFill>
+                <a:latin typeface="+mn-lt"/>
+                <a:ea typeface="+mn-ea"/>
+                <a:cs typeface="+mn-cs"/>
+              </a:defRPr>
+            </a:lvl3pPr>
+            <a:lvl4pPr marL="1600200" indent="-228600" algn="l" defTabSz="914400" rtl="0" eaLnBrk="1" latinLnBrk="0" hangingPunct="1">
+              <a:spcBef>
+                <a:spcPct val="20000"/>
+              </a:spcBef>
+              <a:buFont typeface="Arial" panose="020B0604020202020204" pitchFamily="34" charset="0"/>
+              <a:buChar char="–"/>
+              <a:defRPr sz="2000" kern="1200">
+                <a:solidFill>
+                  <a:schemeClr val="tx1"/>
+                </a:solidFill>
+                <a:latin typeface="+mn-lt"/>
+                <a:ea typeface="+mn-ea"/>
+                <a:cs typeface="+mn-cs"/>
+              </a:defRPr>
+            </a:lvl4pPr>
+            <a:lvl5pPr marL="2057400" indent="-228600" algn="l" defTabSz="914400" rtl="0" eaLnBrk="1" latinLnBrk="0" hangingPunct="1">
+              <a:spcBef>
+                <a:spcPct val="20000"/>
+              </a:spcBef>
+              <a:buFont typeface="Arial" panose="020B0604020202020204" pitchFamily="34" charset="0"/>
+              <a:buChar char="»"/>
+              <a:defRPr sz="2000" kern="1200">
+                <a:solidFill>
+                  <a:schemeClr val="tx1"/>
+                </a:solidFill>
+                <a:latin typeface="+mn-lt"/>
+                <a:ea typeface="+mn-ea"/>
+                <a:cs typeface="+mn-cs"/>
+              </a:defRPr>
+            </a:lvl5pPr>
+            <a:lvl6pPr marL="2514600" indent="-228600" algn="l" defTabSz="914400" rtl="0" eaLnBrk="1" latinLnBrk="0" hangingPunct="1">
+              <a:spcBef>
+                <a:spcPct val="20000"/>
+              </a:spcBef>
+              <a:buFont typeface="Arial" panose="020B0604020202020204" pitchFamily="34" charset="0"/>
+              <a:buChar char="•"/>
+              <a:defRPr sz="2000" kern="1200">
+                <a:solidFill>
+                  <a:schemeClr val="tx1"/>
+                </a:solidFill>
+                <a:latin typeface="+mn-lt"/>
+                <a:ea typeface="+mn-ea"/>
+                <a:cs typeface="+mn-cs"/>
+              </a:defRPr>
+            </a:lvl6pPr>
+            <a:lvl7pPr marL="2971800" indent="-228600" algn="l" defTabSz="914400" rtl="0" eaLnBrk="1" latinLnBrk="0" hangingPunct="1">
+              <a:spcBef>
+                <a:spcPct val="20000"/>
+              </a:spcBef>
+              <a:buFont typeface="Arial" panose="020B0604020202020204" pitchFamily="34" charset="0"/>
+              <a:buChar char="•"/>
+              <a:defRPr sz="2000" kern="1200">
+                <a:solidFill>
+                  <a:schemeClr val="tx1"/>
+                </a:solidFill>
+                <a:latin typeface="+mn-lt"/>
+                <a:ea typeface="+mn-ea"/>
+                <a:cs typeface="+mn-cs"/>
+              </a:defRPr>
+            </a:lvl7pPr>
+            <a:lvl8pPr marL="3429000" indent="-228600" algn="l" defTabSz="914400" rtl="0" eaLnBrk="1" latinLnBrk="0" hangingPunct="1">
+              <a:spcBef>
+                <a:spcPct val="20000"/>
+              </a:spcBef>
+              <a:buFont typeface="Arial" panose="020B0604020202020204" pitchFamily="34" charset="0"/>
+              <a:buChar char="•"/>
+              <a:defRPr sz="2000" kern="1200">
+                <a:solidFill>
+                  <a:schemeClr val="tx1"/>
+                </a:solidFill>
+                <a:latin typeface="+mn-lt"/>
+                <a:ea typeface="+mn-ea"/>
+                <a:cs typeface="+mn-cs"/>
+              </a:defRPr>
+            </a:lvl8pPr>
+            <a:lvl9pPr marL="3886200" indent="-228600" algn="l" defTabSz="914400" rtl="0" eaLnBrk="1" latinLnBrk="0" hangingPunct="1">
+              <a:spcBef>
+                <a:spcPct val="20000"/>
+              </a:spcBef>
+              <a:buFont typeface="Arial" panose="020B0604020202020204" pitchFamily="34" charset="0"/>
+              <a:buChar char="•"/>
+              <a:defRPr sz="2000" kern="1200">
+                <a:solidFill>
+                  <a:schemeClr val="tx1"/>
+                </a:solidFill>
+                <a:latin typeface="+mn-lt"/>
+                <a:ea typeface="+mn-ea"/>
+                <a:cs typeface="+mn-cs"/>
+              </a:defRPr>
+            </a:lvl9pPr>
+          </a:lstStyle>
+          <a:p>
+            <a:pPr marL="0" indent="0">
+              <a:buNone/>
+            </a:pPr>
+            <a:r>
+              <a:rPr lang="en-US" sz="2200" dirty="0" err="1">
+                <a:latin typeface="Consolas" panose="020B0609020204030204" pitchFamily="49" charset="0"/>
+                <a:cs typeface="Consolas" panose="020B0609020204030204" pitchFamily="49" charset="0"/>
+              </a:rPr>
+              <a:t>foreach</a:t>
+            </a:r>
+            <a:r>
+              <a:rPr lang="en-US" sz="2200" dirty="0">
+                <a:latin typeface="Consolas" panose="020B0609020204030204" pitchFamily="49" charset="0"/>
+                <a:cs typeface="Consolas" panose="020B0609020204030204" pitchFamily="49" charset="0"/>
+              </a:rPr>
+              <a:t> (</a:t>
+            </a:r>
+            <a:r>
+              <a:rPr lang="en-US" sz="2200" dirty="0" err="1">
+                <a:latin typeface="Consolas" panose="020B0609020204030204" pitchFamily="49" charset="0"/>
+                <a:cs typeface="Consolas" panose="020B0609020204030204" pitchFamily="49" charset="0"/>
+              </a:rPr>
+              <a:t>var</a:t>
+            </a:r>
+            <a:r>
+              <a:rPr lang="en-US" sz="2200" dirty="0">
+                <a:latin typeface="Consolas" panose="020B0609020204030204" pitchFamily="49" charset="0"/>
+                <a:cs typeface="Consolas" panose="020B0609020204030204" pitchFamily="49" charset="0"/>
+              </a:rPr>
+              <a:t> item </a:t>
+            </a:r>
+            <a:r>
+              <a:rPr lang="en-US" sz="2200" dirty="0" smtClean="0">
+                <a:latin typeface="Consolas" panose="020B0609020204030204" pitchFamily="49" charset="0"/>
+                <a:cs typeface="Consolas" panose="020B0609020204030204" pitchFamily="49" charset="0"/>
+              </a:rPr>
+              <a:t>in</a:t>
+            </a:r>
+            <a:br>
+              <a:rPr lang="en-US" sz="2200" dirty="0" smtClean="0">
+                <a:latin typeface="Consolas" panose="020B0609020204030204" pitchFamily="49" charset="0"/>
+                <a:cs typeface="Consolas" panose="020B0609020204030204" pitchFamily="49" charset="0"/>
+              </a:rPr>
+            </a:br>
+            <a:r>
+              <a:rPr lang="en-US" sz="2200" dirty="0" smtClean="0">
+                <a:latin typeface="Consolas" panose="020B0609020204030204" pitchFamily="49" charset="0"/>
+                <a:cs typeface="Consolas" panose="020B0609020204030204" pitchFamily="49" charset="0"/>
+              </a:rPr>
+              <a:t>  </a:t>
+            </a:r>
+            <a:r>
+              <a:rPr lang="en-US" sz="2200" dirty="0" err="1" smtClean="0">
+                <a:latin typeface="Consolas" panose="020B0609020204030204" pitchFamily="49" charset="0"/>
+                <a:cs typeface="Consolas" panose="020B0609020204030204" pitchFamily="49" charset="0"/>
+              </a:rPr>
+              <a:t>dataManager.Products.Select</a:t>
+            </a:r>
+            <a:r>
+              <a:rPr lang="en-US" sz="2200" dirty="0" smtClean="0">
+                <a:latin typeface="Consolas" panose="020B0609020204030204" pitchFamily="49" charset="0"/>
+                <a:cs typeface="Consolas" panose="020B0609020204030204" pitchFamily="49" charset="0"/>
               </a:rPr>
               <a:t>(</a:t>
             </a:r>
-            <a:r>
-              <a:rPr lang="en-US" sz="2100" dirty="0" err="1" smtClean="0">
-                <a:latin typeface="Courier New" panose="02070309020205020404" pitchFamily="49" charset="0"/>
-                <a:cs typeface="Courier New" panose="02070309020205020404" pitchFamily="49" charset="0"/>
-              </a:rPr>
-              <a:t>writer.ToString</a:t>
-            </a:r>
-            <a:r>
-              <a:rPr lang="en-US" sz="2100" dirty="0">
-                <a:latin typeface="Courier New" panose="02070309020205020404" pitchFamily="49" charset="0"/>
-                <a:cs typeface="Courier New" panose="02070309020205020404" pitchFamily="49" charset="0"/>
-              </a:rPr>
-              <a:t>().Contains(": Chips</a:t>
-            </a:r>
-            <a:r>
-              <a:rPr lang="en-US" sz="2100" dirty="0" smtClean="0">
-                <a:latin typeface="Courier New" panose="02070309020205020404" pitchFamily="49" charset="0"/>
-                <a:cs typeface="Courier New" panose="02070309020205020404" pitchFamily="49" charset="0"/>
-              </a:rPr>
-              <a:t>"));</a:t>
-            </a:r>
-          </a:p>
-          <a:p>
-            <a:pPr lvl="1"/>
-            <a:r>
-              <a:rPr lang="en-US" dirty="0" smtClean="0"/>
-              <a:t>Modify the code to prevent products with zero quantity from appearing in the menu</a:t>
-            </a:r>
-          </a:p>
-          <a:p>
-            <a:pPr lvl="1"/>
-            <a:r>
-              <a:rPr lang="en-US" dirty="0" smtClean="0"/>
-              <a:t>Run the tests. Do any of the other tests now fail?</a:t>
-            </a:r>
-          </a:p>
-          <a:p>
-            <a:pPr lvl="1"/>
-            <a:r>
-              <a:rPr lang="en-US" dirty="0" smtClean="0"/>
-              <a:t>Modify </a:t>
-            </a:r>
-            <a:r>
-              <a:rPr lang="en-US" dirty="0" err="1" smtClean="0">
-                <a:latin typeface="Courier New" panose="02070309020205020404" pitchFamily="49" charset="0"/>
-                <a:cs typeface="Courier New" panose="02070309020205020404" pitchFamily="49" charset="0"/>
-              </a:rPr>
-              <a:t>Test_ErrorOccursWhenProductOutOfStock</a:t>
-            </a:r>
-            <a:r>
-              <a:rPr lang="en-US" dirty="0" smtClean="0">
-                <a:latin typeface="Courier New" panose="02070309020205020404" pitchFamily="49" charset="0"/>
-                <a:cs typeface="Courier New" panose="02070309020205020404" pitchFamily="49" charset="0"/>
-              </a:rPr>
-              <a:t> </a:t>
-            </a:r>
-            <a:r>
-              <a:rPr lang="en-US" dirty="0" smtClean="0">
-                <a:cs typeface="Courier New" panose="02070309020205020404" pitchFamily="49" charset="0"/>
-              </a:rPr>
-              <a:t>to test the case where the quantity is greater than 0, but the user attempts to buy more than the available quantity</a:t>
-            </a:r>
-            <a:endParaRPr lang="en-US" dirty="0" smtClean="0">
-              <a:latin typeface="Courier New" panose="02070309020205020404" pitchFamily="49" charset="0"/>
-              <a:cs typeface="Courier New" panose="02070309020205020404" pitchFamily="49" charset="0"/>
+            <a:br>
+              <a:rPr lang="en-US" sz="2200" dirty="0" smtClean="0">
+                <a:latin typeface="Consolas" panose="020B0609020204030204" pitchFamily="49" charset="0"/>
+                <a:cs typeface="Consolas" panose="020B0609020204030204" pitchFamily="49" charset="0"/>
+              </a:rPr>
+            </a:br>
+            <a:r>
+              <a:rPr lang="en-US" sz="2200" dirty="0" smtClean="0">
+                <a:latin typeface="Consolas" panose="020B0609020204030204" pitchFamily="49" charset="0"/>
+                <a:cs typeface="Consolas" panose="020B0609020204030204" pitchFamily="49" charset="0"/>
+              </a:rPr>
+              <a:t>  (</a:t>
+            </a:r>
+            <a:r>
+              <a:rPr lang="en-US" sz="2200" dirty="0">
+                <a:latin typeface="Consolas" panose="020B0609020204030204" pitchFamily="49" charset="0"/>
+                <a:cs typeface="Consolas" panose="020B0609020204030204" pitchFamily="49" charset="0"/>
+              </a:rPr>
+              <a:t>product, index) =&gt; new { index, product </a:t>
+            </a:r>
+            <a:r>
+              <a:rPr lang="en-US" sz="2200" dirty="0" smtClean="0">
+                <a:latin typeface="Consolas" panose="020B0609020204030204" pitchFamily="49" charset="0"/>
+                <a:cs typeface="Consolas" panose="020B0609020204030204" pitchFamily="49" charset="0"/>
+              </a:rPr>
+              <a:t>})</a:t>
+            </a:r>
+            <a:br>
+              <a:rPr lang="en-US" sz="2200" dirty="0" smtClean="0">
+                <a:latin typeface="Consolas" panose="020B0609020204030204" pitchFamily="49" charset="0"/>
+                <a:cs typeface="Consolas" panose="020B0609020204030204" pitchFamily="49" charset="0"/>
+              </a:rPr>
+            </a:br>
+            <a:r>
+              <a:rPr lang="en-US" sz="2200" dirty="0" smtClean="0">
+                <a:latin typeface="Consolas" panose="020B0609020204030204" pitchFamily="49" charset="0"/>
+                <a:cs typeface="Consolas" panose="020B0609020204030204" pitchFamily="49" charset="0"/>
+              </a:rPr>
+              <a:t>)</a:t>
+            </a:r>
+            <a:endParaRPr lang="en-US" sz="2200" dirty="0">
+              <a:latin typeface="Consolas" panose="020B0609020204030204" pitchFamily="49" charset="0"/>
+              <a:cs typeface="Consolas" panose="020B0609020204030204" pitchFamily="49" charset="0"/>
             </a:endParaRPr>
-          </a:p>
-          <a:p>
-            <a:pPr lvl="1"/>
-            <a:r>
-              <a:rPr lang="en-US" dirty="0" smtClean="0"/>
-              <a:t>Commit the changed code to your repo with comment “Task 4”</a:t>
-            </a:r>
-            <a:endParaRPr lang="en-US" dirty="0"/>
           </a:p>
         </p:txBody>
       </p:sp>
     </p:spTree>
     <p:extLst>
       <p:ext uri="{BB962C8B-B14F-4D97-AF65-F5344CB8AC3E}">
-        <p14:creationId xmlns:p14="http://schemas.microsoft.com/office/powerpoint/2010/main" val="1077509475"/>
+        <p14:creationId xmlns:p14="http://schemas.microsoft.com/office/powerpoint/2010/main" val="3743857928"/>
       </p:ext>
     </p:extLst>
   </p:cSld>
@@ -6031,7 +6960,7 @@
           <a:p>
             <a:r>
               <a:rPr lang="en-US" dirty="0" smtClean="0"/>
-              <a:t>Hands-On Exercise Tasks</a:t>
+              <a:t>Appropriately Named Fields</a:t>
             </a:r>
             <a:endParaRPr lang="en-US" dirty="0"/>
           </a:p>
@@ -6047,120 +6976,262 @@
             <p:ph idx="1"/>
           </p:nvPr>
         </p:nvSpPr>
-        <p:spPr/>
+        <p:spPr>
+          <a:xfrm>
+            <a:off x="457200" y="1600200"/>
+            <a:ext cx="8001000" cy="4525963"/>
+          </a:xfrm>
+        </p:spPr>
         <p:txBody>
           <a:bodyPr>
-            <a:normAutofit fontScale="85000" lnSpcReduction="10000"/>
+            <a:noAutofit/>
           </a:bodyPr>
           <a:lstStyle/>
           <a:p>
-            <a:r>
-              <a:rPr lang="en-US" dirty="0" smtClean="0"/>
-              <a:t>Bonus Task</a:t>
-            </a:r>
-          </a:p>
-          <a:p>
-            <a:pPr lvl="1"/>
-            <a:r>
-              <a:rPr lang="en-US" dirty="0" smtClean="0"/>
-              <a:t>Change the Product class to have an Id field of type String</a:t>
-            </a:r>
-          </a:p>
-          <a:p>
-            <a:pPr lvl="1"/>
-            <a:r>
-              <a:rPr lang="en-US" dirty="0" smtClean="0"/>
-              <a:t>Add Ids to </a:t>
-            </a:r>
-            <a:r>
-              <a:rPr lang="en-US" dirty="0" err="1" smtClean="0"/>
-              <a:t>Products.json</a:t>
-            </a:r>
-            <a:r>
-              <a:rPr lang="en-US" dirty="0" smtClean="0"/>
-              <a:t> for each product. You can use “1”, “2”, “3”, etc</a:t>
-            </a:r>
-            <a:r>
-              <a:rPr lang="en-US" dirty="0"/>
-              <a:t>.</a:t>
-            </a:r>
-            <a:endParaRPr lang="en-US" dirty="0" smtClean="0"/>
-          </a:p>
-          <a:p>
-            <a:pPr lvl="1"/>
-            <a:r>
-              <a:rPr lang="en-US" dirty="0" smtClean="0"/>
-              <a:t>Change product menu to display “</a:t>
-            </a:r>
-            <a:r>
-              <a:rPr lang="en-US" dirty="0" err="1" smtClean="0"/>
-              <a:t>ProductId</a:t>
-            </a:r>
-            <a:r>
-              <a:rPr lang="en-US" dirty="0" smtClean="0"/>
-              <a:t>: </a:t>
-            </a:r>
-            <a:r>
-              <a:rPr lang="en-US" dirty="0" err="1" smtClean="0"/>
-              <a:t>ProductName</a:t>
-            </a:r>
-            <a:r>
-              <a:rPr lang="en-US" dirty="0" smtClean="0"/>
-              <a:t>” instead of “</a:t>
-            </a:r>
-            <a:r>
-              <a:rPr lang="en-US" dirty="0" err="1" smtClean="0"/>
-              <a:t>LineNumber</a:t>
-            </a:r>
-            <a:r>
-              <a:rPr lang="en-US" dirty="0" smtClean="0"/>
-              <a:t>: </a:t>
-            </a:r>
-            <a:r>
-              <a:rPr lang="en-US" dirty="0" err="1" smtClean="0"/>
-              <a:t>ProductName</a:t>
-            </a:r>
-            <a:r>
-              <a:rPr lang="en-US" dirty="0" smtClean="0"/>
-              <a:t>”</a:t>
-            </a:r>
-          </a:p>
-          <a:p>
-            <a:pPr lvl="1"/>
-            <a:r>
-              <a:rPr lang="en-US" dirty="0" smtClean="0"/>
-              <a:t>Change the code to allow the user to enter the </a:t>
-            </a:r>
-            <a:r>
-              <a:rPr lang="en-US" dirty="0" err="1" smtClean="0"/>
-              <a:t>ProductId</a:t>
-            </a:r>
-            <a:r>
-              <a:rPr lang="en-US" dirty="0" smtClean="0"/>
-              <a:t> rather than the line number to select an item</a:t>
-            </a:r>
-          </a:p>
-          <a:p>
-            <a:pPr lvl="1"/>
-            <a:r>
-              <a:rPr lang="en-US" dirty="0" smtClean="0"/>
-              <a:t>Fix any broken tests</a:t>
-            </a:r>
-          </a:p>
-          <a:p>
-            <a:pPr lvl="1"/>
-            <a:r>
-              <a:rPr lang="en-US" dirty="0" smtClean="0"/>
-              <a:t>Commit the changed code to your repo with comment “Bonus Task”</a:t>
-            </a:r>
-            <a:endParaRPr lang="en-US" dirty="0"/>
+            <a:pPr marL="0" indent="0">
+              <a:buNone/>
+            </a:pPr>
+            <a:r>
+              <a:rPr lang="en-US" sz="2200" dirty="0">
+                <a:latin typeface="Consolas" panose="020B0609020204030204" pitchFamily="49" charset="0"/>
+                <a:cs typeface="Consolas" panose="020B0609020204030204" pitchFamily="49" charset="0"/>
+              </a:rPr>
+              <a:t>[</a:t>
+            </a:r>
+            <a:r>
+              <a:rPr lang="en-US" sz="2200" dirty="0" err="1">
+                <a:latin typeface="Consolas" panose="020B0609020204030204" pitchFamily="49" charset="0"/>
+                <a:cs typeface="Consolas" panose="020B0609020204030204" pitchFamily="49" charset="0"/>
+              </a:rPr>
+              <a:t>JsonProperty</a:t>
+            </a:r>
+            <a:r>
+              <a:rPr lang="en-US" sz="2200" dirty="0">
+                <a:latin typeface="Consolas" panose="020B0609020204030204" pitchFamily="49" charset="0"/>
+                <a:cs typeface="Consolas" panose="020B0609020204030204" pitchFamily="49" charset="0"/>
+              </a:rPr>
+              <a:t>("Password")]</a:t>
+            </a:r>
+          </a:p>
+          <a:p>
+            <a:pPr marL="0" indent="0">
+              <a:buNone/>
+            </a:pPr>
+            <a:r>
+              <a:rPr lang="en-US" sz="2200" dirty="0">
+                <a:latin typeface="Consolas" panose="020B0609020204030204" pitchFamily="49" charset="0"/>
+                <a:cs typeface="Consolas" panose="020B0609020204030204" pitchFamily="49" charset="0"/>
+              </a:rPr>
+              <a:t>public string </a:t>
+            </a:r>
+            <a:r>
+              <a:rPr lang="en-US" sz="2200" b="1" i="1" dirty="0" err="1">
+                <a:latin typeface="Consolas" panose="020B0609020204030204" pitchFamily="49" charset="0"/>
+                <a:cs typeface="Consolas" panose="020B0609020204030204" pitchFamily="49" charset="0"/>
+              </a:rPr>
+              <a:t>Pwd</a:t>
+            </a:r>
+            <a:r>
+              <a:rPr lang="en-US" sz="2200" dirty="0">
+                <a:latin typeface="Consolas" panose="020B0609020204030204" pitchFamily="49" charset="0"/>
+                <a:cs typeface="Consolas" panose="020B0609020204030204" pitchFamily="49" charset="0"/>
+              </a:rPr>
+              <a:t>;</a:t>
+            </a:r>
+          </a:p>
+          <a:p>
+            <a:pPr marL="0" indent="0">
+              <a:buNone/>
+            </a:pPr>
+            <a:r>
+              <a:rPr lang="en-US" sz="2200" dirty="0">
+                <a:latin typeface="Consolas" panose="020B0609020204030204" pitchFamily="49" charset="0"/>
+                <a:cs typeface="Consolas" panose="020B0609020204030204" pitchFamily="49" charset="0"/>
+              </a:rPr>
+              <a:t>[</a:t>
+            </a:r>
+            <a:r>
+              <a:rPr lang="en-US" sz="2200" dirty="0" err="1">
+                <a:latin typeface="Consolas" panose="020B0609020204030204" pitchFamily="49" charset="0"/>
+                <a:cs typeface="Consolas" panose="020B0609020204030204" pitchFamily="49" charset="0"/>
+              </a:rPr>
+              <a:t>JsonProperty</a:t>
+            </a:r>
+            <a:r>
+              <a:rPr lang="en-US" sz="2200" dirty="0">
+                <a:latin typeface="Consolas" panose="020B0609020204030204" pitchFamily="49" charset="0"/>
+                <a:cs typeface="Consolas" panose="020B0609020204030204" pitchFamily="49" charset="0"/>
+              </a:rPr>
+              <a:t>("Balance")]</a:t>
+            </a:r>
+          </a:p>
+          <a:p>
+            <a:pPr marL="0" indent="0">
+              <a:buNone/>
+            </a:pPr>
+            <a:r>
+              <a:rPr lang="en-US" sz="2200" dirty="0">
+                <a:latin typeface="Consolas" panose="020B0609020204030204" pitchFamily="49" charset="0"/>
+                <a:cs typeface="Consolas" panose="020B0609020204030204" pitchFamily="49" charset="0"/>
+              </a:rPr>
+              <a:t>public double </a:t>
+            </a:r>
+            <a:r>
+              <a:rPr lang="en-US" sz="2200" b="1" i="1" dirty="0">
+                <a:latin typeface="Consolas" panose="020B0609020204030204" pitchFamily="49" charset="0"/>
+                <a:cs typeface="Consolas" panose="020B0609020204030204" pitchFamily="49" charset="0"/>
+              </a:rPr>
+              <a:t>Bal</a:t>
+            </a:r>
+            <a:r>
+              <a:rPr lang="en-US" sz="2200" dirty="0" smtClean="0">
+                <a:latin typeface="Consolas" panose="020B0609020204030204" pitchFamily="49" charset="0"/>
+                <a:cs typeface="Consolas" panose="020B0609020204030204" pitchFamily="49" charset="0"/>
+              </a:rPr>
+              <a:t>;</a:t>
+            </a:r>
+            <a:br>
+              <a:rPr lang="en-US" sz="2200" dirty="0" smtClean="0">
+                <a:latin typeface="Consolas" panose="020B0609020204030204" pitchFamily="49" charset="0"/>
+                <a:cs typeface="Consolas" panose="020B0609020204030204" pitchFamily="49" charset="0"/>
+              </a:rPr>
+            </a:br>
+            <a:r>
+              <a:rPr lang="en-US" sz="2200" dirty="0" smtClean="0">
+                <a:latin typeface="Consolas" panose="020B0609020204030204" pitchFamily="49" charset="0"/>
+                <a:cs typeface="Consolas" panose="020B0609020204030204" pitchFamily="49" charset="0"/>
+              </a:rPr>
+              <a:t/>
+            </a:r>
+            <a:br>
+              <a:rPr lang="en-US" sz="2200" dirty="0" smtClean="0">
+                <a:latin typeface="Consolas" panose="020B0609020204030204" pitchFamily="49" charset="0"/>
+                <a:cs typeface="Consolas" panose="020B0609020204030204" pitchFamily="49" charset="0"/>
+              </a:rPr>
+            </a:br>
+            <a:r>
+              <a:rPr lang="en-US" sz="2200" dirty="0" smtClean="0">
+                <a:latin typeface="Consolas" panose="020B0609020204030204" pitchFamily="49" charset="0"/>
+                <a:cs typeface="Consolas" panose="020B0609020204030204" pitchFamily="49" charset="0"/>
+              </a:rPr>
+              <a:t/>
+            </a:r>
+            <a:br>
+              <a:rPr lang="en-US" sz="2200" dirty="0" smtClean="0">
+                <a:latin typeface="Consolas" panose="020B0609020204030204" pitchFamily="49" charset="0"/>
+                <a:cs typeface="Consolas" panose="020B0609020204030204" pitchFamily="49" charset="0"/>
+              </a:rPr>
+            </a:br>
+            <a:r>
+              <a:rPr lang="en-US" sz="2200" dirty="0">
+                <a:latin typeface="Consolas" panose="020B0609020204030204" pitchFamily="49" charset="0"/>
+                <a:cs typeface="Consolas" panose="020B0609020204030204" pitchFamily="49" charset="0"/>
+              </a:rPr>
+              <a:t>[</a:t>
+            </a:r>
+            <a:r>
+              <a:rPr lang="en-US" sz="2200" dirty="0" err="1">
+                <a:latin typeface="Consolas" panose="020B0609020204030204" pitchFamily="49" charset="0"/>
+                <a:cs typeface="Consolas" panose="020B0609020204030204" pitchFamily="49" charset="0"/>
+              </a:rPr>
+              <a:t>JsonProperty</a:t>
+            </a:r>
+            <a:r>
+              <a:rPr lang="en-US" sz="2200" dirty="0">
+                <a:latin typeface="Consolas" panose="020B0609020204030204" pitchFamily="49" charset="0"/>
+                <a:cs typeface="Consolas" panose="020B0609020204030204" pitchFamily="49" charset="0"/>
+              </a:rPr>
+              <a:t>("Password")]</a:t>
+            </a:r>
+          </a:p>
+          <a:p>
+            <a:pPr marL="0" indent="0">
+              <a:buNone/>
+            </a:pPr>
+            <a:r>
+              <a:rPr lang="en-US" sz="2200" dirty="0">
+                <a:latin typeface="Consolas" panose="020B0609020204030204" pitchFamily="49" charset="0"/>
+                <a:cs typeface="Consolas" panose="020B0609020204030204" pitchFamily="49" charset="0"/>
+              </a:rPr>
+              <a:t>public string </a:t>
+            </a:r>
+            <a:r>
+              <a:rPr lang="en-US" sz="2200" b="1" i="1" dirty="0">
+                <a:latin typeface="Consolas" panose="020B0609020204030204" pitchFamily="49" charset="0"/>
+                <a:cs typeface="Consolas" panose="020B0609020204030204" pitchFamily="49" charset="0"/>
+              </a:rPr>
+              <a:t>Password</a:t>
+            </a:r>
+            <a:r>
+              <a:rPr lang="en-US" sz="2200" dirty="0">
+                <a:latin typeface="Consolas" panose="020B0609020204030204" pitchFamily="49" charset="0"/>
+                <a:cs typeface="Consolas" panose="020B0609020204030204" pitchFamily="49" charset="0"/>
+              </a:rPr>
+              <a:t>;</a:t>
+            </a:r>
+          </a:p>
+          <a:p>
+            <a:pPr marL="0" indent="0">
+              <a:buNone/>
+            </a:pPr>
+            <a:r>
+              <a:rPr lang="en-US" sz="2200" dirty="0">
+                <a:latin typeface="Consolas" panose="020B0609020204030204" pitchFamily="49" charset="0"/>
+                <a:cs typeface="Consolas" panose="020B0609020204030204" pitchFamily="49" charset="0"/>
+              </a:rPr>
+              <a:t>[</a:t>
+            </a:r>
+            <a:r>
+              <a:rPr lang="en-US" sz="2200" dirty="0" err="1">
+                <a:latin typeface="Consolas" panose="020B0609020204030204" pitchFamily="49" charset="0"/>
+                <a:cs typeface="Consolas" panose="020B0609020204030204" pitchFamily="49" charset="0"/>
+              </a:rPr>
+              <a:t>JsonProperty</a:t>
+            </a:r>
+            <a:r>
+              <a:rPr lang="en-US" sz="2200" dirty="0">
+                <a:latin typeface="Consolas" panose="020B0609020204030204" pitchFamily="49" charset="0"/>
+                <a:cs typeface="Consolas" panose="020B0609020204030204" pitchFamily="49" charset="0"/>
+              </a:rPr>
+              <a:t>("Balance")]</a:t>
+            </a:r>
+          </a:p>
+          <a:p>
+            <a:pPr marL="0" indent="0">
+              <a:buNone/>
+            </a:pPr>
+            <a:r>
+              <a:rPr lang="en-US" sz="2200" dirty="0">
+                <a:latin typeface="Consolas" panose="020B0609020204030204" pitchFamily="49" charset="0"/>
+                <a:cs typeface="Consolas" panose="020B0609020204030204" pitchFamily="49" charset="0"/>
+              </a:rPr>
+              <a:t>public double </a:t>
+            </a:r>
+            <a:r>
+              <a:rPr lang="en-US" sz="2200" b="1" i="1" dirty="0">
+                <a:latin typeface="Consolas" panose="020B0609020204030204" pitchFamily="49" charset="0"/>
+                <a:cs typeface="Consolas" panose="020B0609020204030204" pitchFamily="49" charset="0"/>
+              </a:rPr>
+              <a:t>Balance</a:t>
+            </a:r>
+            <a:r>
+              <a:rPr lang="en-US" sz="2200" dirty="0" smtClean="0">
+                <a:latin typeface="Consolas" panose="020B0609020204030204" pitchFamily="49" charset="0"/>
+                <a:cs typeface="Consolas" panose="020B0609020204030204" pitchFamily="49" charset="0"/>
+              </a:rPr>
+              <a:t>;</a:t>
+            </a:r>
+            <a:endParaRPr lang="en-US" sz="2200" dirty="0">
+              <a:latin typeface="Consolas" panose="020B0609020204030204" pitchFamily="49" charset="0"/>
+              <a:cs typeface="Consolas" panose="020B0609020204030204" pitchFamily="49" charset="0"/>
+            </a:endParaRPr>
           </a:p>
         </p:txBody>
       </p:sp>
     </p:spTree>
     <p:extLst>
       <p:ext uri="{BB962C8B-B14F-4D97-AF65-F5344CB8AC3E}">
-        <p14:creationId xmlns:p14="http://schemas.microsoft.com/office/powerpoint/2010/main" val="2947934104"/>
+        <p14:creationId xmlns:p14="http://schemas.microsoft.com/office/powerpoint/2010/main" val="3281629543"/>
       </p:ext>
     </p:extLst>
   </p:cSld>
@@ -6211,7 +7282,7 @@
           <a:p>
             <a:r>
               <a:rPr lang="en-US" dirty="0" smtClean="0"/>
-              <a:t>Hands-On Exercise Tasks</a:t>
+              <a:t>Validated User Input</a:t>
             </a:r>
             <a:endParaRPr lang="en-US" dirty="0"/>
           </a:p>
@@ -6234,24 +7305,807 @@
           </a:bodyPr>
           <a:lstStyle/>
           <a:p>
-            <a:r>
-              <a:rPr lang="en-US" dirty="0" smtClean="0"/>
-              <a:t>When complete, push all of your commits to your repo, and then submit a pull request back to my repo</a:t>
-            </a:r>
-          </a:p>
-          <a:p>
-            <a:r>
-              <a:rPr lang="en-US" dirty="0" smtClean="0"/>
-              <a:t>Note that you will have to do this for each of the repos you worked on</a:t>
-            </a:r>
-            <a:endParaRPr lang="en-US" dirty="0"/>
+            <a:pPr marL="0" indent="0">
+              <a:buNone/>
+            </a:pPr>
+            <a:r>
+              <a:rPr lang="en-US" sz="2200" dirty="0" err="1">
+                <a:latin typeface="Consolas" panose="020B0609020204030204" pitchFamily="49" charset="0"/>
+                <a:cs typeface="Consolas" panose="020B0609020204030204" pitchFamily="49" charset="0"/>
+              </a:rPr>
+              <a:t>Console.WriteLine</a:t>
+            </a:r>
+            <a:r>
+              <a:rPr lang="en-US" sz="2200" dirty="0">
+                <a:latin typeface="Consolas" panose="020B0609020204030204" pitchFamily="49" charset="0"/>
+                <a:cs typeface="Consolas" panose="020B0609020204030204" pitchFamily="49" charset="0"/>
+              </a:rPr>
+              <a:t>("Enter amount to purchase:");</a:t>
+            </a:r>
+          </a:p>
+          <a:p>
+            <a:pPr marL="0" indent="0">
+              <a:buNone/>
+            </a:pPr>
+            <a:r>
+              <a:rPr lang="en-US" sz="2200" dirty="0">
+                <a:latin typeface="Consolas" panose="020B0609020204030204" pitchFamily="49" charset="0"/>
+                <a:cs typeface="Consolas" panose="020B0609020204030204" pitchFamily="49" charset="0"/>
+              </a:rPr>
+              <a:t>answer = </a:t>
+            </a:r>
+            <a:r>
+              <a:rPr lang="en-US" sz="2200" dirty="0" err="1">
+                <a:latin typeface="Consolas" panose="020B0609020204030204" pitchFamily="49" charset="0"/>
+                <a:cs typeface="Consolas" panose="020B0609020204030204" pitchFamily="49" charset="0"/>
+              </a:rPr>
+              <a:t>Console.ReadLine</a:t>
+            </a:r>
+            <a:r>
+              <a:rPr lang="en-US" sz="2200" dirty="0">
+                <a:latin typeface="Consolas" panose="020B0609020204030204" pitchFamily="49" charset="0"/>
+                <a:cs typeface="Consolas" panose="020B0609020204030204" pitchFamily="49" charset="0"/>
+              </a:rPr>
+              <a:t>();</a:t>
+            </a:r>
+          </a:p>
+          <a:p>
+            <a:pPr marL="0" indent="0">
+              <a:buNone/>
+            </a:pPr>
+            <a:r>
+              <a:rPr lang="en-US" sz="2200" dirty="0" err="1">
+                <a:latin typeface="Consolas" panose="020B0609020204030204" pitchFamily="49" charset="0"/>
+                <a:cs typeface="Consolas" panose="020B0609020204030204" pitchFamily="49" charset="0"/>
+              </a:rPr>
+              <a:t>int</a:t>
+            </a:r>
+            <a:r>
+              <a:rPr lang="en-US" sz="2200" dirty="0">
+                <a:latin typeface="Consolas" panose="020B0609020204030204" pitchFamily="49" charset="0"/>
+                <a:cs typeface="Consolas" panose="020B0609020204030204" pitchFamily="49" charset="0"/>
+              </a:rPr>
+              <a:t> </a:t>
+            </a:r>
+            <a:r>
+              <a:rPr lang="en-US" sz="2200" dirty="0" err="1">
+                <a:latin typeface="Consolas" panose="020B0609020204030204" pitchFamily="49" charset="0"/>
+                <a:cs typeface="Consolas" panose="020B0609020204030204" pitchFamily="49" charset="0"/>
+              </a:rPr>
+              <a:t>qty</a:t>
+            </a:r>
+            <a:r>
+              <a:rPr lang="en-US" sz="2200" dirty="0">
+                <a:latin typeface="Consolas" panose="020B0609020204030204" pitchFamily="49" charset="0"/>
+                <a:cs typeface="Consolas" panose="020B0609020204030204" pitchFamily="49" charset="0"/>
+              </a:rPr>
+              <a:t> = Convert.ToInt32(answer);</a:t>
+            </a:r>
+            <a:r>
+              <a:rPr lang="en-US" sz="2200" dirty="0" smtClean="0">
+                <a:latin typeface="Consolas" panose="020B0609020204030204" pitchFamily="49" charset="0"/>
+                <a:cs typeface="Consolas" panose="020B0609020204030204" pitchFamily="49" charset="0"/>
+              </a:rPr>
+              <a:t/>
+            </a:r>
+            <a:br>
+              <a:rPr lang="en-US" sz="2200" dirty="0" smtClean="0">
+                <a:latin typeface="Consolas" panose="020B0609020204030204" pitchFamily="49" charset="0"/>
+                <a:cs typeface="Consolas" panose="020B0609020204030204" pitchFamily="49" charset="0"/>
+              </a:rPr>
+            </a:br>
+            <a:r>
+              <a:rPr lang="en-US" sz="2200" dirty="0" smtClean="0">
+                <a:latin typeface="Consolas" panose="020B0609020204030204" pitchFamily="49" charset="0"/>
+                <a:cs typeface="Consolas" panose="020B0609020204030204" pitchFamily="49" charset="0"/>
+              </a:rPr>
+              <a:t/>
+            </a:r>
+            <a:br>
+              <a:rPr lang="en-US" sz="2200" dirty="0" smtClean="0">
+                <a:latin typeface="Consolas" panose="020B0609020204030204" pitchFamily="49" charset="0"/>
+                <a:cs typeface="Consolas" panose="020B0609020204030204" pitchFamily="49" charset="0"/>
+              </a:rPr>
+            </a:br>
+            <a:r>
+              <a:rPr lang="en-US" sz="2200" dirty="0" smtClean="0">
+                <a:latin typeface="Consolas" panose="020B0609020204030204" pitchFamily="49" charset="0"/>
+                <a:cs typeface="Consolas" panose="020B0609020204030204" pitchFamily="49" charset="0"/>
+              </a:rPr>
+              <a:t/>
+            </a:r>
+            <a:br>
+              <a:rPr lang="en-US" sz="2200" dirty="0" smtClean="0">
+                <a:latin typeface="Consolas" panose="020B0609020204030204" pitchFamily="49" charset="0"/>
+                <a:cs typeface="Consolas" panose="020B0609020204030204" pitchFamily="49" charset="0"/>
+              </a:rPr>
+            </a:br>
+            <a:r>
+              <a:rPr lang="en-US" sz="2200" dirty="0" smtClean="0">
+                <a:latin typeface="Consolas" panose="020B0609020204030204" pitchFamily="49" charset="0"/>
+                <a:cs typeface="Consolas" panose="020B0609020204030204" pitchFamily="49" charset="0"/>
+              </a:rPr>
+              <a:t>bool </a:t>
+            </a:r>
+            <a:r>
+              <a:rPr lang="en-US" sz="2200" dirty="0" err="1">
+                <a:latin typeface="Consolas" panose="020B0609020204030204" pitchFamily="49" charset="0"/>
+                <a:cs typeface="Consolas" panose="020B0609020204030204" pitchFamily="49" charset="0"/>
+              </a:rPr>
+              <a:t>validIntegerEntered</a:t>
+            </a:r>
+            <a:r>
+              <a:rPr lang="en-US" sz="2200" dirty="0">
+                <a:latin typeface="Consolas" panose="020B0609020204030204" pitchFamily="49" charset="0"/>
+                <a:cs typeface="Consolas" panose="020B0609020204030204" pitchFamily="49" charset="0"/>
+              </a:rPr>
+              <a:t> </a:t>
+            </a:r>
+            <a:r>
+              <a:rPr lang="en-US" sz="2200" dirty="0" smtClean="0">
+                <a:latin typeface="Consolas" panose="020B0609020204030204" pitchFamily="49" charset="0"/>
+                <a:cs typeface="Consolas" panose="020B0609020204030204" pitchFamily="49" charset="0"/>
+              </a:rPr>
+              <a:t>=</a:t>
+            </a:r>
+          </a:p>
+          <a:p>
+            <a:pPr marL="0" indent="0">
+              <a:buNone/>
+            </a:pPr>
+            <a:r>
+              <a:rPr lang="en-US" sz="2200" dirty="0">
+                <a:latin typeface="Consolas" panose="020B0609020204030204" pitchFamily="49" charset="0"/>
+                <a:cs typeface="Consolas" panose="020B0609020204030204" pitchFamily="49" charset="0"/>
+              </a:rPr>
+              <a:t> </a:t>
+            </a:r>
+            <a:r>
+              <a:rPr lang="en-US" sz="2200" dirty="0" smtClean="0">
+                <a:latin typeface="Consolas" panose="020B0609020204030204" pitchFamily="49" charset="0"/>
+                <a:cs typeface="Consolas" panose="020B0609020204030204" pitchFamily="49" charset="0"/>
+              </a:rPr>
+              <a:t> Int32.TryParse(</a:t>
+            </a:r>
+            <a:r>
+              <a:rPr lang="en-US" sz="2200" dirty="0" err="1" smtClean="0">
+                <a:latin typeface="Consolas" panose="020B0609020204030204" pitchFamily="49" charset="0"/>
+                <a:cs typeface="Consolas" panose="020B0609020204030204" pitchFamily="49" charset="0"/>
+              </a:rPr>
+              <a:t>ReadText</a:t>
+            </a:r>
+            <a:r>
+              <a:rPr lang="en-US" sz="2200" dirty="0">
+                <a:latin typeface="Consolas" panose="020B0609020204030204" pitchFamily="49" charset="0"/>
+                <a:cs typeface="Consolas" panose="020B0609020204030204" pitchFamily="49" charset="0"/>
+              </a:rPr>
+              <a:t>("Enter amount to purchase: "), out </a:t>
+            </a:r>
+            <a:r>
+              <a:rPr lang="en-US" sz="2200" dirty="0" err="1">
+                <a:latin typeface="Consolas" panose="020B0609020204030204" pitchFamily="49" charset="0"/>
+                <a:cs typeface="Consolas" panose="020B0609020204030204" pitchFamily="49" charset="0"/>
+              </a:rPr>
+              <a:t>purchaseQuantity</a:t>
+            </a:r>
+            <a:r>
+              <a:rPr lang="en-US" sz="2200" dirty="0">
+                <a:latin typeface="Consolas" panose="020B0609020204030204" pitchFamily="49" charset="0"/>
+                <a:cs typeface="Consolas" panose="020B0609020204030204" pitchFamily="49" charset="0"/>
+              </a:rPr>
+              <a:t>);</a:t>
+            </a:r>
           </a:p>
         </p:txBody>
       </p:sp>
     </p:spTree>
     <p:extLst>
       <p:ext uri="{BB962C8B-B14F-4D97-AF65-F5344CB8AC3E}">
-        <p14:creationId xmlns:p14="http://schemas.microsoft.com/office/powerpoint/2010/main" val="2124368094"/>
+        <p14:creationId xmlns:p14="http://schemas.microsoft.com/office/powerpoint/2010/main" val="3223789448"/>
+      </p:ext>
+    </p:extLst>
+  </p:cSld>
+  <p:clrMapOvr>
+    <a:masterClrMapping/>
+  </p:clrMapOvr>
+  <p:timing>
+    <p:tnLst>
+      <p:par>
+        <p:cTn id="1" dur="indefinite" restart="never" nodeType="tmRoot"/>
+      </p:par>
+    </p:tnLst>
+  </p:timing>
+</p:sld>
+</file>
+
+<file path=ppt/slides/slide26.xml><?xml version="1.0" encoding="utf-8"?>
+<p:sld xmlns:a="http://schemas.openxmlformats.org/drawingml/2006/main" xmlns:r="http://schemas.openxmlformats.org/officeDocument/2006/relationships" xmlns:p="http://schemas.openxmlformats.org/presentationml/2006/main">
+  <p:cSld>
+    <p:spTree>
+      <p:nvGrpSpPr>
+        <p:cNvPr id="1" name=""/>
+        <p:cNvGrpSpPr/>
+        <p:nvPr/>
+      </p:nvGrpSpPr>
+      <p:grpSpPr>
+        <a:xfrm>
+          <a:off x="0" y="0"/>
+          <a:ext cx="0" cy="0"/>
+          <a:chOff x="0" y="0"/>
+          <a:chExt cx="0" cy="0"/>
+        </a:xfrm>
+      </p:grpSpPr>
+      <p:sp>
+        <p:nvSpPr>
+          <p:cNvPr id="2" name="Title 1"/>
+          <p:cNvSpPr>
+            <a:spLocks noGrp="1"/>
+          </p:cNvSpPr>
+          <p:nvPr>
+            <p:ph type="title"/>
+          </p:nvPr>
+        </p:nvSpPr>
+        <p:spPr/>
+        <p:txBody>
+          <a:bodyPr/>
+          <a:lstStyle/>
+          <a:p>
+            <a:r>
+              <a:rPr lang="en-US" dirty="0" smtClean="0"/>
+              <a:t>Project Structure</a:t>
+            </a:r>
+            <a:endParaRPr lang="en-US" dirty="0"/>
+          </a:p>
+        </p:txBody>
+      </p:sp>
+      <p:sp>
+        <p:nvSpPr>
+          <p:cNvPr id="3" name="Content Placeholder 2"/>
+          <p:cNvSpPr>
+            <a:spLocks noGrp="1"/>
+          </p:cNvSpPr>
+          <p:nvPr>
+            <p:ph idx="1"/>
+          </p:nvPr>
+        </p:nvSpPr>
+        <p:spPr/>
+        <p:txBody>
+          <a:bodyPr/>
+          <a:lstStyle/>
+          <a:p>
+            <a:r>
+              <a:rPr lang="en-US" dirty="0" smtClean="0"/>
+              <a:t>Authentication</a:t>
+            </a:r>
+          </a:p>
+          <a:p>
+            <a:pPr lvl="1"/>
+            <a:r>
+              <a:rPr lang="en-US" dirty="0" smtClean="0">
+                <a:latin typeface="Consolas" panose="020B0609020204030204" pitchFamily="49" charset="0"/>
+                <a:cs typeface="Consolas" panose="020B0609020204030204" pitchFamily="49" charset="0"/>
+              </a:rPr>
+              <a:t>User</a:t>
+            </a:r>
+            <a:r>
+              <a:rPr lang="en-US" dirty="0" smtClean="0"/>
+              <a:t> DTO</a:t>
+            </a:r>
+          </a:p>
+          <a:p>
+            <a:pPr lvl="1"/>
+            <a:r>
+              <a:rPr lang="en-US" dirty="0" err="1" smtClean="0">
+                <a:latin typeface="Consolas" panose="020B0609020204030204" pitchFamily="49" charset="0"/>
+                <a:cs typeface="Consolas" panose="020B0609020204030204" pitchFamily="49" charset="0"/>
+              </a:rPr>
+              <a:t>LoginManager</a:t>
+            </a:r>
+            <a:r>
+              <a:rPr lang="en-US" dirty="0" smtClean="0"/>
+              <a:t>, </a:t>
+            </a:r>
+            <a:r>
+              <a:rPr lang="en-US" dirty="0" err="1" smtClean="0">
+                <a:latin typeface="Consolas" panose="020B0609020204030204" pitchFamily="49" charset="0"/>
+                <a:cs typeface="Consolas" panose="020B0609020204030204" pitchFamily="49" charset="0"/>
+              </a:rPr>
+              <a:t>LoginView</a:t>
+            </a:r>
+            <a:r>
+              <a:rPr lang="en-US" dirty="0" smtClean="0"/>
+              <a:t>, </a:t>
+            </a:r>
+            <a:r>
+              <a:rPr lang="en-US" dirty="0" smtClean="0">
+                <a:latin typeface="Consolas" panose="020B0609020204030204" pitchFamily="49" charset="0"/>
+                <a:cs typeface="Consolas" panose="020B0609020204030204" pitchFamily="49" charset="0"/>
+              </a:rPr>
+              <a:t>Authenticator</a:t>
+            </a:r>
+          </a:p>
+          <a:p>
+            <a:r>
+              <a:rPr lang="en-US" dirty="0" smtClean="0"/>
+              <a:t>Data Management</a:t>
+            </a:r>
+          </a:p>
+          <a:p>
+            <a:pPr lvl="1"/>
+            <a:r>
+              <a:rPr lang="en-US" dirty="0" err="1" smtClean="0">
+                <a:latin typeface="Consolas" panose="020B0609020204030204" pitchFamily="49" charset="0"/>
+                <a:cs typeface="Consolas" panose="020B0609020204030204" pitchFamily="49" charset="0"/>
+              </a:rPr>
+              <a:t>DataManager</a:t>
+            </a:r>
+            <a:endParaRPr lang="en-US" dirty="0" smtClean="0">
+              <a:latin typeface="Consolas" panose="020B0609020204030204" pitchFamily="49" charset="0"/>
+              <a:cs typeface="Consolas" panose="020B0609020204030204" pitchFamily="49" charset="0"/>
+            </a:endParaRPr>
+          </a:p>
+          <a:p>
+            <a:pPr lvl="1"/>
+            <a:r>
+              <a:rPr lang="en-US" dirty="0" smtClean="0">
+                <a:latin typeface="Consolas" panose="020B0609020204030204" pitchFamily="49" charset="0"/>
+                <a:cs typeface="Consolas" panose="020B0609020204030204" pitchFamily="49" charset="0"/>
+              </a:rPr>
+              <a:t>Store</a:t>
+            </a:r>
+          </a:p>
+          <a:p>
+            <a:r>
+              <a:rPr lang="en-US" dirty="0" smtClean="0"/>
+              <a:t>Main App</a:t>
+            </a:r>
+          </a:p>
+          <a:p>
+            <a:pPr lvl="1"/>
+            <a:r>
+              <a:rPr lang="en-US" dirty="0" err="1" smtClean="0">
+                <a:latin typeface="Consolas" panose="020B0609020204030204" pitchFamily="49" charset="0"/>
+                <a:cs typeface="Consolas" panose="020B0609020204030204" pitchFamily="49" charset="0"/>
+              </a:rPr>
+              <a:t>Tusc</a:t>
+            </a:r>
+            <a:endParaRPr lang="en-US" dirty="0">
+              <a:latin typeface="Consolas" panose="020B0609020204030204" pitchFamily="49" charset="0"/>
+              <a:cs typeface="Consolas" panose="020B0609020204030204" pitchFamily="49" charset="0"/>
+            </a:endParaRPr>
+          </a:p>
+        </p:txBody>
+      </p:sp>
+    </p:spTree>
+    <p:extLst>
+      <p:ext uri="{BB962C8B-B14F-4D97-AF65-F5344CB8AC3E}">
+        <p14:creationId xmlns:p14="http://schemas.microsoft.com/office/powerpoint/2010/main" val="1822833642"/>
+      </p:ext>
+    </p:extLst>
+  </p:cSld>
+  <p:clrMapOvr>
+    <a:masterClrMapping/>
+  </p:clrMapOvr>
+  <p:timing>
+    <p:tnLst>
+      <p:par>
+        <p:cTn id="1" dur="indefinite" restart="never" nodeType="tmRoot"/>
+      </p:par>
+    </p:tnLst>
+  </p:timing>
+</p:sld>
+</file>
+
+<file path=ppt/slides/slide27.xml><?xml version="1.0" encoding="utf-8"?>
+<p:sld xmlns:a="http://schemas.openxmlformats.org/drawingml/2006/main" xmlns:r="http://schemas.openxmlformats.org/officeDocument/2006/relationships" xmlns:p="http://schemas.openxmlformats.org/presentationml/2006/main">
+  <p:cSld>
+    <p:spTree>
+      <p:nvGrpSpPr>
+        <p:cNvPr id="1" name=""/>
+        <p:cNvGrpSpPr/>
+        <p:nvPr/>
+      </p:nvGrpSpPr>
+      <p:grpSpPr>
+        <a:xfrm>
+          <a:off x="0" y="0"/>
+          <a:ext cx="0" cy="0"/>
+          <a:chOff x="0" y="0"/>
+          <a:chExt cx="0" cy="0"/>
+        </a:xfrm>
+      </p:grpSpPr>
+      <p:sp>
+        <p:nvSpPr>
+          <p:cNvPr id="2" name="Title 1"/>
+          <p:cNvSpPr>
+            <a:spLocks noGrp="1"/>
+          </p:cNvSpPr>
+          <p:nvPr>
+            <p:ph type="title"/>
+          </p:nvPr>
+        </p:nvSpPr>
+        <p:spPr/>
+        <p:txBody>
+          <a:bodyPr/>
+          <a:lstStyle/>
+          <a:p>
+            <a:r>
+              <a:rPr lang="en-US" dirty="0" smtClean="0"/>
+              <a:t>Hands-on Exercises</a:t>
+            </a:r>
+            <a:endParaRPr lang="en-US" dirty="0"/>
+          </a:p>
+        </p:txBody>
+      </p:sp>
+      <p:sp>
+        <p:nvSpPr>
+          <p:cNvPr id="4" name="Text Placeholder 3"/>
+          <p:cNvSpPr>
+            <a:spLocks noGrp="1"/>
+          </p:cNvSpPr>
+          <p:nvPr>
+            <p:ph type="body" idx="1"/>
+          </p:nvPr>
+        </p:nvSpPr>
+        <p:spPr/>
+        <p:txBody>
+          <a:bodyPr/>
+          <a:lstStyle/>
+          <a:p>
+            <a:r>
+              <a:rPr lang="en-US" dirty="0"/>
+              <a:t>Refactoring Follow-Up</a:t>
+            </a:r>
+            <a:endParaRPr lang="en-US" dirty="0"/>
+          </a:p>
+        </p:txBody>
+      </p:sp>
+    </p:spTree>
+    <p:extLst>
+      <p:ext uri="{BB962C8B-B14F-4D97-AF65-F5344CB8AC3E}">
+        <p14:creationId xmlns:p14="http://schemas.microsoft.com/office/powerpoint/2010/main" val="1212883754"/>
+      </p:ext>
+    </p:extLst>
+  </p:cSld>
+  <p:clrMapOvr>
+    <a:masterClrMapping/>
+  </p:clrMapOvr>
+  <p:timing>
+    <p:tnLst>
+      <p:par>
+        <p:cTn id="1" dur="indefinite" restart="never" nodeType="tmRoot"/>
+      </p:par>
+    </p:tnLst>
+  </p:timing>
+</p:sld>
+</file>
+
+<file path=ppt/slides/slide28.xml><?xml version="1.0" encoding="utf-8"?>
+<p:sld xmlns:a="http://schemas.openxmlformats.org/drawingml/2006/main" xmlns:r="http://schemas.openxmlformats.org/officeDocument/2006/relationships" xmlns:p="http://schemas.openxmlformats.org/presentationml/2006/main">
+  <p:cSld>
+    <p:spTree>
+      <p:nvGrpSpPr>
+        <p:cNvPr id="1" name=""/>
+        <p:cNvGrpSpPr/>
+        <p:nvPr/>
+      </p:nvGrpSpPr>
+      <p:grpSpPr>
+        <a:xfrm>
+          <a:off x="0" y="0"/>
+          <a:ext cx="0" cy="0"/>
+          <a:chOff x="0" y="0"/>
+          <a:chExt cx="0" cy="0"/>
+        </a:xfrm>
+      </p:grpSpPr>
+      <p:sp>
+        <p:nvSpPr>
+          <p:cNvPr id="2" name="Title 1"/>
+          <p:cNvSpPr>
+            <a:spLocks noGrp="1"/>
+          </p:cNvSpPr>
+          <p:nvPr>
+            <p:ph type="title"/>
+          </p:nvPr>
+        </p:nvSpPr>
+        <p:spPr/>
+        <p:txBody>
+          <a:bodyPr/>
+          <a:lstStyle/>
+          <a:p>
+            <a:r>
+              <a:rPr lang="en-US" dirty="0" smtClean="0"/>
+              <a:t>Hands-On Exercise Tasks</a:t>
+            </a:r>
+            <a:endParaRPr lang="en-US" dirty="0"/>
+          </a:p>
+        </p:txBody>
+      </p:sp>
+      <p:sp>
+        <p:nvSpPr>
+          <p:cNvPr id="3" name="Content Placeholder 2"/>
+          <p:cNvSpPr>
+            <a:spLocks noGrp="1"/>
+          </p:cNvSpPr>
+          <p:nvPr>
+            <p:ph idx="1"/>
+          </p:nvPr>
+        </p:nvSpPr>
+        <p:spPr/>
+        <p:txBody>
+          <a:bodyPr>
+            <a:normAutofit fontScale="92500"/>
+          </a:bodyPr>
+          <a:lstStyle/>
+          <a:p>
+            <a:r>
+              <a:rPr lang="en-US" dirty="0" smtClean="0"/>
+              <a:t>As in the last training session, first fork a copy of my repo to your account</a:t>
+            </a:r>
+          </a:p>
+          <a:p>
+            <a:r>
+              <a:rPr lang="en-US" dirty="0" smtClean="0"/>
+              <a:t>Then complete the tasks in the following pages</a:t>
+            </a:r>
+          </a:p>
+          <a:p>
+            <a:r>
+              <a:rPr lang="en-US" dirty="0" smtClean="0"/>
+              <a:t>You should do each of these tasks for each of the following repos under my account:</a:t>
+            </a:r>
+          </a:p>
+          <a:p>
+            <a:pPr lvl="1"/>
+            <a:r>
+              <a:rPr lang="en-US" dirty="0" smtClean="0">
+                <a:hlinkClick r:id="rId2"/>
+              </a:rPr>
+              <a:t>Refactoring-training-2.0</a:t>
+            </a:r>
+            <a:r>
+              <a:rPr lang="en-US" dirty="0" smtClean="0"/>
+              <a:t> (Copy of original </a:t>
+            </a:r>
+            <a:r>
+              <a:rPr lang="en-US" dirty="0"/>
+              <a:t>c</a:t>
+            </a:r>
+            <a:r>
+              <a:rPr lang="en-US" dirty="0" smtClean="0"/>
+              <a:t>ode)</a:t>
+            </a:r>
+          </a:p>
+          <a:p>
+            <a:pPr lvl="1"/>
+            <a:r>
+              <a:rPr lang="en-US" dirty="0" smtClean="0">
+                <a:hlinkClick r:id="rId3"/>
+              </a:rPr>
+              <a:t>Refactoring-training-2.3</a:t>
+            </a:r>
+            <a:r>
+              <a:rPr lang="en-US" dirty="0" smtClean="0"/>
+              <a:t> (Copy of Glen’s refactored code)</a:t>
+            </a:r>
+          </a:p>
+          <a:p>
+            <a:pPr lvl="1"/>
+            <a:r>
+              <a:rPr lang="en-US" dirty="0" smtClean="0"/>
+              <a:t>Your own repo from the previous exercise (Optional)</a:t>
+            </a:r>
+            <a:endParaRPr lang="en-US" dirty="0"/>
+          </a:p>
+          <a:p>
+            <a:pPr lvl="1"/>
+            <a:endParaRPr lang="en-US" dirty="0"/>
+          </a:p>
+        </p:txBody>
+      </p:sp>
+    </p:spTree>
+    <p:extLst>
+      <p:ext uri="{BB962C8B-B14F-4D97-AF65-F5344CB8AC3E}">
+        <p14:creationId xmlns:p14="http://schemas.microsoft.com/office/powerpoint/2010/main" val="1861789696"/>
+      </p:ext>
+    </p:extLst>
+  </p:cSld>
+  <p:clrMapOvr>
+    <a:masterClrMapping/>
+  </p:clrMapOvr>
+  <p:timing>
+    <p:tnLst>
+      <p:par>
+        <p:cTn id="1" dur="indefinite" restart="never" nodeType="tmRoot"/>
+      </p:par>
+    </p:tnLst>
+  </p:timing>
+</p:sld>
+</file>
+
+<file path=ppt/slides/slide29.xml><?xml version="1.0" encoding="utf-8"?>
+<p:sld xmlns:a="http://schemas.openxmlformats.org/drawingml/2006/main" xmlns:r="http://schemas.openxmlformats.org/officeDocument/2006/relationships" xmlns:p="http://schemas.openxmlformats.org/presentationml/2006/main">
+  <p:cSld>
+    <p:spTree>
+      <p:nvGrpSpPr>
+        <p:cNvPr id="1" name=""/>
+        <p:cNvGrpSpPr/>
+        <p:nvPr/>
+      </p:nvGrpSpPr>
+      <p:grpSpPr>
+        <a:xfrm>
+          <a:off x="0" y="0"/>
+          <a:ext cx="0" cy="0"/>
+          <a:chOff x="0" y="0"/>
+          <a:chExt cx="0" cy="0"/>
+        </a:xfrm>
+      </p:grpSpPr>
+      <p:sp>
+        <p:nvSpPr>
+          <p:cNvPr id="2" name="Title 1"/>
+          <p:cNvSpPr>
+            <a:spLocks noGrp="1"/>
+          </p:cNvSpPr>
+          <p:nvPr>
+            <p:ph type="title"/>
+          </p:nvPr>
+        </p:nvSpPr>
+        <p:spPr/>
+        <p:txBody>
+          <a:bodyPr/>
+          <a:lstStyle/>
+          <a:p>
+            <a:r>
+              <a:rPr lang="en-US" dirty="0" smtClean="0"/>
+              <a:t>Hands-On Exercise Tasks</a:t>
+            </a:r>
+            <a:endParaRPr lang="en-US" dirty="0"/>
+          </a:p>
+        </p:txBody>
+      </p:sp>
+      <p:sp>
+        <p:nvSpPr>
+          <p:cNvPr id="3" name="Content Placeholder 2"/>
+          <p:cNvSpPr>
+            <a:spLocks noGrp="1"/>
+          </p:cNvSpPr>
+          <p:nvPr>
+            <p:ph idx="1"/>
+          </p:nvPr>
+        </p:nvSpPr>
+        <p:spPr/>
+        <p:txBody>
+          <a:bodyPr>
+            <a:normAutofit fontScale="92500" lnSpcReduction="10000"/>
+          </a:bodyPr>
+          <a:lstStyle/>
+          <a:p>
+            <a:r>
+              <a:rPr lang="en-US" dirty="0" smtClean="0"/>
+              <a:t>Task 1</a:t>
+            </a:r>
+          </a:p>
+          <a:p>
+            <a:pPr lvl="1"/>
+            <a:r>
+              <a:rPr lang="en-US" dirty="0" smtClean="0"/>
+              <a:t>Write a new test called: </a:t>
+            </a:r>
+            <a:r>
+              <a:rPr lang="en-US" sz="2000" dirty="0" err="1" smtClean="0">
+                <a:latin typeface="Courier New" panose="02070309020205020404" pitchFamily="49" charset="0"/>
+                <a:cs typeface="Courier New" panose="02070309020205020404" pitchFamily="49" charset="0"/>
+              </a:rPr>
+              <a:t>Test_UserCanPurchaseProductWhenOnlyOneInStock</a:t>
+            </a:r>
+            <a:endParaRPr lang="en-US" sz="2000" dirty="0" smtClean="0">
+              <a:latin typeface="Courier New" panose="02070309020205020404" pitchFamily="49" charset="0"/>
+              <a:cs typeface="Courier New" panose="02070309020205020404" pitchFamily="49" charset="0"/>
+            </a:endParaRPr>
+          </a:p>
+          <a:p>
+            <a:pPr lvl="2"/>
+            <a:r>
+              <a:rPr lang="en-US" sz="1600" dirty="0" smtClean="0">
+                <a:cs typeface="Courier New" panose="02070309020205020404" pitchFamily="49" charset="0"/>
+              </a:rPr>
+              <a:t>The setup for this test should set the quantity of a product such as Chips to 1, and set the desired amount to purchase to 1</a:t>
+            </a:r>
+          </a:p>
+          <a:p>
+            <a:pPr lvl="2"/>
+            <a:r>
+              <a:rPr lang="en-US" sz="1600" dirty="0" smtClean="0">
+                <a:cs typeface="Courier New" panose="02070309020205020404" pitchFamily="49" charset="0"/>
+              </a:rPr>
+              <a:t>The assert statement in the test should be similar to:</a:t>
+            </a:r>
+          </a:p>
+          <a:p>
+            <a:pPr marL="914400" lvl="2" indent="0">
+              <a:buNone/>
+            </a:pPr>
+            <a:r>
+              <a:rPr lang="en-US" sz="1500" dirty="0" err="1">
+                <a:latin typeface="Courier New" panose="02070309020205020404" pitchFamily="49" charset="0"/>
+                <a:cs typeface="Courier New" panose="02070309020205020404" pitchFamily="49" charset="0"/>
+              </a:rPr>
+              <a:t>Assert.IsTrue</a:t>
+            </a:r>
+            <a:r>
+              <a:rPr lang="en-US" sz="1500" dirty="0">
+                <a:latin typeface="Courier New" panose="02070309020205020404" pitchFamily="49" charset="0"/>
+                <a:cs typeface="Courier New" panose="02070309020205020404" pitchFamily="49" charset="0"/>
+              </a:rPr>
+              <a:t>(</a:t>
+            </a:r>
+            <a:r>
+              <a:rPr lang="en-US" sz="1500" dirty="0" err="1">
+                <a:latin typeface="Courier New" panose="02070309020205020404" pitchFamily="49" charset="0"/>
+                <a:cs typeface="Courier New" panose="02070309020205020404" pitchFamily="49" charset="0"/>
+              </a:rPr>
+              <a:t>writer.ToString</a:t>
+            </a:r>
+            <a:r>
+              <a:rPr lang="en-US" sz="1500" dirty="0">
+                <a:latin typeface="Courier New" panose="02070309020205020404" pitchFamily="49" charset="0"/>
+                <a:cs typeface="Courier New" panose="02070309020205020404" pitchFamily="49" charset="0"/>
+              </a:rPr>
+              <a:t>().Contains("You bought 1 Chips"));</a:t>
+            </a:r>
+            <a:endParaRPr lang="en-US" sz="1500" dirty="0" smtClean="0">
+              <a:latin typeface="Courier New" panose="02070309020205020404" pitchFamily="49" charset="0"/>
+              <a:cs typeface="Courier New" panose="02070309020205020404" pitchFamily="49" charset="0"/>
+            </a:endParaRPr>
+          </a:p>
+          <a:p>
+            <a:pPr lvl="1"/>
+            <a:r>
+              <a:rPr lang="en-US" dirty="0" smtClean="0"/>
+              <a:t>You can model it after the existing test: </a:t>
+            </a:r>
+            <a:r>
+              <a:rPr lang="en-US" sz="2000" dirty="0" err="1">
+                <a:latin typeface="Courier New" panose="02070309020205020404" pitchFamily="49" charset="0"/>
+                <a:cs typeface="Courier New" panose="02070309020205020404" pitchFamily="49" charset="0"/>
+              </a:rPr>
+              <a:t>Test_ErrorOccursWhenProductOutOfStock</a:t>
+            </a:r>
+            <a:endParaRPr lang="en-US" sz="2000" dirty="0">
+              <a:latin typeface="Courier New" panose="02070309020205020404" pitchFamily="49" charset="0"/>
+              <a:cs typeface="Courier New" panose="02070309020205020404" pitchFamily="49" charset="0"/>
+            </a:endParaRPr>
+          </a:p>
+          <a:p>
+            <a:pPr lvl="1"/>
+            <a:r>
+              <a:rPr lang="en-US" dirty="0" smtClean="0"/>
+              <a:t>The test should fail when you first write it</a:t>
+            </a:r>
+          </a:p>
+          <a:p>
+            <a:pPr lvl="1"/>
+            <a:r>
+              <a:rPr lang="en-US" dirty="0"/>
+              <a:t>Fix the code to make the test </a:t>
+            </a:r>
+            <a:r>
+              <a:rPr lang="en-US" dirty="0" smtClean="0"/>
+              <a:t>pass</a:t>
+            </a:r>
+          </a:p>
+          <a:p>
+            <a:pPr lvl="1"/>
+            <a:r>
+              <a:rPr lang="en-US" dirty="0" smtClean="0"/>
+              <a:t>Commit the changed code to your repo with comment “Task 1”</a:t>
+            </a:r>
+            <a:endParaRPr lang="en-US" dirty="0"/>
+          </a:p>
+        </p:txBody>
+      </p:sp>
+    </p:spTree>
+    <p:extLst>
+      <p:ext uri="{BB962C8B-B14F-4D97-AF65-F5344CB8AC3E}">
+        <p14:creationId xmlns:p14="http://schemas.microsoft.com/office/powerpoint/2010/main" val="1868105709"/>
       </p:ext>
     </p:extLst>
   </p:cSld>
@@ -7017,6 +8871,769 @@
     <p:bldLst>
       <p:bldP spid="3" grpId="0" uiExpand="1" build="p"/>
     </p:bldLst>
+  </p:timing>
+</p:sld>
+</file>
+
+<file path=ppt/slides/slide30.xml><?xml version="1.0" encoding="utf-8"?>
+<p:sld xmlns:a="http://schemas.openxmlformats.org/drawingml/2006/main" xmlns:r="http://schemas.openxmlformats.org/officeDocument/2006/relationships" xmlns:p="http://schemas.openxmlformats.org/presentationml/2006/main">
+  <p:cSld>
+    <p:spTree>
+      <p:nvGrpSpPr>
+        <p:cNvPr id="1" name=""/>
+        <p:cNvGrpSpPr/>
+        <p:nvPr/>
+      </p:nvGrpSpPr>
+      <p:grpSpPr>
+        <a:xfrm>
+          <a:off x="0" y="0"/>
+          <a:ext cx="0" cy="0"/>
+          <a:chOff x="0" y="0"/>
+          <a:chExt cx="0" cy="0"/>
+        </a:xfrm>
+      </p:grpSpPr>
+      <p:sp>
+        <p:nvSpPr>
+          <p:cNvPr id="2" name="Title 1"/>
+          <p:cNvSpPr>
+            <a:spLocks noGrp="1"/>
+          </p:cNvSpPr>
+          <p:nvPr>
+            <p:ph type="title"/>
+          </p:nvPr>
+        </p:nvSpPr>
+        <p:spPr/>
+        <p:txBody>
+          <a:bodyPr/>
+          <a:lstStyle/>
+          <a:p>
+            <a:r>
+              <a:rPr lang="en-US" dirty="0" smtClean="0"/>
+              <a:t>Hands-On Exercise Tasks</a:t>
+            </a:r>
+            <a:endParaRPr lang="en-US" dirty="0"/>
+          </a:p>
+        </p:txBody>
+      </p:sp>
+      <p:sp>
+        <p:nvSpPr>
+          <p:cNvPr id="3" name="Content Placeholder 2"/>
+          <p:cNvSpPr>
+            <a:spLocks noGrp="1"/>
+          </p:cNvSpPr>
+          <p:nvPr>
+            <p:ph idx="1"/>
+          </p:nvPr>
+        </p:nvSpPr>
+        <p:spPr/>
+        <p:txBody>
+          <a:bodyPr>
+            <a:normAutofit fontScale="92500" lnSpcReduction="20000"/>
+          </a:bodyPr>
+          <a:lstStyle/>
+          <a:p>
+            <a:r>
+              <a:rPr lang="en-US" dirty="0" smtClean="0"/>
+              <a:t>Task 2</a:t>
+            </a:r>
+          </a:p>
+          <a:p>
+            <a:pPr lvl="1"/>
+            <a:r>
+              <a:rPr lang="en-US" dirty="0" smtClean="0"/>
+              <a:t>Add a new Product to </a:t>
+            </a:r>
+            <a:r>
+              <a:rPr lang="en-US" dirty="0" err="1" smtClean="0"/>
+              <a:t>Products.json</a:t>
+            </a:r>
+            <a:r>
+              <a:rPr lang="en-US" dirty="0" smtClean="0"/>
+              <a:t> with Name: Soup, Price: $1.25, Quantity: 50</a:t>
+            </a:r>
+          </a:p>
+          <a:p>
+            <a:pPr lvl="1"/>
+            <a:r>
+              <a:rPr lang="en-US" dirty="0" smtClean="0"/>
+              <a:t>Note that after changing </a:t>
+            </a:r>
+            <a:r>
+              <a:rPr lang="en-US" dirty="0" err="1" smtClean="0"/>
+              <a:t>Products.json</a:t>
+            </a:r>
+            <a:r>
+              <a:rPr lang="en-US" dirty="0" smtClean="0"/>
+              <a:t> you will need to Rebuild the app before running tests, so that the updated </a:t>
+            </a:r>
+            <a:r>
+              <a:rPr lang="en-US" dirty="0" err="1" smtClean="0"/>
+              <a:t>json</a:t>
+            </a:r>
+            <a:r>
+              <a:rPr lang="en-US" dirty="0" smtClean="0"/>
+              <a:t> file is deployed to the output folder</a:t>
+            </a:r>
+          </a:p>
+          <a:p>
+            <a:pPr lvl="1"/>
+            <a:r>
+              <a:rPr lang="en-US" dirty="0" smtClean="0"/>
+              <a:t>Run all the tests. Do they all pass?</a:t>
+            </a:r>
+          </a:p>
+          <a:p>
+            <a:pPr lvl="1"/>
+            <a:r>
+              <a:rPr lang="en-US" dirty="0" smtClean="0"/>
+              <a:t>Fix any failing tests by fixing the broken code. You may also have to modify some tests to account for the new data.</a:t>
+            </a:r>
+          </a:p>
+          <a:p>
+            <a:pPr lvl="1"/>
+            <a:r>
+              <a:rPr lang="en-US" dirty="0" smtClean="0"/>
+              <a:t>Commit the changed code to your repo with comment “Task 2”</a:t>
+            </a:r>
+            <a:endParaRPr lang="en-US" dirty="0"/>
+          </a:p>
+        </p:txBody>
+      </p:sp>
+    </p:spTree>
+    <p:extLst>
+      <p:ext uri="{BB962C8B-B14F-4D97-AF65-F5344CB8AC3E}">
+        <p14:creationId xmlns:p14="http://schemas.microsoft.com/office/powerpoint/2010/main" val="2108707572"/>
+      </p:ext>
+    </p:extLst>
+  </p:cSld>
+  <p:clrMapOvr>
+    <a:masterClrMapping/>
+  </p:clrMapOvr>
+  <p:timing>
+    <p:tnLst>
+      <p:par>
+        <p:cTn id="1" dur="indefinite" restart="never" nodeType="tmRoot"/>
+      </p:par>
+    </p:tnLst>
+  </p:timing>
+</p:sld>
+</file>
+
+<file path=ppt/slides/slide31.xml><?xml version="1.0" encoding="utf-8"?>
+<p:sld xmlns:a="http://schemas.openxmlformats.org/drawingml/2006/main" xmlns:r="http://schemas.openxmlformats.org/officeDocument/2006/relationships" xmlns:p="http://schemas.openxmlformats.org/presentationml/2006/main">
+  <p:cSld>
+    <p:spTree>
+      <p:nvGrpSpPr>
+        <p:cNvPr id="1" name=""/>
+        <p:cNvGrpSpPr/>
+        <p:nvPr/>
+      </p:nvGrpSpPr>
+      <p:grpSpPr>
+        <a:xfrm>
+          <a:off x="0" y="0"/>
+          <a:ext cx="0" cy="0"/>
+          <a:chOff x="0" y="0"/>
+          <a:chExt cx="0" cy="0"/>
+        </a:xfrm>
+      </p:grpSpPr>
+      <p:sp>
+        <p:nvSpPr>
+          <p:cNvPr id="2" name="Title 1"/>
+          <p:cNvSpPr>
+            <a:spLocks noGrp="1"/>
+          </p:cNvSpPr>
+          <p:nvPr>
+            <p:ph type="title"/>
+          </p:nvPr>
+        </p:nvSpPr>
+        <p:spPr/>
+        <p:txBody>
+          <a:bodyPr/>
+          <a:lstStyle/>
+          <a:p>
+            <a:r>
+              <a:rPr lang="en-US" dirty="0" smtClean="0"/>
+              <a:t>Hands-On Exercise Tasks</a:t>
+            </a:r>
+            <a:endParaRPr lang="en-US" dirty="0"/>
+          </a:p>
+        </p:txBody>
+      </p:sp>
+      <p:sp>
+        <p:nvSpPr>
+          <p:cNvPr id="3" name="Content Placeholder 2"/>
+          <p:cNvSpPr>
+            <a:spLocks noGrp="1"/>
+          </p:cNvSpPr>
+          <p:nvPr>
+            <p:ph idx="1"/>
+          </p:nvPr>
+        </p:nvSpPr>
+        <p:spPr/>
+        <p:txBody>
+          <a:bodyPr>
+            <a:normAutofit fontScale="85000" lnSpcReduction="10000"/>
+          </a:bodyPr>
+          <a:lstStyle/>
+          <a:p>
+            <a:r>
+              <a:rPr lang="en-US" dirty="0" smtClean="0"/>
+              <a:t>Task 3</a:t>
+            </a:r>
+          </a:p>
+          <a:p>
+            <a:pPr lvl="1"/>
+            <a:r>
+              <a:rPr lang="en-US" dirty="0" smtClean="0"/>
+              <a:t>Uncomment the test</a:t>
+            </a:r>
+            <a:r>
+              <a:rPr lang="en-US" dirty="0"/>
+              <a:t>: </a:t>
+            </a:r>
+            <a:r>
+              <a:rPr lang="en-US" dirty="0" err="1" smtClean="0"/>
+              <a:t>Test_UserCanExitByEnteringQuit</a:t>
+            </a:r>
+            <a:r>
+              <a:rPr lang="en-US" dirty="0" smtClean="0"/>
+              <a:t>.</a:t>
+            </a:r>
+          </a:p>
+          <a:p>
+            <a:pPr lvl="1"/>
+            <a:r>
+              <a:rPr lang="en-US" dirty="0" smtClean="0"/>
+              <a:t>The test should fail when you run it</a:t>
+            </a:r>
+          </a:p>
+          <a:p>
+            <a:pPr lvl="1"/>
+            <a:r>
+              <a:rPr lang="en-US" dirty="0"/>
+              <a:t>Change the application so that the user must enter the word “quit” to exit the application rather than type a number for exit.</a:t>
+            </a:r>
+          </a:p>
+          <a:p>
+            <a:pPr lvl="1"/>
+            <a:r>
+              <a:rPr lang="en-US" dirty="0" smtClean="0"/>
+              <a:t>Make sure to change the menu to show “Type quit to exit the application” rather than “8: Exit”</a:t>
+            </a:r>
+          </a:p>
+          <a:p>
+            <a:pPr lvl="1"/>
+            <a:r>
+              <a:rPr lang="en-US" dirty="0" smtClean="0"/>
+              <a:t>After making this change, some tests will need to be modified to account for your change.</a:t>
+            </a:r>
+          </a:p>
+          <a:p>
+            <a:pPr lvl="1"/>
+            <a:r>
+              <a:rPr lang="en-US" dirty="0" smtClean="0"/>
+              <a:t>Commit the changed code to your repo with comment “Task 3”</a:t>
+            </a:r>
+            <a:endParaRPr lang="en-US" dirty="0"/>
+          </a:p>
+        </p:txBody>
+      </p:sp>
+    </p:spTree>
+    <p:extLst>
+      <p:ext uri="{BB962C8B-B14F-4D97-AF65-F5344CB8AC3E}">
+        <p14:creationId xmlns:p14="http://schemas.microsoft.com/office/powerpoint/2010/main" val="1543786767"/>
+      </p:ext>
+    </p:extLst>
+  </p:cSld>
+  <p:clrMapOvr>
+    <a:masterClrMapping/>
+  </p:clrMapOvr>
+  <p:timing>
+    <p:tnLst>
+      <p:par>
+        <p:cTn id="1" dur="indefinite" restart="never" nodeType="tmRoot"/>
+      </p:par>
+    </p:tnLst>
+  </p:timing>
+</p:sld>
+</file>
+
+<file path=ppt/slides/slide32.xml><?xml version="1.0" encoding="utf-8"?>
+<p:sld xmlns:a="http://schemas.openxmlformats.org/drawingml/2006/main" xmlns:r="http://schemas.openxmlformats.org/officeDocument/2006/relationships" xmlns:p="http://schemas.openxmlformats.org/presentationml/2006/main">
+  <p:cSld>
+    <p:spTree>
+      <p:nvGrpSpPr>
+        <p:cNvPr id="1" name=""/>
+        <p:cNvGrpSpPr/>
+        <p:nvPr/>
+      </p:nvGrpSpPr>
+      <p:grpSpPr>
+        <a:xfrm>
+          <a:off x="0" y="0"/>
+          <a:ext cx="0" cy="0"/>
+          <a:chOff x="0" y="0"/>
+          <a:chExt cx="0" cy="0"/>
+        </a:xfrm>
+      </p:grpSpPr>
+      <p:sp>
+        <p:nvSpPr>
+          <p:cNvPr id="2" name="Title 1"/>
+          <p:cNvSpPr>
+            <a:spLocks noGrp="1"/>
+          </p:cNvSpPr>
+          <p:nvPr>
+            <p:ph type="title"/>
+          </p:nvPr>
+        </p:nvSpPr>
+        <p:spPr/>
+        <p:txBody>
+          <a:bodyPr/>
+          <a:lstStyle/>
+          <a:p>
+            <a:r>
+              <a:rPr lang="en-US" dirty="0" smtClean="0"/>
+              <a:t>Hands-On Exercise Tasks</a:t>
+            </a:r>
+            <a:endParaRPr lang="en-US" dirty="0"/>
+          </a:p>
+        </p:txBody>
+      </p:sp>
+      <p:sp>
+        <p:nvSpPr>
+          <p:cNvPr id="3" name="Content Placeholder 2"/>
+          <p:cNvSpPr>
+            <a:spLocks noGrp="1"/>
+          </p:cNvSpPr>
+          <p:nvPr>
+            <p:ph idx="1"/>
+          </p:nvPr>
+        </p:nvSpPr>
+        <p:spPr/>
+        <p:txBody>
+          <a:bodyPr>
+            <a:normAutofit fontScale="77500" lnSpcReduction="20000"/>
+          </a:bodyPr>
+          <a:lstStyle/>
+          <a:p>
+            <a:r>
+              <a:rPr lang="en-US" dirty="0" smtClean="0"/>
+              <a:t>Task 4</a:t>
+            </a:r>
+          </a:p>
+          <a:p>
+            <a:pPr lvl="1"/>
+            <a:r>
+              <a:rPr lang="en-US" dirty="0" smtClean="0"/>
+              <a:t>Write a new test called </a:t>
+            </a:r>
+            <a:r>
+              <a:rPr lang="en-US" sz="2400" dirty="0" err="1" smtClean="0">
+                <a:latin typeface="Courier New" panose="02070309020205020404" pitchFamily="49" charset="0"/>
+                <a:cs typeface="Courier New" panose="02070309020205020404" pitchFamily="49" charset="0"/>
+              </a:rPr>
+              <a:t>Test_ProductsWithZeroQuantityDoNotAppearInMenu</a:t>
+            </a:r>
+            <a:endParaRPr lang="en-US" sz="2400" dirty="0" smtClean="0">
+              <a:latin typeface="Courier New" panose="02070309020205020404" pitchFamily="49" charset="0"/>
+              <a:cs typeface="Courier New" panose="02070309020205020404" pitchFamily="49" charset="0"/>
+            </a:endParaRPr>
+          </a:p>
+          <a:p>
+            <a:pPr lvl="1"/>
+            <a:r>
+              <a:rPr lang="en-US" dirty="0" smtClean="0"/>
+              <a:t>In the test, set the quantity of a product like Chips to 0.</a:t>
+            </a:r>
+          </a:p>
+          <a:p>
+            <a:pPr lvl="1"/>
+            <a:r>
+              <a:rPr lang="en-US" dirty="0" smtClean="0"/>
+              <a:t>The assert statement should be similar to:</a:t>
+            </a:r>
+          </a:p>
+          <a:p>
+            <a:pPr marL="457200" lvl="1" indent="0">
+              <a:buNone/>
+            </a:pPr>
+            <a:r>
+              <a:rPr lang="en-US" sz="2100" dirty="0" err="1" smtClean="0">
+                <a:latin typeface="Courier New" panose="02070309020205020404" pitchFamily="49" charset="0"/>
+                <a:cs typeface="Courier New" panose="02070309020205020404" pitchFamily="49" charset="0"/>
+              </a:rPr>
+              <a:t>Assert.IsFalse</a:t>
+            </a:r>
+            <a:r>
+              <a:rPr lang="en-US" sz="2100" dirty="0" smtClean="0">
+                <a:latin typeface="Courier New" panose="02070309020205020404" pitchFamily="49" charset="0"/>
+                <a:cs typeface="Courier New" panose="02070309020205020404" pitchFamily="49" charset="0"/>
+              </a:rPr>
+              <a:t>(</a:t>
+            </a:r>
+            <a:r>
+              <a:rPr lang="en-US" sz="2100" dirty="0" err="1" smtClean="0">
+                <a:latin typeface="Courier New" panose="02070309020205020404" pitchFamily="49" charset="0"/>
+                <a:cs typeface="Courier New" panose="02070309020205020404" pitchFamily="49" charset="0"/>
+              </a:rPr>
+              <a:t>writer.ToString</a:t>
+            </a:r>
+            <a:r>
+              <a:rPr lang="en-US" sz="2100" dirty="0">
+                <a:latin typeface="Courier New" panose="02070309020205020404" pitchFamily="49" charset="0"/>
+                <a:cs typeface="Courier New" panose="02070309020205020404" pitchFamily="49" charset="0"/>
+              </a:rPr>
+              <a:t>().Contains(": Chips</a:t>
+            </a:r>
+            <a:r>
+              <a:rPr lang="en-US" sz="2100" dirty="0" smtClean="0">
+                <a:latin typeface="Courier New" panose="02070309020205020404" pitchFamily="49" charset="0"/>
+                <a:cs typeface="Courier New" panose="02070309020205020404" pitchFamily="49" charset="0"/>
+              </a:rPr>
+              <a:t>"));</a:t>
+            </a:r>
+          </a:p>
+          <a:p>
+            <a:pPr lvl="1"/>
+            <a:r>
+              <a:rPr lang="en-US" dirty="0" smtClean="0"/>
+              <a:t>Modify the code to prevent products with zero quantity from appearing in the menu</a:t>
+            </a:r>
+          </a:p>
+          <a:p>
+            <a:pPr lvl="1"/>
+            <a:r>
+              <a:rPr lang="en-US" dirty="0" smtClean="0"/>
+              <a:t>Run the tests. Do any of the other tests now fail?</a:t>
+            </a:r>
+          </a:p>
+          <a:p>
+            <a:pPr lvl="1"/>
+            <a:r>
+              <a:rPr lang="en-US" dirty="0" smtClean="0"/>
+              <a:t>Modify </a:t>
+            </a:r>
+            <a:r>
+              <a:rPr lang="en-US" dirty="0" err="1" smtClean="0">
+                <a:latin typeface="Courier New" panose="02070309020205020404" pitchFamily="49" charset="0"/>
+                <a:cs typeface="Courier New" panose="02070309020205020404" pitchFamily="49" charset="0"/>
+              </a:rPr>
+              <a:t>Test_ErrorOccursWhenProductOutOfStock</a:t>
+            </a:r>
+            <a:r>
+              <a:rPr lang="en-US" dirty="0" smtClean="0">
+                <a:latin typeface="Courier New" panose="02070309020205020404" pitchFamily="49" charset="0"/>
+                <a:cs typeface="Courier New" panose="02070309020205020404" pitchFamily="49" charset="0"/>
+              </a:rPr>
+              <a:t> </a:t>
+            </a:r>
+            <a:r>
+              <a:rPr lang="en-US" dirty="0" smtClean="0">
+                <a:cs typeface="Courier New" panose="02070309020205020404" pitchFamily="49" charset="0"/>
+              </a:rPr>
+              <a:t>to test the case where the quantity is greater than 0, but the user attempts to buy more than the available quantity</a:t>
+            </a:r>
+            <a:endParaRPr lang="en-US" dirty="0" smtClean="0">
+              <a:latin typeface="Courier New" panose="02070309020205020404" pitchFamily="49" charset="0"/>
+              <a:cs typeface="Courier New" panose="02070309020205020404" pitchFamily="49" charset="0"/>
+            </a:endParaRPr>
+          </a:p>
+          <a:p>
+            <a:pPr lvl="1"/>
+            <a:r>
+              <a:rPr lang="en-US" dirty="0" smtClean="0"/>
+              <a:t>Commit the changed code to your repo with comment “Task 4”</a:t>
+            </a:r>
+            <a:endParaRPr lang="en-US" dirty="0"/>
+          </a:p>
+        </p:txBody>
+      </p:sp>
+    </p:spTree>
+    <p:extLst>
+      <p:ext uri="{BB962C8B-B14F-4D97-AF65-F5344CB8AC3E}">
+        <p14:creationId xmlns:p14="http://schemas.microsoft.com/office/powerpoint/2010/main" val="1077509475"/>
+      </p:ext>
+    </p:extLst>
+  </p:cSld>
+  <p:clrMapOvr>
+    <a:masterClrMapping/>
+  </p:clrMapOvr>
+  <p:timing>
+    <p:tnLst>
+      <p:par>
+        <p:cTn id="1" dur="indefinite" restart="never" nodeType="tmRoot"/>
+      </p:par>
+    </p:tnLst>
+  </p:timing>
+</p:sld>
+</file>
+
+<file path=ppt/slides/slide33.xml><?xml version="1.0" encoding="utf-8"?>
+<p:sld xmlns:a="http://schemas.openxmlformats.org/drawingml/2006/main" xmlns:r="http://schemas.openxmlformats.org/officeDocument/2006/relationships" xmlns:p="http://schemas.openxmlformats.org/presentationml/2006/main">
+  <p:cSld>
+    <p:spTree>
+      <p:nvGrpSpPr>
+        <p:cNvPr id="1" name=""/>
+        <p:cNvGrpSpPr/>
+        <p:nvPr/>
+      </p:nvGrpSpPr>
+      <p:grpSpPr>
+        <a:xfrm>
+          <a:off x="0" y="0"/>
+          <a:ext cx="0" cy="0"/>
+          <a:chOff x="0" y="0"/>
+          <a:chExt cx="0" cy="0"/>
+        </a:xfrm>
+      </p:grpSpPr>
+      <p:sp>
+        <p:nvSpPr>
+          <p:cNvPr id="2" name="Title 1"/>
+          <p:cNvSpPr>
+            <a:spLocks noGrp="1"/>
+          </p:cNvSpPr>
+          <p:nvPr>
+            <p:ph type="title"/>
+          </p:nvPr>
+        </p:nvSpPr>
+        <p:spPr/>
+        <p:txBody>
+          <a:bodyPr/>
+          <a:lstStyle/>
+          <a:p>
+            <a:r>
+              <a:rPr lang="en-US" dirty="0" smtClean="0"/>
+              <a:t>Hands-On Exercise Tasks</a:t>
+            </a:r>
+            <a:endParaRPr lang="en-US" dirty="0"/>
+          </a:p>
+        </p:txBody>
+      </p:sp>
+      <p:sp>
+        <p:nvSpPr>
+          <p:cNvPr id="3" name="Content Placeholder 2"/>
+          <p:cNvSpPr>
+            <a:spLocks noGrp="1"/>
+          </p:cNvSpPr>
+          <p:nvPr>
+            <p:ph idx="1"/>
+          </p:nvPr>
+        </p:nvSpPr>
+        <p:spPr/>
+        <p:txBody>
+          <a:bodyPr>
+            <a:normAutofit fontScale="85000" lnSpcReduction="10000"/>
+          </a:bodyPr>
+          <a:lstStyle/>
+          <a:p>
+            <a:r>
+              <a:rPr lang="en-US" dirty="0" smtClean="0"/>
+              <a:t>Bonus Task</a:t>
+            </a:r>
+          </a:p>
+          <a:p>
+            <a:pPr lvl="1"/>
+            <a:r>
+              <a:rPr lang="en-US" dirty="0" smtClean="0"/>
+              <a:t>Change the Product class to have an Id field of type String</a:t>
+            </a:r>
+          </a:p>
+          <a:p>
+            <a:pPr lvl="1"/>
+            <a:r>
+              <a:rPr lang="en-US" dirty="0" smtClean="0"/>
+              <a:t>Add Ids to </a:t>
+            </a:r>
+            <a:r>
+              <a:rPr lang="en-US" dirty="0" err="1" smtClean="0"/>
+              <a:t>Products.json</a:t>
+            </a:r>
+            <a:r>
+              <a:rPr lang="en-US" dirty="0" smtClean="0"/>
+              <a:t> for each product. You can use “1”, “2”, “3”, etc</a:t>
+            </a:r>
+            <a:r>
+              <a:rPr lang="en-US" dirty="0"/>
+              <a:t>.</a:t>
+            </a:r>
+            <a:endParaRPr lang="en-US" dirty="0" smtClean="0"/>
+          </a:p>
+          <a:p>
+            <a:pPr lvl="1"/>
+            <a:r>
+              <a:rPr lang="en-US" dirty="0" smtClean="0"/>
+              <a:t>Change product menu to display “</a:t>
+            </a:r>
+            <a:r>
+              <a:rPr lang="en-US" dirty="0" err="1" smtClean="0"/>
+              <a:t>ProductId</a:t>
+            </a:r>
+            <a:r>
+              <a:rPr lang="en-US" dirty="0" smtClean="0"/>
+              <a:t>: </a:t>
+            </a:r>
+            <a:r>
+              <a:rPr lang="en-US" dirty="0" err="1" smtClean="0"/>
+              <a:t>ProductName</a:t>
+            </a:r>
+            <a:r>
+              <a:rPr lang="en-US" dirty="0" smtClean="0"/>
+              <a:t>” instead of “</a:t>
+            </a:r>
+            <a:r>
+              <a:rPr lang="en-US" dirty="0" err="1" smtClean="0"/>
+              <a:t>LineNumber</a:t>
+            </a:r>
+            <a:r>
+              <a:rPr lang="en-US" dirty="0" smtClean="0"/>
+              <a:t>: </a:t>
+            </a:r>
+            <a:r>
+              <a:rPr lang="en-US" dirty="0" err="1" smtClean="0"/>
+              <a:t>ProductName</a:t>
+            </a:r>
+            <a:r>
+              <a:rPr lang="en-US" dirty="0" smtClean="0"/>
+              <a:t>”</a:t>
+            </a:r>
+          </a:p>
+          <a:p>
+            <a:pPr lvl="1"/>
+            <a:r>
+              <a:rPr lang="en-US" dirty="0" smtClean="0"/>
+              <a:t>Change the code to allow the user to enter the </a:t>
+            </a:r>
+            <a:r>
+              <a:rPr lang="en-US" dirty="0" err="1" smtClean="0"/>
+              <a:t>ProductId</a:t>
+            </a:r>
+            <a:r>
+              <a:rPr lang="en-US" dirty="0" smtClean="0"/>
+              <a:t> rather than the line number to select an item</a:t>
+            </a:r>
+          </a:p>
+          <a:p>
+            <a:pPr lvl="1"/>
+            <a:r>
+              <a:rPr lang="en-US" dirty="0" smtClean="0"/>
+              <a:t>Fix any broken tests</a:t>
+            </a:r>
+          </a:p>
+          <a:p>
+            <a:pPr lvl="1"/>
+            <a:r>
+              <a:rPr lang="en-US" dirty="0" smtClean="0"/>
+              <a:t>Commit the changed code to your repo with comment “Bonus Task”</a:t>
+            </a:r>
+            <a:endParaRPr lang="en-US" dirty="0"/>
+          </a:p>
+        </p:txBody>
+      </p:sp>
+    </p:spTree>
+    <p:extLst>
+      <p:ext uri="{BB962C8B-B14F-4D97-AF65-F5344CB8AC3E}">
+        <p14:creationId xmlns:p14="http://schemas.microsoft.com/office/powerpoint/2010/main" val="2947934104"/>
+      </p:ext>
+    </p:extLst>
+  </p:cSld>
+  <p:clrMapOvr>
+    <a:masterClrMapping/>
+  </p:clrMapOvr>
+  <p:timing>
+    <p:tnLst>
+      <p:par>
+        <p:cTn id="1" dur="indefinite" restart="never" nodeType="tmRoot"/>
+      </p:par>
+    </p:tnLst>
+  </p:timing>
+</p:sld>
+</file>
+
+<file path=ppt/slides/slide34.xml><?xml version="1.0" encoding="utf-8"?>
+<p:sld xmlns:a="http://schemas.openxmlformats.org/drawingml/2006/main" xmlns:r="http://schemas.openxmlformats.org/officeDocument/2006/relationships" xmlns:p="http://schemas.openxmlformats.org/presentationml/2006/main">
+  <p:cSld>
+    <p:spTree>
+      <p:nvGrpSpPr>
+        <p:cNvPr id="1" name=""/>
+        <p:cNvGrpSpPr/>
+        <p:nvPr/>
+      </p:nvGrpSpPr>
+      <p:grpSpPr>
+        <a:xfrm>
+          <a:off x="0" y="0"/>
+          <a:ext cx="0" cy="0"/>
+          <a:chOff x="0" y="0"/>
+          <a:chExt cx="0" cy="0"/>
+        </a:xfrm>
+      </p:grpSpPr>
+      <p:sp>
+        <p:nvSpPr>
+          <p:cNvPr id="2" name="Title 1"/>
+          <p:cNvSpPr>
+            <a:spLocks noGrp="1"/>
+          </p:cNvSpPr>
+          <p:nvPr>
+            <p:ph type="title"/>
+          </p:nvPr>
+        </p:nvSpPr>
+        <p:spPr/>
+        <p:txBody>
+          <a:bodyPr/>
+          <a:lstStyle/>
+          <a:p>
+            <a:r>
+              <a:rPr lang="en-US" dirty="0" smtClean="0"/>
+              <a:t>Hands-On Exercise Tasks</a:t>
+            </a:r>
+            <a:endParaRPr lang="en-US" dirty="0"/>
+          </a:p>
+        </p:txBody>
+      </p:sp>
+      <p:sp>
+        <p:nvSpPr>
+          <p:cNvPr id="3" name="Content Placeholder 2"/>
+          <p:cNvSpPr>
+            <a:spLocks noGrp="1"/>
+          </p:cNvSpPr>
+          <p:nvPr>
+            <p:ph idx="1"/>
+          </p:nvPr>
+        </p:nvSpPr>
+        <p:spPr/>
+        <p:txBody>
+          <a:bodyPr>
+            <a:normAutofit/>
+          </a:bodyPr>
+          <a:lstStyle/>
+          <a:p>
+            <a:r>
+              <a:rPr lang="en-US" dirty="0" smtClean="0"/>
+              <a:t>When complete, push all of your commits to your repo, and then submit a pull request back to my repo</a:t>
+            </a:r>
+          </a:p>
+          <a:p>
+            <a:r>
+              <a:rPr lang="en-US" dirty="0" smtClean="0"/>
+              <a:t>Note that you will have to do this for each of the repos you worked on</a:t>
+            </a:r>
+            <a:endParaRPr lang="en-US" dirty="0"/>
+          </a:p>
+        </p:txBody>
+      </p:sp>
+    </p:spTree>
+    <p:extLst>
+      <p:ext uri="{BB962C8B-B14F-4D97-AF65-F5344CB8AC3E}">
+        <p14:creationId xmlns:p14="http://schemas.microsoft.com/office/powerpoint/2010/main" val="2124368094"/>
+      </p:ext>
+    </p:extLst>
+  </p:cSld>
+  <p:clrMapOvr>
+    <a:masterClrMapping/>
+  </p:clrMapOvr>
+  <p:timing>
+    <p:tnLst>
+      <p:par>
+        <p:cTn id="1" dur="indefinite" restart="never" nodeType="tmRoot"/>
+      </p:par>
+    </p:tnLst>
   </p:timing>
 </p:sld>
 </file>

--- a/Docs/Refactoring-2.0.pptx
+++ b/Docs/Refactoring-2.0.pptx
@@ -39,8 +39,8 @@
     <p:sldId id="321" r:id="rId30"/>
     <p:sldId id="316" r:id="rId31"/>
     <p:sldId id="317" r:id="rId32"/>
-    <p:sldId id="319" r:id="rId33"/>
-    <p:sldId id="318" r:id="rId34"/>
+    <p:sldId id="318" r:id="rId33"/>
+    <p:sldId id="319" r:id="rId34"/>
     <p:sldId id="320" r:id="rId35"/>
   </p:sldIdLst>
   <p:sldSz cx="9144000" cy="6858000" type="screen4x3"/>
@@ -7850,14 +7850,35 @@
           <a:p>
             <a:r>
               <a:rPr lang="en-US" dirty="0" smtClean="0"/>
-              <a:t>You should do each of these tasks for each of the following repos under my account:</a:t>
+              <a:t>You can </a:t>
+            </a:r>
+            <a:r>
+              <a:rPr lang="en-US" smtClean="0"/>
+              <a:t>attempt to do </a:t>
+            </a:r>
+            <a:r>
+              <a:rPr lang="en-US" dirty="0" smtClean="0"/>
+              <a:t>each of these tasks for each of the following repos under my account:</a:t>
             </a:r>
           </a:p>
           <a:p>
             <a:pPr lvl="1"/>
             <a:r>
+              <a:rPr lang="en-US" dirty="0">
+                <a:hlinkClick r:id="rId2"/>
+              </a:rPr>
+              <a:t>Refactoring-training-2.3</a:t>
+            </a:r>
+            <a:r>
+              <a:rPr lang="en-US" dirty="0"/>
+              <a:t> (Copy of Glen’s refactored code)</a:t>
+            </a:r>
+          </a:p>
+          <a:p>
+            <a:pPr lvl="1"/>
+            <a:r>
               <a:rPr lang="en-US" dirty="0" smtClean="0">
-                <a:hlinkClick r:id="rId2"/>
+                <a:hlinkClick r:id="rId3"/>
               </a:rPr>
               <a:t>Refactoring-training-2.0</a:t>
             </a:r>
@@ -7872,19 +7893,6 @@
             <a:r>
               <a:rPr lang="en-US" dirty="0" smtClean="0"/>
               <a:t>ode)</a:t>
-            </a:r>
-          </a:p>
-          <a:p>
-            <a:pPr lvl="1"/>
-            <a:r>
-              <a:rPr lang="en-US" dirty="0" smtClean="0">
-                <a:hlinkClick r:id="rId3"/>
-              </a:rPr>
-              <a:t>Refactoring-training-2.3</a:t>
-            </a:r>
-            <a:r>
-              <a:rPr lang="en-US" dirty="0" smtClean="0"/>
-              <a:t> (Copy of Glen’s refactored code)</a:t>
             </a:r>
           </a:p>
           <a:p>
@@ -9211,7 +9219,7 @@
         <p:spPr/>
         <p:txBody>
           <a:bodyPr>
-            <a:normAutofit fontScale="77500" lnSpcReduction="20000"/>
+            <a:normAutofit fontScale="85000" lnSpcReduction="10000"/>
           </a:bodyPr>
           <a:lstStyle/>
           <a:p>
@@ -9224,124 +9232,95 @@
             <a:pPr lvl="1"/>
             <a:r>
               <a:rPr lang="en-US" dirty="0" smtClean="0"/>
-              <a:t>Write a new test called </a:t>
-            </a:r>
-            <a:r>
-              <a:rPr lang="en-US" sz="2400" dirty="0" err="1" smtClean="0">
-                <a:latin typeface="Courier New" panose="02070309020205020404" pitchFamily="49" charset="0"/>
-                <a:cs typeface="Courier New" panose="02070309020205020404" pitchFamily="49" charset="0"/>
-              </a:rPr>
-              <a:t>Test_ProductsWithZeroQuantityDoNotAppearInMenu</a:t>
-            </a:r>
-            <a:endParaRPr lang="en-US" sz="2400" dirty="0" smtClean="0">
-              <a:latin typeface="Courier New" panose="02070309020205020404" pitchFamily="49" charset="0"/>
-              <a:cs typeface="Courier New" panose="02070309020205020404" pitchFamily="49" charset="0"/>
-            </a:endParaRPr>
+              <a:t>Change the Product class to have an Id field of type String</a:t>
+            </a:r>
           </a:p>
           <a:p>
             <a:pPr lvl="1"/>
             <a:r>
               <a:rPr lang="en-US" dirty="0" smtClean="0"/>
-              <a:t>In the test, set the quantity of a product like Chips to 0.</a:t>
-            </a:r>
+              <a:t>Add Ids to </a:t>
+            </a:r>
+            <a:r>
+              <a:rPr lang="en-US" dirty="0" err="1" smtClean="0"/>
+              <a:t>Products.json</a:t>
+            </a:r>
+            <a:r>
+              <a:rPr lang="en-US" dirty="0" smtClean="0"/>
+              <a:t> for each product. You can use “1”, “2”, “3”, etc</a:t>
+            </a:r>
+            <a:r>
+              <a:rPr lang="en-US" dirty="0"/>
+              <a:t>.</a:t>
+            </a:r>
+            <a:endParaRPr lang="en-US" dirty="0" smtClean="0"/>
           </a:p>
           <a:p>
             <a:pPr lvl="1"/>
             <a:r>
               <a:rPr lang="en-US" dirty="0" smtClean="0"/>
-              <a:t>The assert statement should be similar to:</a:t>
-            </a:r>
-          </a:p>
-          <a:p>
-            <a:pPr marL="457200" lvl="1" indent="0">
-              <a:buNone/>
-            </a:pPr>
-            <a:r>
-              <a:rPr lang="en-US" sz="2100" dirty="0" err="1" smtClean="0">
-                <a:latin typeface="Courier New" panose="02070309020205020404" pitchFamily="49" charset="0"/>
-                <a:cs typeface="Courier New" panose="02070309020205020404" pitchFamily="49" charset="0"/>
-              </a:rPr>
-              <a:t>Assert.IsFalse</a:t>
-            </a:r>
-            <a:r>
-              <a:rPr lang="en-US" sz="2100" dirty="0" smtClean="0">
-                <a:latin typeface="Courier New" panose="02070309020205020404" pitchFamily="49" charset="0"/>
-                <a:cs typeface="Courier New" panose="02070309020205020404" pitchFamily="49" charset="0"/>
-              </a:rPr>
-              <a:t>(</a:t>
-            </a:r>
-            <a:r>
-              <a:rPr lang="en-US" sz="2100" dirty="0" err="1" smtClean="0">
-                <a:latin typeface="Courier New" panose="02070309020205020404" pitchFamily="49" charset="0"/>
-                <a:cs typeface="Courier New" panose="02070309020205020404" pitchFamily="49" charset="0"/>
-              </a:rPr>
-              <a:t>writer.ToString</a:t>
-            </a:r>
-            <a:r>
-              <a:rPr lang="en-US" sz="2100" dirty="0">
-                <a:latin typeface="Courier New" panose="02070309020205020404" pitchFamily="49" charset="0"/>
-                <a:cs typeface="Courier New" panose="02070309020205020404" pitchFamily="49" charset="0"/>
-              </a:rPr>
-              <a:t>().Contains(": Chips</a:t>
-            </a:r>
-            <a:r>
-              <a:rPr lang="en-US" sz="2100" dirty="0" smtClean="0">
-                <a:latin typeface="Courier New" panose="02070309020205020404" pitchFamily="49" charset="0"/>
-                <a:cs typeface="Courier New" panose="02070309020205020404" pitchFamily="49" charset="0"/>
-              </a:rPr>
-              <a:t>"));</a:t>
+              <a:t>Change product menu to display “</a:t>
+            </a:r>
+            <a:r>
+              <a:rPr lang="en-US" dirty="0" err="1" smtClean="0"/>
+              <a:t>ProductId</a:t>
+            </a:r>
+            <a:r>
+              <a:rPr lang="en-US" dirty="0" smtClean="0"/>
+              <a:t>: </a:t>
+            </a:r>
+            <a:r>
+              <a:rPr lang="en-US" dirty="0" err="1" smtClean="0"/>
+              <a:t>ProductName</a:t>
+            </a:r>
+            <a:r>
+              <a:rPr lang="en-US" dirty="0" smtClean="0"/>
+              <a:t>” instead of “</a:t>
+            </a:r>
+            <a:r>
+              <a:rPr lang="en-US" dirty="0" err="1" smtClean="0"/>
+              <a:t>LineNumber</a:t>
+            </a:r>
+            <a:r>
+              <a:rPr lang="en-US" dirty="0" smtClean="0"/>
+              <a:t>: </a:t>
+            </a:r>
+            <a:r>
+              <a:rPr lang="en-US" dirty="0" err="1" smtClean="0"/>
+              <a:t>ProductName</a:t>
+            </a:r>
+            <a:r>
+              <a:rPr lang="en-US" dirty="0" smtClean="0"/>
+              <a:t>”</a:t>
             </a:r>
           </a:p>
           <a:p>
             <a:pPr lvl="1"/>
             <a:r>
               <a:rPr lang="en-US" dirty="0" smtClean="0"/>
-              <a:t>Modify the code to prevent products with zero quantity from appearing in the menu</a:t>
+              <a:t>Change the code to allow the user to enter the </a:t>
+            </a:r>
+            <a:r>
+              <a:rPr lang="en-US" dirty="0" err="1" smtClean="0"/>
+              <a:t>ProductId</a:t>
+            </a:r>
+            <a:r>
+              <a:rPr lang="en-US" dirty="0" smtClean="0"/>
+              <a:t> rather than the line number to select an item</a:t>
             </a:r>
           </a:p>
           <a:p>
             <a:pPr lvl="1"/>
             <a:r>
               <a:rPr lang="en-US" dirty="0" smtClean="0"/>
-              <a:t>Run the tests. Do any of the other tests now fail?</a:t>
+              <a:t>Fix any broken tests</a:t>
             </a:r>
           </a:p>
           <a:p>
             <a:pPr lvl="1"/>
             <a:r>
               <a:rPr lang="en-US" dirty="0" smtClean="0"/>
-              <a:t>Modify </a:t>
-            </a:r>
-            <a:r>
-              <a:rPr lang="en-US" dirty="0" err="1" smtClean="0">
-                <a:latin typeface="Courier New" panose="02070309020205020404" pitchFamily="49" charset="0"/>
-                <a:cs typeface="Courier New" panose="02070309020205020404" pitchFamily="49" charset="0"/>
-              </a:rPr>
-              <a:t>Test_ErrorOccursWhenProductOutOfStock</a:t>
-            </a:r>
-            <a:r>
-              <a:rPr lang="en-US" dirty="0" smtClean="0">
-                <a:latin typeface="Courier New" panose="02070309020205020404" pitchFamily="49" charset="0"/>
-                <a:cs typeface="Courier New" panose="02070309020205020404" pitchFamily="49" charset="0"/>
-              </a:rPr>
-              <a:t> </a:t>
-            </a:r>
-            <a:r>
-              <a:rPr lang="en-US" dirty="0" smtClean="0">
-                <a:cs typeface="Courier New" panose="02070309020205020404" pitchFamily="49" charset="0"/>
-              </a:rPr>
-              <a:t>to test the case where the quantity is greater than 0, but the user attempts to buy more than the available quantity</a:t>
-            </a:r>
-            <a:endParaRPr lang="en-US" dirty="0" smtClean="0">
-              <a:latin typeface="Courier New" panose="02070309020205020404" pitchFamily="49" charset="0"/>
-              <a:cs typeface="Courier New" panose="02070309020205020404" pitchFamily="49" charset="0"/>
-            </a:endParaRPr>
-          </a:p>
-          <a:p>
-            <a:pPr lvl="1"/>
-            <a:r>
-              <a:rPr lang="en-US" dirty="0" smtClean="0"/>
-              <a:t>Commit the changed code to your repo with comment “Task 4”</a:t>
+              <a:t>Commit the changed code to your repo with comment “Task 4</a:t>
             </a:r>
             <a:endParaRPr lang="en-US" dirty="0"/>
           </a:p>
@@ -9350,7 +9329,7 @@
     </p:spTree>
     <p:extLst>
       <p:ext uri="{BB962C8B-B14F-4D97-AF65-F5344CB8AC3E}">
-        <p14:creationId xmlns:p14="http://schemas.microsoft.com/office/powerpoint/2010/main" val="1077509475"/>
+        <p14:creationId xmlns:p14="http://schemas.microsoft.com/office/powerpoint/2010/main" val="2947934104"/>
       </p:ext>
     </p:extLst>
   </p:cSld>
@@ -9420,7 +9399,7 @@
         <p:spPr/>
         <p:txBody>
           <a:bodyPr>
-            <a:normAutofit fontScale="85000" lnSpcReduction="10000"/>
+            <a:normAutofit fontScale="77500" lnSpcReduction="20000"/>
           </a:bodyPr>
           <a:lstStyle/>
           <a:p>
@@ -9433,89 +9412,118 @@
             <a:pPr lvl="1"/>
             <a:r>
               <a:rPr lang="en-US" dirty="0" smtClean="0"/>
-              <a:t>Change the Product class to have an Id field of type String</a:t>
-            </a:r>
+              <a:t>Write a new test called </a:t>
+            </a:r>
+            <a:r>
+              <a:rPr lang="en-US" sz="2400" dirty="0" err="1" smtClean="0">
+                <a:latin typeface="Courier New" panose="02070309020205020404" pitchFamily="49" charset="0"/>
+                <a:cs typeface="Courier New" panose="02070309020205020404" pitchFamily="49" charset="0"/>
+              </a:rPr>
+              <a:t>Test_ProductsWithZeroQuantityDoNotAppearInMenu</a:t>
+            </a:r>
+            <a:endParaRPr lang="en-US" sz="2400" dirty="0" smtClean="0">
+              <a:latin typeface="Courier New" panose="02070309020205020404" pitchFamily="49" charset="0"/>
+              <a:cs typeface="Courier New" panose="02070309020205020404" pitchFamily="49" charset="0"/>
+            </a:endParaRPr>
           </a:p>
           <a:p>
             <a:pPr lvl="1"/>
             <a:r>
               <a:rPr lang="en-US" dirty="0" smtClean="0"/>
-              <a:t>Add Ids to </a:t>
-            </a:r>
-            <a:r>
-              <a:rPr lang="en-US" dirty="0" err="1" smtClean="0"/>
-              <a:t>Products.json</a:t>
-            </a:r>
+              <a:t>In the test, set the quantity of a product like Chips to 0.</a:t>
+            </a:r>
+          </a:p>
+          <a:p>
+            <a:pPr lvl="1"/>
             <a:r>
               <a:rPr lang="en-US" dirty="0" smtClean="0"/>
-              <a:t> for each product. You can use “1”, “2”, “3”, etc</a:t>
-            </a:r>
-            <a:r>
-              <a:rPr lang="en-US" dirty="0"/>
-              <a:t>.</a:t>
-            </a:r>
-            <a:endParaRPr lang="en-US" dirty="0" smtClean="0"/>
+              <a:t>The assert statement should be similar to:</a:t>
+            </a:r>
+          </a:p>
+          <a:p>
+            <a:pPr marL="457200" lvl="1" indent="0">
+              <a:buNone/>
+            </a:pPr>
+            <a:r>
+              <a:rPr lang="en-US" sz="2100" dirty="0" err="1" smtClean="0">
+                <a:latin typeface="Courier New" panose="02070309020205020404" pitchFamily="49" charset="0"/>
+                <a:cs typeface="Courier New" panose="02070309020205020404" pitchFamily="49" charset="0"/>
+              </a:rPr>
+              <a:t>Assert.IsFalse</a:t>
+            </a:r>
+            <a:r>
+              <a:rPr lang="en-US" sz="2100" dirty="0" smtClean="0">
+                <a:latin typeface="Courier New" panose="02070309020205020404" pitchFamily="49" charset="0"/>
+                <a:cs typeface="Courier New" panose="02070309020205020404" pitchFamily="49" charset="0"/>
+              </a:rPr>
+              <a:t>(</a:t>
+            </a:r>
+            <a:r>
+              <a:rPr lang="en-US" sz="2100" dirty="0" err="1" smtClean="0">
+                <a:latin typeface="Courier New" panose="02070309020205020404" pitchFamily="49" charset="0"/>
+                <a:cs typeface="Courier New" panose="02070309020205020404" pitchFamily="49" charset="0"/>
+              </a:rPr>
+              <a:t>writer.ToString</a:t>
+            </a:r>
+            <a:r>
+              <a:rPr lang="en-US" sz="2100" dirty="0">
+                <a:latin typeface="Courier New" panose="02070309020205020404" pitchFamily="49" charset="0"/>
+                <a:cs typeface="Courier New" panose="02070309020205020404" pitchFamily="49" charset="0"/>
+              </a:rPr>
+              <a:t>().Contains(": Chips</a:t>
+            </a:r>
+            <a:r>
+              <a:rPr lang="en-US" sz="2100" dirty="0" smtClean="0">
+                <a:latin typeface="Courier New" panose="02070309020205020404" pitchFamily="49" charset="0"/>
+                <a:cs typeface="Courier New" panose="02070309020205020404" pitchFamily="49" charset="0"/>
+              </a:rPr>
+              <a:t>"));</a:t>
+            </a:r>
           </a:p>
           <a:p>
             <a:pPr lvl="1"/>
             <a:r>
               <a:rPr lang="en-US" dirty="0" smtClean="0"/>
-              <a:t>Change product menu to display “</a:t>
-            </a:r>
-            <a:r>
-              <a:rPr lang="en-US" dirty="0" err="1" smtClean="0"/>
-              <a:t>ProductId</a:t>
-            </a:r>
+              <a:t>Modify the code to prevent products with zero quantity from appearing in the menu</a:t>
+            </a:r>
+          </a:p>
+          <a:p>
+            <a:pPr lvl="1"/>
             <a:r>
               <a:rPr lang="en-US" dirty="0" smtClean="0"/>
-              <a:t>: </a:t>
-            </a:r>
-            <a:r>
-              <a:rPr lang="en-US" dirty="0" err="1" smtClean="0"/>
-              <a:t>ProductName</a:t>
-            </a:r>
+              <a:t>Run the tests. Do any of the other tests now fail?</a:t>
+            </a:r>
+          </a:p>
+          <a:p>
+            <a:pPr lvl="1"/>
             <a:r>
               <a:rPr lang="en-US" dirty="0" smtClean="0"/>
-              <a:t>” instead of “</a:t>
-            </a:r>
-            <a:r>
-              <a:rPr lang="en-US" dirty="0" err="1" smtClean="0"/>
-              <a:t>LineNumber</a:t>
-            </a:r>
-            <a:r>
-              <a:rPr lang="en-US" dirty="0" smtClean="0"/>
-              <a:t>: </a:t>
-            </a:r>
-            <a:r>
-              <a:rPr lang="en-US" dirty="0" err="1" smtClean="0"/>
-              <a:t>ProductName</a:t>
-            </a:r>
-            <a:r>
-              <a:rPr lang="en-US" dirty="0" smtClean="0"/>
-              <a:t>”</a:t>
-            </a:r>
-          </a:p>
-          <a:p>
-            <a:pPr lvl="1"/>
-            <a:r>
-              <a:rPr lang="en-US" dirty="0" smtClean="0"/>
-              <a:t>Change the code to allow the user to enter the </a:t>
-            </a:r>
-            <a:r>
-              <a:rPr lang="en-US" dirty="0" err="1" smtClean="0"/>
-              <a:t>ProductId</a:t>
-            </a:r>
-            <a:r>
-              <a:rPr lang="en-US" dirty="0" smtClean="0"/>
-              <a:t> rather than the line number to select an item</a:t>
-            </a:r>
-          </a:p>
-          <a:p>
-            <a:pPr lvl="1"/>
-            <a:r>
-              <a:rPr lang="en-US" dirty="0" smtClean="0"/>
-              <a:t>Fix any broken tests</a:t>
-            </a:r>
+              <a:t>Modify </a:t>
+            </a:r>
+            <a:r>
+              <a:rPr lang="en-US" dirty="0" err="1" smtClean="0">
+                <a:latin typeface="Courier New" panose="02070309020205020404" pitchFamily="49" charset="0"/>
+                <a:cs typeface="Courier New" panose="02070309020205020404" pitchFamily="49" charset="0"/>
+              </a:rPr>
+              <a:t>Test_ErrorOccursWhenProductOutOfStock</a:t>
+            </a:r>
+            <a:r>
+              <a:rPr lang="en-US" dirty="0" smtClean="0">
+                <a:latin typeface="Courier New" panose="02070309020205020404" pitchFamily="49" charset="0"/>
+                <a:cs typeface="Courier New" panose="02070309020205020404" pitchFamily="49" charset="0"/>
+              </a:rPr>
+              <a:t> </a:t>
+            </a:r>
+            <a:r>
+              <a:rPr lang="en-US" dirty="0" smtClean="0">
+                <a:cs typeface="Courier New" panose="02070309020205020404" pitchFamily="49" charset="0"/>
+              </a:rPr>
+              <a:t>to test the case where the quantity is greater than 0, but the user attempts to buy more than the available quantity</a:t>
+            </a:r>
+            <a:endParaRPr lang="en-US" dirty="0" smtClean="0">
+              <a:latin typeface="Courier New" panose="02070309020205020404" pitchFamily="49" charset="0"/>
+              <a:cs typeface="Courier New" panose="02070309020205020404" pitchFamily="49" charset="0"/>
+            </a:endParaRPr>
           </a:p>
           <a:p>
             <a:pPr lvl="1"/>
@@ -9530,7 +9538,7 @@
     </p:spTree>
     <p:extLst>
       <p:ext uri="{BB962C8B-B14F-4D97-AF65-F5344CB8AC3E}">
-        <p14:creationId xmlns:p14="http://schemas.microsoft.com/office/powerpoint/2010/main" val="2947934104"/>
+        <p14:creationId xmlns:p14="http://schemas.microsoft.com/office/powerpoint/2010/main" val="1077509475"/>
       </p:ext>
     </p:extLst>
   </p:cSld>
